--- a/scenario3/recording/T101389-Scenario3-v20210921.pptx
+++ b/scenario3/recording/T101389-Scenario3-v20210921.pptx
@@ -6,25 +6,33 @@
   </p:sldMasterIdLst>
   <p:sldIdLst>
     <p:sldId id="256" r:id="rId2"/>
-    <p:sldId id="257" r:id="rId3"/>
-    <p:sldId id="258" r:id="rId4"/>
-    <p:sldId id="259" r:id="rId5"/>
-    <p:sldId id="260" r:id="rId6"/>
-    <p:sldId id="262" r:id="rId7"/>
-    <p:sldId id="273" r:id="rId8"/>
-    <p:sldId id="274" r:id="rId9"/>
-    <p:sldId id="284" r:id="rId10"/>
-    <p:sldId id="272" r:id="rId11"/>
-    <p:sldId id="285" r:id="rId12"/>
-    <p:sldId id="275" r:id="rId13"/>
-    <p:sldId id="276" r:id="rId14"/>
-    <p:sldId id="277" r:id="rId15"/>
-    <p:sldId id="278" r:id="rId16"/>
-    <p:sldId id="279" r:id="rId17"/>
-    <p:sldId id="280" r:id="rId18"/>
-    <p:sldId id="281" r:id="rId19"/>
-    <p:sldId id="282" r:id="rId20"/>
-    <p:sldId id="283" r:id="rId21"/>
+    <p:sldId id="260" r:id="rId3"/>
+    <p:sldId id="286" r:id="rId4"/>
+    <p:sldId id="287" r:id="rId5"/>
+    <p:sldId id="289" r:id="rId6"/>
+    <p:sldId id="290" r:id="rId7"/>
+    <p:sldId id="288" r:id="rId8"/>
+    <p:sldId id="262" r:id="rId9"/>
+    <p:sldId id="292" r:id="rId10"/>
+    <p:sldId id="293" r:id="rId11"/>
+    <p:sldId id="274" r:id="rId12"/>
+    <p:sldId id="291" r:id="rId13"/>
+    <p:sldId id="294" r:id="rId14"/>
+    <p:sldId id="295" r:id="rId15"/>
+    <p:sldId id="296" r:id="rId16"/>
+    <p:sldId id="297" r:id="rId17"/>
+    <p:sldId id="275" r:id="rId18"/>
+    <p:sldId id="298" r:id="rId19"/>
+    <p:sldId id="300" r:id="rId20"/>
+    <p:sldId id="299" r:id="rId21"/>
+    <p:sldId id="276" r:id="rId22"/>
+    <p:sldId id="277" r:id="rId23"/>
+    <p:sldId id="278" r:id="rId24"/>
+    <p:sldId id="279" r:id="rId25"/>
+    <p:sldId id="280" r:id="rId26"/>
+    <p:sldId id="281" r:id="rId27"/>
+    <p:sldId id="282" r:id="rId28"/>
+    <p:sldId id="283" r:id="rId29"/>
   </p:sldIdLst>
   <p:sldSz cx="12192000" cy="6858000"/>
   <p:notesSz cx="6858000" cy="9144000"/>
@@ -3417,7 +3425,7 @@
           <a:p>
             <a:r>
               <a:rPr lang="en-US" b="1" dirty="0"/>
-              <a:t>Frank Lee, Joanna Wong</a:t>
+              <a:t>Frank Lee, Joanna Wong, Reginald D’Souza</a:t>
             </a:r>
           </a:p>
           <a:p>
@@ -3663,42 +3671,60 @@
           <a:chExt cx="0" cy="0"/>
         </a:xfrm>
       </p:grpSpPr>
-      <p:pic>
-        <p:nvPicPr>
-          <p:cNvPr id="9" name="Picture 8">
-            <a:extLst>
-              <a:ext uri="{FF2B5EF4-FFF2-40B4-BE49-F238E27FC236}">
-                <a16:creationId xmlns:a16="http://schemas.microsoft.com/office/drawing/2014/main" id="{AB1F36CB-1F3D-42FE-BBC8-AFBB2472A1D9}"/>
-              </a:ext>
-            </a:extLst>
-          </p:cNvPr>
-          <p:cNvPicPr>
-            <a:picLocks noChangeAspect="1"/>
-          </p:cNvPicPr>
+      <p:sp>
+        <p:nvSpPr>
+          <p:cNvPr id="7" name="TextBox 6">
+            <a:extLst>
+              <a:ext uri="{FF2B5EF4-FFF2-40B4-BE49-F238E27FC236}">
+                <a16:creationId xmlns:a16="http://schemas.microsoft.com/office/drawing/2014/main" id="{4B15080C-208A-4EA5-959D-4B354F9F4058}"/>
+              </a:ext>
+            </a:extLst>
+          </p:cNvPr>
+          <p:cNvSpPr txBox="1"/>
           <p:nvPr/>
-        </p:nvPicPr>
-        <p:blipFill>
-          <a:blip r:embed="rId2"/>
-          <a:stretch>
-            <a:fillRect/>
-          </a:stretch>
-        </p:blipFill>
-        <p:spPr>
-          <a:xfrm>
-            <a:off x="374073" y="1103011"/>
-            <a:ext cx="11557289" cy="4961398"/>
+        </p:nvSpPr>
+        <p:spPr>
+          <a:xfrm>
+            <a:off x="0" y="0"/>
+            <a:ext cx="12192000" cy="307777"/>
           </a:xfrm>
           <a:prstGeom prst="rect">
             <a:avLst/>
           </a:prstGeom>
-        </p:spPr>
-      </p:pic>
-      <p:sp>
-        <p:nvSpPr>
-          <p:cNvPr id="6" name="Arrow: Right 5">
-            <a:extLst>
-              <a:ext uri="{FF2B5EF4-FFF2-40B4-BE49-F238E27FC236}">
-                <a16:creationId xmlns:a16="http://schemas.microsoft.com/office/drawing/2014/main" id="{35F32B76-93B2-46A2-8B2D-5A970ACAA047}"/>
+          <a:solidFill>
+            <a:schemeClr val="tx1"/>
+          </a:solidFill>
+        </p:spPr>
+        <p:txBody>
+          <a:bodyPr wrap="square">
+            <a:spAutoFit/>
+          </a:bodyPr>
+          <a:lstStyle/>
+          <a:p>
+            <a:r>
+              <a:rPr lang="en-US" sz="1400" b="1" i="0" dirty="0">
+                <a:solidFill>
+                  <a:schemeClr val="bg1"/>
+                </a:solidFill>
+                <a:effectLst/>
+                <a:latin typeface="-apple-system"/>
+              </a:rPr>
+              <a:t>T101389-10002-Annotated – Data Asset View</a:t>
+            </a:r>
+            <a:endParaRPr lang="en-US" sz="1400" dirty="0">
+              <a:solidFill>
+                <a:schemeClr val="bg1"/>
+              </a:solidFill>
+            </a:endParaRPr>
+          </a:p>
+        </p:txBody>
+      </p:sp>
+      <p:sp>
+        <p:nvSpPr>
+          <p:cNvPr id="9" name="Arrow: Right 8">
+            <a:extLst>
+              <a:ext uri="{FF2B5EF4-FFF2-40B4-BE49-F238E27FC236}">
+                <a16:creationId xmlns:a16="http://schemas.microsoft.com/office/drawing/2014/main" id="{AD55E3DE-B140-4E52-B6EA-D7C0007AEF88}"/>
               </a:ext>
             </a:extLst>
           </p:cNvPr>
@@ -3706,8 +3732,8 @@
           <p:nvPr/>
         </p:nvSpPr>
         <p:spPr>
-          <a:xfrm>
-            <a:off x="187036" y="3583710"/>
+          <a:xfrm rot="10800000">
+            <a:off x="2998964" y="2226251"/>
             <a:ext cx="374073" cy="290946"/>
           </a:xfrm>
           <a:prstGeom prst="rightArrow">
@@ -3745,110 +3771,40 @@
           </a:p>
         </p:txBody>
       </p:sp>
-      <p:sp>
-        <p:nvSpPr>
-          <p:cNvPr id="7" name="TextBox 6">
-            <a:extLst>
-              <a:ext uri="{FF2B5EF4-FFF2-40B4-BE49-F238E27FC236}">
-                <a16:creationId xmlns:a16="http://schemas.microsoft.com/office/drawing/2014/main" id="{4B15080C-208A-4EA5-959D-4B354F9F4058}"/>
-              </a:ext>
-            </a:extLst>
-          </p:cNvPr>
-          <p:cNvSpPr txBox="1"/>
+      <p:pic>
+        <p:nvPicPr>
+          <p:cNvPr id="4" name="Picture 3">
+            <a:extLst>
+              <a:ext uri="{FF2B5EF4-FFF2-40B4-BE49-F238E27FC236}">
+                <a16:creationId xmlns:a16="http://schemas.microsoft.com/office/drawing/2014/main" id="{0232CD7C-A2AA-498D-BD9A-43BD93ABFC6D}"/>
+              </a:ext>
+            </a:extLst>
+          </p:cNvPr>
+          <p:cNvPicPr>
+            <a:picLocks noChangeAspect="1"/>
+          </p:cNvPicPr>
           <p:nvPr/>
-        </p:nvSpPr>
-        <p:spPr>
-          <a:xfrm>
-            <a:off x="0" y="0"/>
-            <a:ext cx="12192000" cy="307777"/>
+        </p:nvPicPr>
+        <p:blipFill>
+          <a:blip r:embed="rId2"/>
+          <a:stretch>
+            <a:fillRect/>
+          </a:stretch>
+        </p:blipFill>
+        <p:spPr>
+          <a:xfrm>
+            <a:off x="657225" y="549146"/>
+            <a:ext cx="9580144" cy="5759707"/>
           </a:xfrm>
           <a:prstGeom prst="rect">
             <a:avLst/>
           </a:prstGeom>
-          <a:solidFill>
-            <a:schemeClr val="tx1"/>
-          </a:solidFill>
-        </p:spPr>
-        <p:txBody>
-          <a:bodyPr wrap="square">
-            <a:spAutoFit/>
-          </a:bodyPr>
-          <a:lstStyle/>
-          <a:p>
-            <a:r>
-              <a:rPr lang="en-US" sz="1400" b="1" i="0" dirty="0">
-                <a:solidFill>
-                  <a:schemeClr val="bg1"/>
-                </a:solidFill>
-                <a:effectLst/>
-                <a:latin typeface="-apple-system"/>
-              </a:rPr>
-              <a:t>Export dataset to WKC Catalog1: Result from WKC-2</a:t>
-            </a:r>
-            <a:endParaRPr lang="en-US" sz="1400" dirty="0">
-              <a:solidFill>
-                <a:schemeClr val="bg1"/>
-              </a:solidFill>
-            </a:endParaRPr>
-          </a:p>
-        </p:txBody>
-      </p:sp>
-      <p:sp>
-        <p:nvSpPr>
-          <p:cNvPr id="10" name="Arrow: Right 9">
-            <a:extLst>
-              <a:ext uri="{FF2B5EF4-FFF2-40B4-BE49-F238E27FC236}">
-                <a16:creationId xmlns:a16="http://schemas.microsoft.com/office/drawing/2014/main" id="{576434CC-2578-4598-90C2-1116150663A1}"/>
-              </a:ext>
-            </a:extLst>
-          </p:cNvPr>
-          <p:cNvSpPr/>
-          <p:nvPr/>
-        </p:nvSpPr>
-        <p:spPr>
-          <a:xfrm>
-            <a:off x="7121236" y="3438237"/>
-            <a:ext cx="374073" cy="290946"/>
-          </a:xfrm>
-          <a:prstGeom prst="rightArrow">
-            <a:avLst/>
-          </a:prstGeom>
-          <a:solidFill>
-            <a:srgbClr val="FF0000"/>
-          </a:solidFill>
-          <a:ln>
-            <a:noFill/>
-          </a:ln>
-        </p:spPr>
-        <p:style>
-          <a:lnRef idx="2">
-            <a:schemeClr val="accent1">
-              <a:shade val="50000"/>
-            </a:schemeClr>
-          </a:lnRef>
-          <a:fillRef idx="1">
-            <a:schemeClr val="accent1"/>
-          </a:fillRef>
-          <a:effectRef idx="0">
-            <a:schemeClr val="accent1"/>
-          </a:effectRef>
-          <a:fontRef idx="minor">
-            <a:schemeClr val="lt1"/>
-          </a:fontRef>
-        </p:style>
-        <p:txBody>
-          <a:bodyPr rtlCol="0" anchor="ctr"/>
-          <a:lstStyle/>
-          <a:p>
-            <a:pPr algn="ctr"/>
-            <a:endParaRPr lang="en-US"/>
-          </a:p>
-        </p:txBody>
-      </p:sp>
+        </p:spPr>
+      </p:pic>
     </p:spTree>
     <p:extLst>
       <p:ext uri="{BB962C8B-B14F-4D97-AF65-F5344CB8AC3E}">
-        <p14:creationId xmlns:p14="http://schemas.microsoft.com/office/powerpoint/2010/main" val="1318357477"/>
+        <p14:creationId xmlns:p14="http://schemas.microsoft.com/office/powerpoint/2010/main" val="359760320"/>
       </p:ext>
     </p:extLst>
   </p:cSld>
@@ -3875,12 +3831,60 @@
           <a:chExt cx="0" cy="0"/>
         </a:xfrm>
       </p:grpSpPr>
+      <p:sp>
+        <p:nvSpPr>
+          <p:cNvPr id="7" name="TextBox 6">
+            <a:extLst>
+              <a:ext uri="{FF2B5EF4-FFF2-40B4-BE49-F238E27FC236}">
+                <a16:creationId xmlns:a16="http://schemas.microsoft.com/office/drawing/2014/main" id="{4B15080C-208A-4EA5-959D-4B354F9F4058}"/>
+              </a:ext>
+            </a:extLst>
+          </p:cNvPr>
+          <p:cNvSpPr txBox="1"/>
+          <p:nvPr/>
+        </p:nvSpPr>
+        <p:spPr>
+          <a:xfrm>
+            <a:off x="0" y="0"/>
+            <a:ext cx="12192000" cy="307777"/>
+          </a:xfrm>
+          <a:prstGeom prst="rect">
+            <a:avLst/>
+          </a:prstGeom>
+          <a:solidFill>
+            <a:schemeClr val="tx1"/>
+          </a:solidFill>
+        </p:spPr>
+        <p:txBody>
+          <a:bodyPr wrap="square">
+            <a:spAutoFit/>
+          </a:bodyPr>
+          <a:lstStyle/>
+          <a:p>
+            <a:r>
+              <a:rPr lang="en-US" sz="1400" b="1" i="0" dirty="0">
+                <a:solidFill>
+                  <a:schemeClr val="bg1"/>
+                </a:solidFill>
+                <a:effectLst/>
+                <a:latin typeface="-apple-system"/>
+              </a:rPr>
+              <a:t>T101389-10002-Annotated – Data Asset View</a:t>
+            </a:r>
+            <a:endParaRPr lang="en-US" sz="1400" dirty="0">
+              <a:solidFill>
+                <a:schemeClr val="bg1"/>
+              </a:solidFill>
+            </a:endParaRPr>
+          </a:p>
+        </p:txBody>
+      </p:sp>
       <p:pic>
         <p:nvPicPr>
-          <p:cNvPr id="5" name="Picture 4">
-            <a:extLst>
-              <a:ext uri="{FF2B5EF4-FFF2-40B4-BE49-F238E27FC236}">
-                <a16:creationId xmlns:a16="http://schemas.microsoft.com/office/drawing/2014/main" id="{8AED9B9E-9D81-4691-A439-4DFD0DA59715}"/>
+          <p:cNvPr id="4" name="Picture 3">
+            <a:extLst>
+              <a:ext uri="{FF2B5EF4-FFF2-40B4-BE49-F238E27FC236}">
+                <a16:creationId xmlns:a16="http://schemas.microsoft.com/office/drawing/2014/main" id="{A43EBCC6-867A-4E55-844D-C02A381C6E88}"/>
               </a:ext>
             </a:extLst>
           </p:cNvPr>
@@ -3897,8 +3901,8 @@
         </p:blipFill>
         <p:spPr>
           <a:xfrm>
-            <a:off x="749392" y="685800"/>
-            <a:ext cx="9680484" cy="5964116"/>
+            <a:off x="0" y="783014"/>
+            <a:ext cx="12192000" cy="5291971"/>
           </a:xfrm>
           <a:prstGeom prst="rect">
             <a:avLst/>
@@ -3907,56 +3911,112 @@
       </p:pic>
       <p:sp>
         <p:nvSpPr>
-          <p:cNvPr id="6" name="TextBox 5">
-            <a:extLst>
-              <a:ext uri="{FF2B5EF4-FFF2-40B4-BE49-F238E27FC236}">
-                <a16:creationId xmlns:a16="http://schemas.microsoft.com/office/drawing/2014/main" id="{4CC18104-3F73-44BE-A24F-3C3FBCED050A}"/>
-              </a:ext>
-            </a:extLst>
-          </p:cNvPr>
-          <p:cNvSpPr txBox="1"/>
+          <p:cNvPr id="9" name="Arrow: Right 8">
+            <a:extLst>
+              <a:ext uri="{FF2B5EF4-FFF2-40B4-BE49-F238E27FC236}">
+                <a16:creationId xmlns:a16="http://schemas.microsoft.com/office/drawing/2014/main" id="{AD55E3DE-B140-4E52-B6EA-D7C0007AEF88}"/>
+              </a:ext>
+            </a:extLst>
+          </p:cNvPr>
+          <p:cNvSpPr/>
           <p:nvPr/>
         </p:nvSpPr>
         <p:spPr>
-          <a:xfrm>
-            <a:off x="0" y="0"/>
-            <a:ext cx="12192000" cy="307777"/>
-          </a:xfrm>
-          <a:prstGeom prst="rect">
+          <a:xfrm rot="10800000">
+            <a:off x="2351264" y="3283526"/>
+            <a:ext cx="374073" cy="290946"/>
+          </a:xfrm>
+          <a:prstGeom prst="rightArrow">
             <a:avLst/>
           </a:prstGeom>
           <a:solidFill>
-            <a:schemeClr val="tx1"/>
+            <a:srgbClr val="FF0000"/>
           </a:solidFill>
-        </p:spPr>
-        <p:txBody>
-          <a:bodyPr wrap="square">
-            <a:spAutoFit/>
-          </a:bodyPr>
-          <a:lstStyle/>
-          <a:p>
-            <a:r>
-              <a:rPr lang="en-US" sz="1400" b="1" i="0" dirty="0">
-                <a:solidFill>
-                  <a:schemeClr val="bg1"/>
-                </a:solidFill>
-                <a:effectLst/>
-                <a:latin typeface="-apple-system"/>
-              </a:rPr>
-              <a:t>Export dataset to WKC Catalog1: Result from WKC-2</a:t>
-            </a:r>
-            <a:endParaRPr lang="en-US" sz="1400" dirty="0">
-              <a:solidFill>
-                <a:schemeClr val="bg1"/>
-              </a:solidFill>
-            </a:endParaRPr>
+          <a:ln>
+            <a:noFill/>
+          </a:ln>
+        </p:spPr>
+        <p:style>
+          <a:lnRef idx="2">
+            <a:schemeClr val="accent1">
+              <a:shade val="50000"/>
+            </a:schemeClr>
+          </a:lnRef>
+          <a:fillRef idx="1">
+            <a:schemeClr val="accent1"/>
+          </a:fillRef>
+          <a:effectRef idx="0">
+            <a:schemeClr val="accent1"/>
+          </a:effectRef>
+          <a:fontRef idx="minor">
+            <a:schemeClr val="lt1"/>
+          </a:fontRef>
+        </p:style>
+        <p:txBody>
+          <a:bodyPr rtlCol="0" anchor="ctr"/>
+          <a:lstStyle/>
+          <a:p>
+            <a:pPr algn="ctr"/>
+            <a:endParaRPr lang="en-US"/>
+          </a:p>
+        </p:txBody>
+      </p:sp>
+      <p:sp>
+        <p:nvSpPr>
+          <p:cNvPr id="10" name="Arrow: Right 9">
+            <a:extLst>
+              <a:ext uri="{FF2B5EF4-FFF2-40B4-BE49-F238E27FC236}">
+                <a16:creationId xmlns:a16="http://schemas.microsoft.com/office/drawing/2014/main" id="{B4E5378A-8F3D-47FA-A44F-8A83A9895BCC}"/>
+              </a:ext>
+            </a:extLst>
+          </p:cNvPr>
+          <p:cNvSpPr/>
+          <p:nvPr/>
+        </p:nvSpPr>
+        <p:spPr>
+          <a:xfrm>
+            <a:off x="7178386" y="2783030"/>
+            <a:ext cx="374073" cy="290946"/>
+          </a:xfrm>
+          <a:prstGeom prst="rightArrow">
+            <a:avLst/>
+          </a:prstGeom>
+          <a:solidFill>
+            <a:srgbClr val="FF0000"/>
+          </a:solidFill>
+          <a:ln>
+            <a:noFill/>
+          </a:ln>
+        </p:spPr>
+        <p:style>
+          <a:lnRef idx="2">
+            <a:schemeClr val="accent1">
+              <a:shade val="50000"/>
+            </a:schemeClr>
+          </a:lnRef>
+          <a:fillRef idx="1">
+            <a:schemeClr val="accent1"/>
+          </a:fillRef>
+          <a:effectRef idx="0">
+            <a:schemeClr val="accent1"/>
+          </a:effectRef>
+          <a:fontRef idx="minor">
+            <a:schemeClr val="lt1"/>
+          </a:fontRef>
+        </p:style>
+        <p:txBody>
+          <a:bodyPr rtlCol="0" anchor="ctr"/>
+          <a:lstStyle/>
+          <a:p>
+            <a:pPr algn="ctr"/>
+            <a:endParaRPr lang="en-US"/>
           </a:p>
         </p:txBody>
       </p:sp>
     </p:spTree>
     <p:extLst>
       <p:ext uri="{BB962C8B-B14F-4D97-AF65-F5344CB8AC3E}">
-        <p14:creationId xmlns:p14="http://schemas.microsoft.com/office/powerpoint/2010/main" val="989266639"/>
+        <p14:creationId xmlns:p14="http://schemas.microsoft.com/office/powerpoint/2010/main" val="2543289481"/>
       </p:ext>
     </p:extLst>
   </p:cSld>
@@ -3985,10 +4045,10 @@
       </p:grpSpPr>
       <p:pic>
         <p:nvPicPr>
-          <p:cNvPr id="5" name="Picture 4">
-            <a:extLst>
-              <a:ext uri="{FF2B5EF4-FFF2-40B4-BE49-F238E27FC236}">
-                <a16:creationId xmlns:a16="http://schemas.microsoft.com/office/drawing/2014/main" id="{08D0DBC0-7011-41BC-81C0-5F9FC99E57F8}"/>
+          <p:cNvPr id="3" name="Picture 2">
+            <a:extLst>
+              <a:ext uri="{FF2B5EF4-FFF2-40B4-BE49-F238E27FC236}">
+                <a16:creationId xmlns:a16="http://schemas.microsoft.com/office/drawing/2014/main" id="{213D8403-D6DF-45F1-AF41-15F6C5DD4BD9}"/>
               </a:ext>
             </a:extLst>
           </p:cNvPr>
@@ -4005,8 +4065,8 @@
         </p:blipFill>
         <p:spPr>
           <a:xfrm>
-            <a:off x="0" y="553602"/>
-            <a:ext cx="12192000" cy="5750795"/>
+            <a:off x="0" y="287960"/>
+            <a:ext cx="12192000" cy="6282080"/>
           </a:xfrm>
           <a:prstGeom prst="rect">
             <a:avLst/>
@@ -4015,10 +4075,10 @@
       </p:pic>
       <p:sp>
         <p:nvSpPr>
-          <p:cNvPr id="6" name="TextBox 5">
-            <a:extLst>
-              <a:ext uri="{FF2B5EF4-FFF2-40B4-BE49-F238E27FC236}">
-                <a16:creationId xmlns:a16="http://schemas.microsoft.com/office/drawing/2014/main" id="{47A5A813-9D57-430D-8495-F1C1E53801D9}"/>
+          <p:cNvPr id="7" name="TextBox 6">
+            <a:extLst>
+              <a:ext uri="{FF2B5EF4-FFF2-40B4-BE49-F238E27FC236}">
+                <a16:creationId xmlns:a16="http://schemas.microsoft.com/office/drawing/2014/main" id="{4B15080C-208A-4EA5-959D-4B354F9F4058}"/>
               </a:ext>
             </a:extLst>
           </p:cNvPr>
@@ -4051,7 +4111,7 @@
                 <a:effectLst/>
                 <a:latin typeface="-apple-system"/>
               </a:rPr>
-              <a:t>Working with the Manifest</a:t>
+              <a:t>T101389-10002-Annotated – Data Asset View</a:t>
             </a:r>
             <a:endParaRPr lang="en-US" sz="1400" dirty="0">
               <a:solidFill>
@@ -4061,10 +4121,62 @@
           </a:p>
         </p:txBody>
       </p:sp>
+      <p:sp>
+        <p:nvSpPr>
+          <p:cNvPr id="9" name="Arrow: Right 8">
+            <a:extLst>
+              <a:ext uri="{FF2B5EF4-FFF2-40B4-BE49-F238E27FC236}">
+                <a16:creationId xmlns:a16="http://schemas.microsoft.com/office/drawing/2014/main" id="{AD55E3DE-B140-4E52-B6EA-D7C0007AEF88}"/>
+              </a:ext>
+            </a:extLst>
+          </p:cNvPr>
+          <p:cNvSpPr/>
+          <p:nvPr/>
+        </p:nvSpPr>
+        <p:spPr>
+          <a:xfrm rot="10800000">
+            <a:off x="2998964" y="2226251"/>
+            <a:ext cx="374073" cy="290946"/>
+          </a:xfrm>
+          <a:prstGeom prst="rightArrow">
+            <a:avLst/>
+          </a:prstGeom>
+          <a:solidFill>
+            <a:srgbClr val="FF0000"/>
+          </a:solidFill>
+          <a:ln>
+            <a:noFill/>
+          </a:ln>
+        </p:spPr>
+        <p:style>
+          <a:lnRef idx="2">
+            <a:schemeClr val="accent1">
+              <a:shade val="50000"/>
+            </a:schemeClr>
+          </a:lnRef>
+          <a:fillRef idx="1">
+            <a:schemeClr val="accent1"/>
+          </a:fillRef>
+          <a:effectRef idx="0">
+            <a:schemeClr val="accent1"/>
+          </a:effectRef>
+          <a:fontRef idx="minor">
+            <a:schemeClr val="lt1"/>
+          </a:fontRef>
+        </p:style>
+        <p:txBody>
+          <a:bodyPr rtlCol="0" anchor="ctr"/>
+          <a:lstStyle/>
+          <a:p>
+            <a:pPr algn="ctr"/>
+            <a:endParaRPr lang="en-US"/>
+          </a:p>
+        </p:txBody>
+      </p:sp>
     </p:spTree>
     <p:extLst>
       <p:ext uri="{BB962C8B-B14F-4D97-AF65-F5344CB8AC3E}">
-        <p14:creationId xmlns:p14="http://schemas.microsoft.com/office/powerpoint/2010/main" val="331285430"/>
+        <p14:creationId xmlns:p14="http://schemas.microsoft.com/office/powerpoint/2010/main" val="3912417295"/>
       </p:ext>
     </p:extLst>
   </p:cSld>
@@ -4093,10 +4205,10 @@
       </p:grpSpPr>
       <p:pic>
         <p:nvPicPr>
-          <p:cNvPr id="3" name="Picture 2">
-            <a:extLst>
-              <a:ext uri="{FF2B5EF4-FFF2-40B4-BE49-F238E27FC236}">
-                <a16:creationId xmlns:a16="http://schemas.microsoft.com/office/drawing/2014/main" id="{CE90F8E8-F429-49C6-A050-39C99471E1E7}"/>
+          <p:cNvPr id="5" name="Picture 4">
+            <a:extLst>
+              <a:ext uri="{FF2B5EF4-FFF2-40B4-BE49-F238E27FC236}">
+                <a16:creationId xmlns:a16="http://schemas.microsoft.com/office/drawing/2014/main" id="{67287859-4BCE-4F5F-BD58-F9403EA62875}"/>
               </a:ext>
             </a:extLst>
           </p:cNvPr>
@@ -4113,8 +4225,8 @@
         </p:blipFill>
         <p:spPr>
           <a:xfrm>
-            <a:off x="0" y="556353"/>
-            <a:ext cx="12192000" cy="5745293"/>
+            <a:off x="1285875" y="676143"/>
+            <a:ext cx="6972878" cy="5658451"/>
           </a:xfrm>
           <a:prstGeom prst="rect">
             <a:avLst/>
@@ -4126,7 +4238,7 @@
           <p:cNvPr id="6" name="TextBox 5">
             <a:extLst>
               <a:ext uri="{FF2B5EF4-FFF2-40B4-BE49-F238E27FC236}">
-                <a16:creationId xmlns:a16="http://schemas.microsoft.com/office/drawing/2014/main" id="{B09654E1-685F-4F56-A039-66B83E45FA68}"/>
+                <a16:creationId xmlns:a16="http://schemas.microsoft.com/office/drawing/2014/main" id="{F1F2F157-46B3-49B3-B279-C384E0D94686}"/>
               </a:ext>
             </a:extLst>
           </p:cNvPr>
@@ -4159,7 +4271,7 @@
                 <a:effectLst/>
                 <a:latin typeface="-apple-system"/>
               </a:rPr>
-              <a:t>Working with the Manifest</a:t>
+              <a:t>Find the T101389-s2 Master Manifest</a:t>
             </a:r>
             <a:endParaRPr lang="en-US" sz="1400" dirty="0">
               <a:solidFill>
@@ -4169,10 +4281,62 @@
           </a:p>
         </p:txBody>
       </p:sp>
+      <p:sp>
+        <p:nvSpPr>
+          <p:cNvPr id="7" name="Arrow: Right 6">
+            <a:extLst>
+              <a:ext uri="{FF2B5EF4-FFF2-40B4-BE49-F238E27FC236}">
+                <a16:creationId xmlns:a16="http://schemas.microsoft.com/office/drawing/2014/main" id="{746EBE9B-436D-4087-B297-F025693B1C0B}"/>
+              </a:ext>
+            </a:extLst>
+          </p:cNvPr>
+          <p:cNvSpPr/>
+          <p:nvPr/>
+        </p:nvSpPr>
+        <p:spPr>
+          <a:xfrm>
+            <a:off x="1206211" y="2106755"/>
+            <a:ext cx="374073" cy="290946"/>
+          </a:xfrm>
+          <a:prstGeom prst="rightArrow">
+            <a:avLst/>
+          </a:prstGeom>
+          <a:solidFill>
+            <a:srgbClr val="FF0000"/>
+          </a:solidFill>
+          <a:ln>
+            <a:noFill/>
+          </a:ln>
+        </p:spPr>
+        <p:style>
+          <a:lnRef idx="2">
+            <a:schemeClr val="accent1">
+              <a:shade val="50000"/>
+            </a:schemeClr>
+          </a:lnRef>
+          <a:fillRef idx="1">
+            <a:schemeClr val="accent1"/>
+          </a:fillRef>
+          <a:effectRef idx="0">
+            <a:schemeClr val="accent1"/>
+          </a:effectRef>
+          <a:fontRef idx="minor">
+            <a:schemeClr val="lt1"/>
+          </a:fontRef>
+        </p:style>
+        <p:txBody>
+          <a:bodyPr rtlCol="0" anchor="ctr"/>
+          <a:lstStyle/>
+          <a:p>
+            <a:pPr algn="ctr"/>
+            <a:endParaRPr lang="en-US"/>
+          </a:p>
+        </p:txBody>
+      </p:sp>
     </p:spTree>
     <p:extLst>
       <p:ext uri="{BB962C8B-B14F-4D97-AF65-F5344CB8AC3E}">
-        <p14:creationId xmlns:p14="http://schemas.microsoft.com/office/powerpoint/2010/main" val="2122033167"/>
+        <p14:creationId xmlns:p14="http://schemas.microsoft.com/office/powerpoint/2010/main" val="2926805595"/>
       </p:ext>
     </p:extLst>
   </p:cSld>
@@ -4199,12 +4363,60 @@
           <a:chExt cx="0" cy="0"/>
         </a:xfrm>
       </p:grpSpPr>
+      <p:sp>
+        <p:nvSpPr>
+          <p:cNvPr id="6" name="TextBox 5">
+            <a:extLst>
+              <a:ext uri="{FF2B5EF4-FFF2-40B4-BE49-F238E27FC236}">
+                <a16:creationId xmlns:a16="http://schemas.microsoft.com/office/drawing/2014/main" id="{F1F2F157-46B3-49B3-B279-C384E0D94686}"/>
+              </a:ext>
+            </a:extLst>
+          </p:cNvPr>
+          <p:cNvSpPr txBox="1"/>
+          <p:nvPr/>
+        </p:nvSpPr>
+        <p:spPr>
+          <a:xfrm>
+            <a:off x="0" y="0"/>
+            <a:ext cx="12192000" cy="307777"/>
+          </a:xfrm>
+          <a:prstGeom prst="rect">
+            <a:avLst/>
+          </a:prstGeom>
+          <a:solidFill>
+            <a:schemeClr val="tx1"/>
+          </a:solidFill>
+        </p:spPr>
+        <p:txBody>
+          <a:bodyPr wrap="square">
+            <a:spAutoFit/>
+          </a:bodyPr>
+          <a:lstStyle/>
+          <a:p>
+            <a:r>
+              <a:rPr lang="en-US" sz="1400" b="1" i="0" dirty="0">
+                <a:solidFill>
+                  <a:schemeClr val="bg1"/>
+                </a:solidFill>
+                <a:effectLst/>
+                <a:latin typeface="-apple-system"/>
+              </a:rPr>
+              <a:t>Find the T101389-s2 Master Manifest: Result</a:t>
+            </a:r>
+            <a:endParaRPr lang="en-US" sz="1400" dirty="0">
+              <a:solidFill>
+                <a:schemeClr val="bg1"/>
+              </a:solidFill>
+            </a:endParaRPr>
+          </a:p>
+        </p:txBody>
+      </p:sp>
       <p:pic>
         <p:nvPicPr>
-          <p:cNvPr id="5" name="Picture 4">
-            <a:extLst>
-              <a:ext uri="{FF2B5EF4-FFF2-40B4-BE49-F238E27FC236}">
-                <a16:creationId xmlns:a16="http://schemas.microsoft.com/office/drawing/2014/main" id="{E3DAB7A5-72C9-4B7C-94AB-5BF0FE727937}"/>
+          <p:cNvPr id="3" name="Picture 2">
+            <a:extLst>
+              <a:ext uri="{FF2B5EF4-FFF2-40B4-BE49-F238E27FC236}">
+                <a16:creationId xmlns:a16="http://schemas.microsoft.com/office/drawing/2014/main" id="{9485D4C5-AA44-4C0E-8985-2D6D6530AE7F}"/>
               </a:ext>
             </a:extLst>
           </p:cNvPr>
@@ -4221,75 +4433,20 @@
         </p:blipFill>
         <p:spPr>
           <a:xfrm>
-            <a:off x="750093" y="1035438"/>
-            <a:ext cx="10691813" cy="5139526"/>
+            <a:off x="0" y="1433601"/>
+            <a:ext cx="12192000" cy="3990798"/>
           </a:xfrm>
           <a:prstGeom prst="rect">
             <a:avLst/>
           </a:prstGeom>
-          <a:ln>
-            <a:solidFill>
-              <a:schemeClr val="bg1">
-                <a:lumMod val="50000"/>
-              </a:schemeClr>
-            </a:solidFill>
-          </a:ln>
         </p:spPr>
       </p:pic>
       <p:sp>
         <p:nvSpPr>
-          <p:cNvPr id="6" name="TextBox 5">
-            <a:extLst>
-              <a:ext uri="{FF2B5EF4-FFF2-40B4-BE49-F238E27FC236}">
-                <a16:creationId xmlns:a16="http://schemas.microsoft.com/office/drawing/2014/main" id="{EC8811C5-6C69-41DB-B7C9-01B22879FB86}"/>
-              </a:ext>
-            </a:extLst>
-          </p:cNvPr>
-          <p:cNvSpPr txBox="1"/>
-          <p:nvPr/>
-        </p:nvSpPr>
-        <p:spPr>
-          <a:xfrm>
-            <a:off x="0" y="0"/>
-            <a:ext cx="12192000" cy="307777"/>
-          </a:xfrm>
-          <a:prstGeom prst="rect">
-            <a:avLst/>
-          </a:prstGeom>
-          <a:solidFill>
-            <a:schemeClr val="tx1"/>
-          </a:solidFill>
-        </p:spPr>
-        <p:txBody>
-          <a:bodyPr wrap="square">
-            <a:spAutoFit/>
-          </a:bodyPr>
-          <a:lstStyle/>
-          <a:p>
-            <a:r>
-              <a:rPr lang="en-US" sz="1400" b="1" i="0" dirty="0">
-                <a:solidFill>
-                  <a:schemeClr val="bg1"/>
-                </a:solidFill>
-                <a:effectLst/>
-                <a:latin typeface="-apple-system"/>
-              </a:rPr>
-              <a:t>Working with the Manifest</a:t>
-            </a:r>
-            <a:endParaRPr lang="en-US" sz="1400" dirty="0">
-              <a:solidFill>
-                <a:schemeClr val="bg1"/>
-              </a:solidFill>
-            </a:endParaRPr>
-          </a:p>
-        </p:txBody>
-      </p:sp>
-      <p:sp>
-        <p:nvSpPr>
           <p:cNvPr id="7" name="Arrow: Right 6">
             <a:extLst>
               <a:ext uri="{FF2B5EF4-FFF2-40B4-BE49-F238E27FC236}">
-                <a16:creationId xmlns:a16="http://schemas.microsoft.com/office/drawing/2014/main" id="{CC85BEC6-FD6F-4BA1-AFE2-89AB886B3934}"/>
+                <a16:creationId xmlns:a16="http://schemas.microsoft.com/office/drawing/2014/main" id="{2635EE29-FBAE-4FF8-8E1C-14D5AD91725E}"/>
               </a:ext>
             </a:extLst>
           </p:cNvPr>
@@ -4297,8 +4454,8 @@
           <p:nvPr/>
         </p:nvSpPr>
         <p:spPr>
-          <a:xfrm rot="10800000">
-            <a:off x="4075289" y="2705100"/>
+          <a:xfrm>
+            <a:off x="2892136" y="3283527"/>
             <a:ext cx="374073" cy="290946"/>
           </a:xfrm>
           <a:prstGeom prst="rightArrow">
@@ -4339,7 +4496,7 @@
     </p:spTree>
     <p:extLst>
       <p:ext uri="{BB962C8B-B14F-4D97-AF65-F5344CB8AC3E}">
-        <p14:creationId xmlns:p14="http://schemas.microsoft.com/office/powerpoint/2010/main" val="2582847608"/>
+        <p14:creationId xmlns:p14="http://schemas.microsoft.com/office/powerpoint/2010/main" val="4238935064"/>
       </p:ext>
     </p:extLst>
   </p:cSld>
@@ -4371,7 +4528,7 @@
           <p:cNvPr id="6" name="TextBox 5">
             <a:extLst>
               <a:ext uri="{FF2B5EF4-FFF2-40B4-BE49-F238E27FC236}">
-                <a16:creationId xmlns:a16="http://schemas.microsoft.com/office/drawing/2014/main" id="{EC8811C5-6C69-41DB-B7C9-01B22879FB86}"/>
+                <a16:creationId xmlns:a16="http://schemas.microsoft.com/office/drawing/2014/main" id="{F1F2F157-46B3-49B3-B279-C384E0D94686}"/>
               </a:ext>
             </a:extLst>
           </p:cNvPr>
@@ -4404,7 +4561,7 @@
                 <a:effectLst/>
                 <a:latin typeface="-apple-system"/>
               </a:rPr>
-              <a:t>Working with the Manifest: Exported Data Asset to Watson Studio Project</a:t>
+              <a:t>Export Manifest to WKC/CP4D</a:t>
             </a:r>
             <a:endParaRPr lang="en-US" sz="1400" dirty="0">
               <a:solidFill>
@@ -4416,10 +4573,10 @@
       </p:sp>
       <p:pic>
         <p:nvPicPr>
-          <p:cNvPr id="3" name="Picture 2">
-            <a:extLst>
-              <a:ext uri="{FF2B5EF4-FFF2-40B4-BE49-F238E27FC236}">
-                <a16:creationId xmlns:a16="http://schemas.microsoft.com/office/drawing/2014/main" id="{38D3E03A-1168-4149-8F0E-5B6CCB6A9DA9}"/>
+          <p:cNvPr id="4" name="Picture 3">
+            <a:extLst>
+              <a:ext uri="{FF2B5EF4-FFF2-40B4-BE49-F238E27FC236}">
+                <a16:creationId xmlns:a16="http://schemas.microsoft.com/office/drawing/2014/main" id="{6793AAB6-F5F0-4CAE-A976-01AE263F285A}"/>
               </a:ext>
             </a:extLst>
           </p:cNvPr>
@@ -4436,27 +4593,20 @@
         </p:blipFill>
         <p:spPr>
           <a:xfrm>
-            <a:off x="542925" y="1663227"/>
-            <a:ext cx="11106150" cy="3531545"/>
+            <a:off x="0" y="598052"/>
+            <a:ext cx="12192000" cy="5661896"/>
           </a:xfrm>
           <a:prstGeom prst="rect">
             <a:avLst/>
           </a:prstGeom>
-          <a:ln>
-            <a:solidFill>
-              <a:schemeClr val="bg1">
-                <a:lumMod val="50000"/>
-              </a:schemeClr>
-            </a:solidFill>
-          </a:ln>
         </p:spPr>
       </p:pic>
       <p:sp>
         <p:nvSpPr>
-          <p:cNvPr id="7" name="Arrow: Right 6">
-            <a:extLst>
-              <a:ext uri="{FF2B5EF4-FFF2-40B4-BE49-F238E27FC236}">
-                <a16:creationId xmlns:a16="http://schemas.microsoft.com/office/drawing/2014/main" id="{ABD07B8B-8925-4199-BF36-A997009A94CB}"/>
+          <p:cNvPr id="8" name="Arrow: Right 7">
+            <a:extLst>
+              <a:ext uri="{FF2B5EF4-FFF2-40B4-BE49-F238E27FC236}">
+                <a16:creationId xmlns:a16="http://schemas.microsoft.com/office/drawing/2014/main" id="{9A7C9FC6-A579-4752-87A5-C8E0FCD0345C}"/>
               </a:ext>
             </a:extLst>
           </p:cNvPr>
@@ -4465,7 +4615,7 @@
         </p:nvSpPr>
         <p:spPr>
           <a:xfrm>
-            <a:off x="455789" y="4200525"/>
+            <a:off x="2949286" y="1654752"/>
             <a:ext cx="374073" cy="290946"/>
           </a:xfrm>
           <a:prstGeom prst="rightArrow">
@@ -4506,7 +4656,7 @@
     </p:spTree>
     <p:extLst>
       <p:ext uri="{BB962C8B-B14F-4D97-AF65-F5344CB8AC3E}">
-        <p14:creationId xmlns:p14="http://schemas.microsoft.com/office/powerpoint/2010/main" val="3141512382"/>
+        <p14:creationId xmlns:p14="http://schemas.microsoft.com/office/powerpoint/2010/main" val="1850313689"/>
       </p:ext>
     </p:extLst>
   </p:cSld>
@@ -4535,10 +4685,10 @@
       </p:grpSpPr>
       <p:pic>
         <p:nvPicPr>
-          <p:cNvPr id="4" name="Picture 3">
-            <a:extLst>
-              <a:ext uri="{FF2B5EF4-FFF2-40B4-BE49-F238E27FC236}">
-                <a16:creationId xmlns:a16="http://schemas.microsoft.com/office/drawing/2014/main" id="{77D941C0-CEC2-4CA5-AE4A-8212F3562AFC}"/>
+          <p:cNvPr id="5" name="Picture 4">
+            <a:extLst>
+              <a:ext uri="{FF2B5EF4-FFF2-40B4-BE49-F238E27FC236}">
+                <a16:creationId xmlns:a16="http://schemas.microsoft.com/office/drawing/2014/main" id="{AA43F039-1D76-4323-98BF-D57B5807A309}"/>
               </a:ext>
             </a:extLst>
           </p:cNvPr>
@@ -4555,8 +4705,8 @@
         </p:blipFill>
         <p:spPr>
           <a:xfrm>
-            <a:off x="0" y="918127"/>
-            <a:ext cx="12192000" cy="5459896"/>
+            <a:off x="0" y="420486"/>
+            <a:ext cx="12192000" cy="6017027"/>
           </a:xfrm>
           <a:prstGeom prst="rect">
             <a:avLst/>
@@ -4568,7 +4718,7 @@
           <p:cNvPr id="6" name="TextBox 5">
             <a:extLst>
               <a:ext uri="{FF2B5EF4-FFF2-40B4-BE49-F238E27FC236}">
-                <a16:creationId xmlns:a16="http://schemas.microsoft.com/office/drawing/2014/main" id="{EC8811C5-6C69-41DB-B7C9-01B22879FB86}"/>
+                <a16:creationId xmlns:a16="http://schemas.microsoft.com/office/drawing/2014/main" id="{9B3FA339-92B5-487C-B2F0-99B6B00A5E63}"/>
               </a:ext>
             </a:extLst>
           </p:cNvPr>
@@ -4601,7 +4751,7 @@
                 <a:effectLst/>
                 <a:latin typeface="-apple-system"/>
               </a:rPr>
-              <a:t>Working with the Manifest: Refine the Manifest in Data Refinery</a:t>
+              <a:t>Manifest (T101389_s2_manifest.csv) Exported to WKC</a:t>
             </a:r>
             <a:endParaRPr lang="en-US" sz="1400" dirty="0">
               <a:solidFill>
@@ -4616,7 +4766,7 @@
           <p:cNvPr id="7" name="Arrow: Right 6">
             <a:extLst>
               <a:ext uri="{FF2B5EF4-FFF2-40B4-BE49-F238E27FC236}">
-                <a16:creationId xmlns:a16="http://schemas.microsoft.com/office/drawing/2014/main" id="{ABD07B8B-8925-4199-BF36-A997009A94CB}"/>
+                <a16:creationId xmlns:a16="http://schemas.microsoft.com/office/drawing/2014/main" id="{83AA6082-4B6D-474B-889C-369D8427289C}"/>
               </a:ext>
             </a:extLst>
           </p:cNvPr>
@@ -4625,7 +4775,7 @@
         </p:nvSpPr>
         <p:spPr>
           <a:xfrm>
-            <a:off x="10904714" y="1933575"/>
+            <a:off x="158461" y="3207327"/>
             <a:ext cx="374073" cy="290946"/>
           </a:xfrm>
           <a:prstGeom prst="rightArrow">
@@ -4663,10 +4813,62 @@
           </a:p>
         </p:txBody>
       </p:sp>
+      <p:sp>
+        <p:nvSpPr>
+          <p:cNvPr id="8" name="Arrow: Right 7">
+            <a:extLst>
+              <a:ext uri="{FF2B5EF4-FFF2-40B4-BE49-F238E27FC236}">
+                <a16:creationId xmlns:a16="http://schemas.microsoft.com/office/drawing/2014/main" id="{6ECA5BE5-8ABD-40A8-AEF9-CC3CCB6EDE0C}"/>
+              </a:ext>
+            </a:extLst>
+          </p:cNvPr>
+          <p:cNvSpPr/>
+          <p:nvPr/>
+        </p:nvSpPr>
+        <p:spPr>
+          <a:xfrm>
+            <a:off x="0" y="5388552"/>
+            <a:ext cx="374073" cy="290946"/>
+          </a:xfrm>
+          <a:prstGeom prst="rightArrow">
+            <a:avLst/>
+          </a:prstGeom>
+          <a:solidFill>
+            <a:srgbClr val="FF0000"/>
+          </a:solidFill>
+          <a:ln>
+            <a:noFill/>
+          </a:ln>
+        </p:spPr>
+        <p:style>
+          <a:lnRef idx="2">
+            <a:schemeClr val="accent1">
+              <a:shade val="50000"/>
+            </a:schemeClr>
+          </a:lnRef>
+          <a:fillRef idx="1">
+            <a:schemeClr val="accent1"/>
+          </a:fillRef>
+          <a:effectRef idx="0">
+            <a:schemeClr val="accent1"/>
+          </a:effectRef>
+          <a:fontRef idx="minor">
+            <a:schemeClr val="lt1"/>
+          </a:fontRef>
+        </p:style>
+        <p:txBody>
+          <a:bodyPr rtlCol="0" anchor="ctr"/>
+          <a:lstStyle/>
+          <a:p>
+            <a:pPr algn="ctr"/>
+            <a:endParaRPr lang="en-US"/>
+          </a:p>
+        </p:txBody>
+      </p:sp>
     </p:spTree>
     <p:extLst>
       <p:ext uri="{BB962C8B-B14F-4D97-AF65-F5344CB8AC3E}">
-        <p14:creationId xmlns:p14="http://schemas.microsoft.com/office/powerpoint/2010/main" val="2320956658"/>
+        <p14:creationId xmlns:p14="http://schemas.microsoft.com/office/powerpoint/2010/main" val="1589223916"/>
       </p:ext>
     </p:extLst>
   </p:cSld>
@@ -4698,7 +4900,7 @@
           <p:cNvPr id="6" name="TextBox 5">
             <a:extLst>
               <a:ext uri="{FF2B5EF4-FFF2-40B4-BE49-F238E27FC236}">
-                <a16:creationId xmlns:a16="http://schemas.microsoft.com/office/drawing/2014/main" id="{EC8811C5-6C69-41DB-B7C9-01B22879FB86}"/>
+                <a16:creationId xmlns:a16="http://schemas.microsoft.com/office/drawing/2014/main" id="{47A5A813-9D57-430D-8495-F1C1E53801D9}"/>
               </a:ext>
             </a:extLst>
           </p:cNvPr>
@@ -4731,16 +4933,7 @@
                 <a:effectLst/>
                 <a:latin typeface="-apple-system"/>
               </a:rPr>
-              <a:t>Working with the Manifest: Refine the Manifest in Data Refinery – Visualizatio</a:t>
-            </a:r>
-            <a:r>
-              <a:rPr lang="en-US" sz="1400" b="1" dirty="0">
-                <a:solidFill>
-                  <a:schemeClr val="bg1"/>
-                </a:solidFill>
-                <a:latin typeface="-apple-system"/>
-              </a:rPr>
-              <a:t>n</a:t>
+              <a:t>Working with the Manifest in WKC</a:t>
             </a:r>
             <a:endParaRPr lang="en-US" sz="1400" dirty="0">
               <a:solidFill>
@@ -4750,64 +4943,12 @@
           </a:p>
         </p:txBody>
       </p:sp>
-      <p:sp>
-        <p:nvSpPr>
-          <p:cNvPr id="7" name="Arrow: Right 6">
-            <a:extLst>
-              <a:ext uri="{FF2B5EF4-FFF2-40B4-BE49-F238E27FC236}">
-                <a16:creationId xmlns:a16="http://schemas.microsoft.com/office/drawing/2014/main" id="{ABD07B8B-8925-4199-BF36-A997009A94CB}"/>
-              </a:ext>
-            </a:extLst>
-          </p:cNvPr>
-          <p:cNvSpPr/>
-          <p:nvPr/>
-        </p:nvSpPr>
-        <p:spPr>
-          <a:xfrm>
-            <a:off x="10904714" y="1933575"/>
-            <a:ext cx="374073" cy="290946"/>
-          </a:xfrm>
-          <a:prstGeom prst="rightArrow">
-            <a:avLst/>
-          </a:prstGeom>
-          <a:solidFill>
-            <a:srgbClr val="FF0000"/>
-          </a:solidFill>
-          <a:ln>
-            <a:noFill/>
-          </a:ln>
-        </p:spPr>
-        <p:style>
-          <a:lnRef idx="2">
-            <a:schemeClr val="accent1">
-              <a:shade val="50000"/>
-            </a:schemeClr>
-          </a:lnRef>
-          <a:fillRef idx="1">
-            <a:schemeClr val="accent1"/>
-          </a:fillRef>
-          <a:effectRef idx="0">
-            <a:schemeClr val="accent1"/>
-          </a:effectRef>
-          <a:fontRef idx="minor">
-            <a:schemeClr val="lt1"/>
-          </a:fontRef>
-        </p:style>
-        <p:txBody>
-          <a:bodyPr rtlCol="0" anchor="ctr"/>
-          <a:lstStyle/>
-          <a:p>
-            <a:pPr algn="ctr"/>
-            <a:endParaRPr lang="en-US"/>
-          </a:p>
-        </p:txBody>
-      </p:sp>
       <p:pic>
         <p:nvPicPr>
           <p:cNvPr id="3" name="Picture 2">
             <a:extLst>
               <a:ext uri="{FF2B5EF4-FFF2-40B4-BE49-F238E27FC236}">
-                <a16:creationId xmlns:a16="http://schemas.microsoft.com/office/drawing/2014/main" id="{69DC93BD-4A93-4A2A-A4E2-2C6BF5870E24}"/>
+                <a16:creationId xmlns:a16="http://schemas.microsoft.com/office/drawing/2014/main" id="{3B61B9FD-6D8D-49D3-BD83-7AF5A82E95CB}"/>
               </a:ext>
             </a:extLst>
           </p:cNvPr>
@@ -4824,8 +4965,8 @@
         </p:blipFill>
         <p:spPr>
           <a:xfrm>
-            <a:off x="390525" y="1188026"/>
-            <a:ext cx="11410950" cy="5086304"/>
+            <a:off x="0" y="553109"/>
+            <a:ext cx="12192000" cy="5751781"/>
           </a:xfrm>
           <a:prstGeom prst="rect">
             <a:avLst/>
@@ -4835,7 +4976,7 @@
     </p:spTree>
     <p:extLst>
       <p:ext uri="{BB962C8B-B14F-4D97-AF65-F5344CB8AC3E}">
-        <p14:creationId xmlns:p14="http://schemas.microsoft.com/office/powerpoint/2010/main" val="1871876885"/>
+        <p14:creationId xmlns:p14="http://schemas.microsoft.com/office/powerpoint/2010/main" val="331285430"/>
       </p:ext>
     </p:extLst>
   </p:cSld>
@@ -4867,7 +5008,7 @@
           <p:cNvPr id="6" name="TextBox 5">
             <a:extLst>
               <a:ext uri="{FF2B5EF4-FFF2-40B4-BE49-F238E27FC236}">
-                <a16:creationId xmlns:a16="http://schemas.microsoft.com/office/drawing/2014/main" id="{EC8811C5-6C69-41DB-B7C9-01B22879FB86}"/>
+                <a16:creationId xmlns:a16="http://schemas.microsoft.com/office/drawing/2014/main" id="{47A5A813-9D57-430D-8495-F1C1E53801D9}"/>
               </a:ext>
             </a:extLst>
           </p:cNvPr>
@@ -4900,16 +5041,7 @@
                 <a:effectLst/>
                 <a:latin typeface="-apple-system"/>
               </a:rPr>
-              <a:t>Working with the Manifest: Refine the Manifest in Data Refinery – Visualizatio</a:t>
-            </a:r>
-            <a:r>
-              <a:rPr lang="en-US" sz="1400" b="1" dirty="0">
-                <a:solidFill>
-                  <a:schemeClr val="bg1"/>
-                </a:solidFill>
-                <a:latin typeface="-apple-system"/>
-              </a:rPr>
-              <a:t>n</a:t>
+              <a:t>Working with the Manifest in WKC</a:t>
             </a:r>
             <a:endParaRPr lang="en-US" sz="1400" dirty="0">
               <a:solidFill>
@@ -4919,64 +5051,12 @@
           </a:p>
         </p:txBody>
       </p:sp>
-      <p:sp>
-        <p:nvSpPr>
-          <p:cNvPr id="7" name="Arrow: Right 6">
-            <a:extLst>
-              <a:ext uri="{FF2B5EF4-FFF2-40B4-BE49-F238E27FC236}">
-                <a16:creationId xmlns:a16="http://schemas.microsoft.com/office/drawing/2014/main" id="{ABD07B8B-8925-4199-BF36-A997009A94CB}"/>
-              </a:ext>
-            </a:extLst>
-          </p:cNvPr>
-          <p:cNvSpPr/>
-          <p:nvPr/>
-        </p:nvSpPr>
-        <p:spPr>
-          <a:xfrm>
-            <a:off x="10904714" y="1933575"/>
-            <a:ext cx="374073" cy="290946"/>
-          </a:xfrm>
-          <a:prstGeom prst="rightArrow">
-            <a:avLst/>
-          </a:prstGeom>
-          <a:solidFill>
-            <a:srgbClr val="FF0000"/>
-          </a:solidFill>
-          <a:ln>
-            <a:noFill/>
-          </a:ln>
-        </p:spPr>
-        <p:style>
-          <a:lnRef idx="2">
-            <a:schemeClr val="accent1">
-              <a:shade val="50000"/>
-            </a:schemeClr>
-          </a:lnRef>
-          <a:fillRef idx="1">
-            <a:schemeClr val="accent1"/>
-          </a:fillRef>
-          <a:effectRef idx="0">
-            <a:schemeClr val="accent1"/>
-          </a:effectRef>
-          <a:fontRef idx="minor">
-            <a:schemeClr val="lt1"/>
-          </a:fontRef>
-        </p:style>
-        <p:txBody>
-          <a:bodyPr rtlCol="0" anchor="ctr"/>
-          <a:lstStyle/>
-          <a:p>
-            <a:pPr algn="ctr"/>
-            <a:endParaRPr lang="en-US"/>
-          </a:p>
-        </p:txBody>
-      </p:sp>
       <p:pic>
         <p:nvPicPr>
-          <p:cNvPr id="4" name="Picture 3">
-            <a:extLst>
-              <a:ext uri="{FF2B5EF4-FFF2-40B4-BE49-F238E27FC236}">
-                <a16:creationId xmlns:a16="http://schemas.microsoft.com/office/drawing/2014/main" id="{F2C01929-827C-4EDB-8BFA-D5B9A2518F5A}"/>
+          <p:cNvPr id="7" name="Picture 6">
+            <a:extLst>
+              <a:ext uri="{FF2B5EF4-FFF2-40B4-BE49-F238E27FC236}">
+                <a16:creationId xmlns:a16="http://schemas.microsoft.com/office/drawing/2014/main" id="{2BA118C6-5092-4490-9362-2FEF05581CFF}"/>
               </a:ext>
             </a:extLst>
           </p:cNvPr>
@@ -4993,8 +5073,8 @@
         </p:blipFill>
         <p:spPr>
           <a:xfrm>
-            <a:off x="332781" y="463618"/>
-            <a:ext cx="11278787" cy="6273663"/>
+            <a:off x="0" y="438370"/>
+            <a:ext cx="12192000" cy="5981260"/>
           </a:xfrm>
           <a:prstGeom prst="rect">
             <a:avLst/>
@@ -5004,7 +5084,7 @@
     </p:spTree>
     <p:extLst>
       <p:ext uri="{BB962C8B-B14F-4D97-AF65-F5344CB8AC3E}">
-        <p14:creationId xmlns:p14="http://schemas.microsoft.com/office/powerpoint/2010/main" val="625157052"/>
+        <p14:creationId xmlns:p14="http://schemas.microsoft.com/office/powerpoint/2010/main" val="390038626"/>
       </p:ext>
     </p:extLst>
   </p:cSld>
@@ -5036,7 +5116,7 @@
           <p:cNvPr id="6" name="TextBox 5">
             <a:extLst>
               <a:ext uri="{FF2B5EF4-FFF2-40B4-BE49-F238E27FC236}">
-                <a16:creationId xmlns:a16="http://schemas.microsoft.com/office/drawing/2014/main" id="{EC8811C5-6C69-41DB-B7C9-01B22879FB86}"/>
+                <a16:creationId xmlns:a16="http://schemas.microsoft.com/office/drawing/2014/main" id="{47A5A813-9D57-430D-8495-F1C1E53801D9}"/>
               </a:ext>
             </a:extLst>
           </p:cNvPr>
@@ -5069,16 +5149,7 @@
                 <a:effectLst/>
                 <a:latin typeface="-apple-system"/>
               </a:rPr>
-              <a:t>Working with the Manifest: Refine the Manifest in Data Refinery – Visualizatio</a:t>
-            </a:r>
-            <a:r>
-              <a:rPr lang="en-US" sz="1400" b="1" dirty="0">
-                <a:solidFill>
-                  <a:schemeClr val="bg1"/>
-                </a:solidFill>
-                <a:latin typeface="-apple-system"/>
-              </a:rPr>
-              <a:t>n</a:t>
+              <a:t>Working with the Manifest in WKC</a:t>
             </a:r>
             <a:endParaRPr lang="en-US" sz="1400" dirty="0">
               <a:solidFill>
@@ -5088,64 +5159,12 @@
           </a:p>
         </p:txBody>
       </p:sp>
-      <p:sp>
-        <p:nvSpPr>
-          <p:cNvPr id="7" name="Arrow: Right 6">
-            <a:extLst>
-              <a:ext uri="{FF2B5EF4-FFF2-40B4-BE49-F238E27FC236}">
-                <a16:creationId xmlns:a16="http://schemas.microsoft.com/office/drawing/2014/main" id="{ABD07B8B-8925-4199-BF36-A997009A94CB}"/>
-              </a:ext>
-            </a:extLst>
-          </p:cNvPr>
-          <p:cNvSpPr/>
-          <p:nvPr/>
-        </p:nvSpPr>
-        <p:spPr>
-          <a:xfrm>
-            <a:off x="10904714" y="1933575"/>
-            <a:ext cx="374073" cy="290946"/>
-          </a:xfrm>
-          <a:prstGeom prst="rightArrow">
-            <a:avLst/>
-          </a:prstGeom>
-          <a:solidFill>
-            <a:srgbClr val="FF0000"/>
-          </a:solidFill>
-          <a:ln>
-            <a:noFill/>
-          </a:ln>
-        </p:spPr>
-        <p:style>
-          <a:lnRef idx="2">
-            <a:schemeClr val="accent1">
-              <a:shade val="50000"/>
-            </a:schemeClr>
-          </a:lnRef>
-          <a:fillRef idx="1">
-            <a:schemeClr val="accent1"/>
-          </a:fillRef>
-          <a:effectRef idx="0">
-            <a:schemeClr val="accent1"/>
-          </a:effectRef>
-          <a:fontRef idx="minor">
-            <a:schemeClr val="lt1"/>
-          </a:fontRef>
-        </p:style>
-        <p:txBody>
-          <a:bodyPr rtlCol="0" anchor="ctr"/>
-          <a:lstStyle/>
-          <a:p>
-            <a:pPr algn="ctr"/>
-            <a:endParaRPr lang="en-US"/>
-          </a:p>
-        </p:txBody>
-      </p:sp>
       <p:pic>
         <p:nvPicPr>
           <p:cNvPr id="3" name="Picture 2">
             <a:extLst>
               <a:ext uri="{FF2B5EF4-FFF2-40B4-BE49-F238E27FC236}">
-                <a16:creationId xmlns:a16="http://schemas.microsoft.com/office/drawing/2014/main" id="{F1CE28D2-5C16-49A8-8FAF-051239CD9934}"/>
+                <a16:creationId xmlns:a16="http://schemas.microsoft.com/office/drawing/2014/main" id="{1753DD0C-4D8A-4609-82DD-D4A9A749D7D6}"/>
               </a:ext>
             </a:extLst>
           </p:cNvPr>
@@ -5162,8 +5181,8 @@
         </p:blipFill>
         <p:spPr>
           <a:xfrm>
-            <a:off x="673659" y="571499"/>
-            <a:ext cx="10844681" cy="6047189"/>
+            <a:off x="0" y="397860"/>
+            <a:ext cx="12192000" cy="6062279"/>
           </a:xfrm>
           <a:prstGeom prst="rect">
             <a:avLst/>
@@ -5173,7 +5192,7 @@
     </p:spTree>
     <p:extLst>
       <p:ext uri="{BB962C8B-B14F-4D97-AF65-F5344CB8AC3E}">
-        <p14:creationId xmlns:p14="http://schemas.microsoft.com/office/powerpoint/2010/main" val="575600389"/>
+        <p14:creationId xmlns:p14="http://schemas.microsoft.com/office/powerpoint/2010/main" val="2411537498"/>
       </p:ext>
     </p:extLst>
   </p:cSld>
@@ -5205,7 +5224,7 @@
           <p:cNvPr id="7" name="TextBox 6">
             <a:extLst>
               <a:ext uri="{FF2B5EF4-FFF2-40B4-BE49-F238E27FC236}">
-                <a16:creationId xmlns:a16="http://schemas.microsoft.com/office/drawing/2014/main" id="{ADD53216-F8C2-4BEE-A389-6335EE6FECF5}"/>
+                <a16:creationId xmlns:a16="http://schemas.microsoft.com/office/drawing/2014/main" id="{DC0BA69E-AEE8-408C-8616-7AE5D70F540C}"/>
               </a:ext>
             </a:extLst>
           </p:cNvPr>
@@ -5238,7 +5257,36 @@
                 <a:effectLst/>
                 <a:latin typeface="-apple-system"/>
               </a:rPr>
-              <a:t>Identify Dataset to be Exported</a:t>
+              <a:t>Use Visual Query to Browse and Search for </a:t>
+            </a:r>
+            <a:r>
+              <a:rPr lang="en-US" sz="1400" b="1" dirty="0">
+                <a:solidFill>
+                  <a:schemeClr val="bg1"/>
+                </a:solidFill>
+                <a:latin typeface="-apple-system"/>
+              </a:rPr>
+              <a:t>Data with </a:t>
+            </a:r>
+            <a:r>
+              <a:rPr lang="en-US" sz="1400" b="1" i="0" dirty="0" err="1">
+                <a:solidFill>
+                  <a:schemeClr val="bg1"/>
+                </a:solidFill>
+                <a:effectLst/>
+                <a:latin typeface="-apple-system"/>
+              </a:rPr>
+              <a:t>ImageID</a:t>
+            </a:r>
+            <a:r>
+              <a:rPr lang="en-US" sz="1400" b="1" i="0" dirty="0">
+                <a:solidFill>
+                  <a:schemeClr val="bg1"/>
+                </a:solidFill>
+                <a:effectLst/>
+                <a:latin typeface="-apple-system"/>
+              </a:rPr>
+              <a:t>=T101389-10002</a:t>
             </a:r>
             <a:endParaRPr lang="en-US" sz="1400" dirty="0">
               <a:solidFill>
@@ -5248,12 +5296,64 @@
           </a:p>
         </p:txBody>
       </p:sp>
+      <p:sp>
+        <p:nvSpPr>
+          <p:cNvPr id="6" name="Arrow: Right 5">
+            <a:extLst>
+              <a:ext uri="{FF2B5EF4-FFF2-40B4-BE49-F238E27FC236}">
+                <a16:creationId xmlns:a16="http://schemas.microsoft.com/office/drawing/2014/main" id="{63D661B0-6413-4D7A-89B2-FDE5A7B652C1}"/>
+              </a:ext>
+            </a:extLst>
+          </p:cNvPr>
+          <p:cNvSpPr/>
+          <p:nvPr/>
+        </p:nvSpPr>
+        <p:spPr>
+          <a:xfrm>
+            <a:off x="771525" y="3086349"/>
+            <a:ext cx="374073" cy="290946"/>
+          </a:xfrm>
+          <a:prstGeom prst="rightArrow">
+            <a:avLst/>
+          </a:prstGeom>
+          <a:solidFill>
+            <a:srgbClr val="FF0000"/>
+          </a:solidFill>
+          <a:ln>
+            <a:noFill/>
+          </a:ln>
+        </p:spPr>
+        <p:style>
+          <a:lnRef idx="2">
+            <a:schemeClr val="accent1">
+              <a:shade val="50000"/>
+            </a:schemeClr>
+          </a:lnRef>
+          <a:fillRef idx="1">
+            <a:schemeClr val="accent1"/>
+          </a:fillRef>
+          <a:effectRef idx="0">
+            <a:schemeClr val="accent1"/>
+          </a:effectRef>
+          <a:fontRef idx="minor">
+            <a:schemeClr val="lt1"/>
+          </a:fontRef>
+        </p:style>
+        <p:txBody>
+          <a:bodyPr rtlCol="0" anchor="ctr"/>
+          <a:lstStyle/>
+          <a:p>
+            <a:pPr algn="ctr"/>
+            <a:endParaRPr lang="en-US"/>
+          </a:p>
+        </p:txBody>
+      </p:sp>
       <p:pic>
         <p:nvPicPr>
-          <p:cNvPr id="3" name="Picture 2">
-            <a:extLst>
-              <a:ext uri="{FF2B5EF4-FFF2-40B4-BE49-F238E27FC236}">
-                <a16:creationId xmlns:a16="http://schemas.microsoft.com/office/drawing/2014/main" id="{0B39A33F-E78F-46FF-B6E5-7583D7F8868E}"/>
+          <p:cNvPr id="4" name="Picture 3">
+            <a:extLst>
+              <a:ext uri="{FF2B5EF4-FFF2-40B4-BE49-F238E27FC236}">
+                <a16:creationId xmlns:a16="http://schemas.microsoft.com/office/drawing/2014/main" id="{50E69684-393A-4F08-9A9A-FDA8CBDDB046}"/>
               </a:ext>
             </a:extLst>
           </p:cNvPr>
@@ -5270,8 +5370,8 @@
         </p:blipFill>
         <p:spPr>
           <a:xfrm>
-            <a:off x="542925" y="1217493"/>
-            <a:ext cx="9744075" cy="3276129"/>
+            <a:off x="0" y="913867"/>
+            <a:ext cx="12192000" cy="5030266"/>
           </a:xfrm>
           <a:prstGeom prst="rect">
             <a:avLst/>
@@ -5281,7 +5381,7 @@
     </p:spTree>
     <p:extLst>
       <p:ext uri="{BB962C8B-B14F-4D97-AF65-F5344CB8AC3E}">
-        <p14:creationId xmlns:p14="http://schemas.microsoft.com/office/powerpoint/2010/main" val="393576996"/>
+        <p14:creationId xmlns:p14="http://schemas.microsoft.com/office/powerpoint/2010/main" val="3599282882"/>
       </p:ext>
     </p:extLst>
   </p:cSld>
@@ -5292,6 +5392,1209 @@
 </file>
 
 <file path=ppt/slides/slide20.xml><?xml version="1.0" encoding="utf-8"?>
+<p:sld xmlns:a="http://schemas.openxmlformats.org/drawingml/2006/main" xmlns:r="http://schemas.openxmlformats.org/officeDocument/2006/relationships" xmlns:p="http://schemas.openxmlformats.org/presentationml/2006/main">
+  <p:cSld>
+    <p:spTree>
+      <p:nvGrpSpPr>
+        <p:cNvPr id="1" name=""/>
+        <p:cNvGrpSpPr/>
+        <p:nvPr/>
+      </p:nvGrpSpPr>
+      <p:grpSpPr>
+        <a:xfrm>
+          <a:off x="0" y="0"/>
+          <a:ext cx="0" cy="0"/>
+          <a:chOff x="0" y="0"/>
+          <a:chExt cx="0" cy="0"/>
+        </a:xfrm>
+      </p:grpSpPr>
+      <p:sp>
+        <p:nvSpPr>
+          <p:cNvPr id="6" name="TextBox 5">
+            <a:extLst>
+              <a:ext uri="{FF2B5EF4-FFF2-40B4-BE49-F238E27FC236}">
+                <a16:creationId xmlns:a16="http://schemas.microsoft.com/office/drawing/2014/main" id="{47A5A813-9D57-430D-8495-F1C1E53801D9}"/>
+              </a:ext>
+            </a:extLst>
+          </p:cNvPr>
+          <p:cNvSpPr txBox="1"/>
+          <p:nvPr/>
+        </p:nvSpPr>
+        <p:spPr>
+          <a:xfrm>
+            <a:off x="0" y="0"/>
+            <a:ext cx="12192000" cy="307777"/>
+          </a:xfrm>
+          <a:prstGeom prst="rect">
+            <a:avLst/>
+          </a:prstGeom>
+          <a:solidFill>
+            <a:schemeClr val="tx1"/>
+          </a:solidFill>
+        </p:spPr>
+        <p:txBody>
+          <a:bodyPr wrap="square">
+            <a:spAutoFit/>
+          </a:bodyPr>
+          <a:lstStyle/>
+          <a:p>
+            <a:r>
+              <a:rPr lang="en-US" sz="1400" b="1" i="0" dirty="0">
+                <a:solidFill>
+                  <a:schemeClr val="bg1"/>
+                </a:solidFill>
+                <a:effectLst/>
+                <a:latin typeface="-apple-system"/>
+              </a:rPr>
+              <a:t>Working with the Manifest in WKC</a:t>
+            </a:r>
+            <a:endParaRPr lang="en-US" sz="1400" dirty="0">
+              <a:solidFill>
+                <a:schemeClr val="bg1"/>
+              </a:solidFill>
+            </a:endParaRPr>
+          </a:p>
+        </p:txBody>
+      </p:sp>
+      <p:pic>
+        <p:nvPicPr>
+          <p:cNvPr id="4" name="Picture 3">
+            <a:extLst>
+              <a:ext uri="{FF2B5EF4-FFF2-40B4-BE49-F238E27FC236}">
+                <a16:creationId xmlns:a16="http://schemas.microsoft.com/office/drawing/2014/main" id="{AE075F62-120F-43E6-B4B4-53EF41304422}"/>
+              </a:ext>
+            </a:extLst>
+          </p:cNvPr>
+          <p:cNvPicPr>
+            <a:picLocks noChangeAspect="1"/>
+          </p:cNvPicPr>
+          <p:nvPr/>
+        </p:nvPicPr>
+        <p:blipFill>
+          <a:blip r:embed="rId2"/>
+          <a:stretch>
+            <a:fillRect/>
+          </a:stretch>
+        </p:blipFill>
+        <p:spPr>
+          <a:xfrm>
+            <a:off x="0" y="717849"/>
+            <a:ext cx="12192000" cy="5936652"/>
+          </a:xfrm>
+          <a:prstGeom prst="rect">
+            <a:avLst/>
+          </a:prstGeom>
+        </p:spPr>
+      </p:pic>
+    </p:spTree>
+    <p:extLst>
+      <p:ext uri="{BB962C8B-B14F-4D97-AF65-F5344CB8AC3E}">
+        <p14:creationId xmlns:p14="http://schemas.microsoft.com/office/powerpoint/2010/main" val="140103965"/>
+      </p:ext>
+    </p:extLst>
+  </p:cSld>
+  <p:clrMapOvr>
+    <a:masterClrMapping/>
+  </p:clrMapOvr>
+</p:sld>
+</file>
+
+<file path=ppt/slides/slide21.xml><?xml version="1.0" encoding="utf-8"?>
+<p:sld xmlns:a="http://schemas.openxmlformats.org/drawingml/2006/main" xmlns:r="http://schemas.openxmlformats.org/officeDocument/2006/relationships" xmlns:p="http://schemas.openxmlformats.org/presentationml/2006/main">
+  <p:cSld>
+    <p:spTree>
+      <p:nvGrpSpPr>
+        <p:cNvPr id="1" name=""/>
+        <p:cNvGrpSpPr/>
+        <p:nvPr/>
+      </p:nvGrpSpPr>
+      <p:grpSpPr>
+        <a:xfrm>
+          <a:off x="0" y="0"/>
+          <a:ext cx="0" cy="0"/>
+          <a:chOff x="0" y="0"/>
+          <a:chExt cx="0" cy="0"/>
+        </a:xfrm>
+      </p:grpSpPr>
+      <p:pic>
+        <p:nvPicPr>
+          <p:cNvPr id="3" name="Picture 2">
+            <a:extLst>
+              <a:ext uri="{FF2B5EF4-FFF2-40B4-BE49-F238E27FC236}">
+                <a16:creationId xmlns:a16="http://schemas.microsoft.com/office/drawing/2014/main" id="{CE90F8E8-F429-49C6-A050-39C99471E1E7}"/>
+              </a:ext>
+            </a:extLst>
+          </p:cNvPr>
+          <p:cNvPicPr>
+            <a:picLocks noChangeAspect="1"/>
+          </p:cNvPicPr>
+          <p:nvPr/>
+        </p:nvPicPr>
+        <p:blipFill>
+          <a:blip r:embed="rId2"/>
+          <a:stretch>
+            <a:fillRect/>
+          </a:stretch>
+        </p:blipFill>
+        <p:spPr>
+          <a:xfrm>
+            <a:off x="0" y="556353"/>
+            <a:ext cx="12192000" cy="5745293"/>
+          </a:xfrm>
+          <a:prstGeom prst="rect">
+            <a:avLst/>
+          </a:prstGeom>
+        </p:spPr>
+      </p:pic>
+      <p:sp>
+        <p:nvSpPr>
+          <p:cNvPr id="6" name="TextBox 5">
+            <a:extLst>
+              <a:ext uri="{FF2B5EF4-FFF2-40B4-BE49-F238E27FC236}">
+                <a16:creationId xmlns:a16="http://schemas.microsoft.com/office/drawing/2014/main" id="{B09654E1-685F-4F56-A039-66B83E45FA68}"/>
+              </a:ext>
+            </a:extLst>
+          </p:cNvPr>
+          <p:cNvSpPr txBox="1"/>
+          <p:nvPr/>
+        </p:nvSpPr>
+        <p:spPr>
+          <a:xfrm>
+            <a:off x="0" y="0"/>
+            <a:ext cx="12192000" cy="307777"/>
+          </a:xfrm>
+          <a:prstGeom prst="rect">
+            <a:avLst/>
+          </a:prstGeom>
+          <a:solidFill>
+            <a:schemeClr val="tx1"/>
+          </a:solidFill>
+        </p:spPr>
+        <p:txBody>
+          <a:bodyPr wrap="square">
+            <a:spAutoFit/>
+          </a:bodyPr>
+          <a:lstStyle/>
+          <a:p>
+            <a:r>
+              <a:rPr lang="en-US" sz="1400" b="1" i="0" dirty="0">
+                <a:solidFill>
+                  <a:schemeClr val="bg1"/>
+                </a:solidFill>
+                <a:effectLst/>
+                <a:latin typeface="-apple-system"/>
+              </a:rPr>
+              <a:t>Working with the Manifest</a:t>
+            </a:r>
+            <a:endParaRPr lang="en-US" sz="1400" dirty="0">
+              <a:solidFill>
+                <a:schemeClr val="bg1"/>
+              </a:solidFill>
+            </a:endParaRPr>
+          </a:p>
+        </p:txBody>
+      </p:sp>
+    </p:spTree>
+    <p:extLst>
+      <p:ext uri="{BB962C8B-B14F-4D97-AF65-F5344CB8AC3E}">
+        <p14:creationId xmlns:p14="http://schemas.microsoft.com/office/powerpoint/2010/main" val="2122033167"/>
+      </p:ext>
+    </p:extLst>
+  </p:cSld>
+  <p:clrMapOvr>
+    <a:masterClrMapping/>
+  </p:clrMapOvr>
+</p:sld>
+</file>
+
+<file path=ppt/slides/slide22.xml><?xml version="1.0" encoding="utf-8"?>
+<p:sld xmlns:a="http://schemas.openxmlformats.org/drawingml/2006/main" xmlns:r="http://schemas.openxmlformats.org/officeDocument/2006/relationships" xmlns:p="http://schemas.openxmlformats.org/presentationml/2006/main">
+  <p:cSld>
+    <p:spTree>
+      <p:nvGrpSpPr>
+        <p:cNvPr id="1" name=""/>
+        <p:cNvGrpSpPr/>
+        <p:nvPr/>
+      </p:nvGrpSpPr>
+      <p:grpSpPr>
+        <a:xfrm>
+          <a:off x="0" y="0"/>
+          <a:ext cx="0" cy="0"/>
+          <a:chOff x="0" y="0"/>
+          <a:chExt cx="0" cy="0"/>
+        </a:xfrm>
+      </p:grpSpPr>
+      <p:pic>
+        <p:nvPicPr>
+          <p:cNvPr id="3" name="Picture 2">
+            <a:extLst>
+              <a:ext uri="{FF2B5EF4-FFF2-40B4-BE49-F238E27FC236}">
+                <a16:creationId xmlns:a16="http://schemas.microsoft.com/office/drawing/2014/main" id="{028B6A09-355B-466E-ABA8-BB97984F352E}"/>
+              </a:ext>
+            </a:extLst>
+          </p:cNvPr>
+          <p:cNvPicPr>
+            <a:picLocks noChangeAspect="1"/>
+          </p:cNvPicPr>
+          <p:nvPr/>
+        </p:nvPicPr>
+        <p:blipFill>
+          <a:blip r:embed="rId2"/>
+          <a:stretch>
+            <a:fillRect/>
+          </a:stretch>
+        </p:blipFill>
+        <p:spPr>
+          <a:xfrm>
+            <a:off x="0" y="454712"/>
+            <a:ext cx="12192000" cy="5948576"/>
+          </a:xfrm>
+          <a:prstGeom prst="rect">
+            <a:avLst/>
+          </a:prstGeom>
+        </p:spPr>
+      </p:pic>
+      <p:sp>
+        <p:nvSpPr>
+          <p:cNvPr id="6" name="TextBox 5">
+            <a:extLst>
+              <a:ext uri="{FF2B5EF4-FFF2-40B4-BE49-F238E27FC236}">
+                <a16:creationId xmlns:a16="http://schemas.microsoft.com/office/drawing/2014/main" id="{EC8811C5-6C69-41DB-B7C9-01B22879FB86}"/>
+              </a:ext>
+            </a:extLst>
+          </p:cNvPr>
+          <p:cNvSpPr txBox="1"/>
+          <p:nvPr/>
+        </p:nvSpPr>
+        <p:spPr>
+          <a:xfrm>
+            <a:off x="0" y="0"/>
+            <a:ext cx="12192000" cy="307777"/>
+          </a:xfrm>
+          <a:prstGeom prst="rect">
+            <a:avLst/>
+          </a:prstGeom>
+          <a:solidFill>
+            <a:schemeClr val="tx1"/>
+          </a:solidFill>
+        </p:spPr>
+        <p:txBody>
+          <a:bodyPr wrap="square">
+            <a:spAutoFit/>
+          </a:bodyPr>
+          <a:lstStyle/>
+          <a:p>
+            <a:r>
+              <a:rPr lang="en-US" sz="1400" b="1" i="0" dirty="0">
+                <a:solidFill>
+                  <a:schemeClr val="bg1"/>
+                </a:solidFill>
+                <a:effectLst/>
+                <a:latin typeface="-apple-system"/>
+              </a:rPr>
+              <a:t>Add Manifest to Project “IBM-UDF-Testing”</a:t>
+            </a:r>
+            <a:endParaRPr lang="en-US" sz="1400" dirty="0">
+              <a:solidFill>
+                <a:schemeClr val="bg1"/>
+              </a:solidFill>
+            </a:endParaRPr>
+          </a:p>
+        </p:txBody>
+      </p:sp>
+      <p:sp>
+        <p:nvSpPr>
+          <p:cNvPr id="7" name="Arrow: Right 6">
+            <a:extLst>
+              <a:ext uri="{FF2B5EF4-FFF2-40B4-BE49-F238E27FC236}">
+                <a16:creationId xmlns:a16="http://schemas.microsoft.com/office/drawing/2014/main" id="{CC85BEC6-FD6F-4BA1-AFE2-89AB886B3934}"/>
+              </a:ext>
+            </a:extLst>
+          </p:cNvPr>
+          <p:cNvSpPr/>
+          <p:nvPr/>
+        </p:nvSpPr>
+        <p:spPr>
+          <a:xfrm rot="10800000">
+            <a:off x="4465814" y="2381250"/>
+            <a:ext cx="374073" cy="290946"/>
+          </a:xfrm>
+          <a:prstGeom prst="rightArrow">
+            <a:avLst/>
+          </a:prstGeom>
+          <a:solidFill>
+            <a:srgbClr val="FF0000"/>
+          </a:solidFill>
+          <a:ln>
+            <a:noFill/>
+          </a:ln>
+        </p:spPr>
+        <p:style>
+          <a:lnRef idx="2">
+            <a:schemeClr val="accent1">
+              <a:shade val="50000"/>
+            </a:schemeClr>
+          </a:lnRef>
+          <a:fillRef idx="1">
+            <a:schemeClr val="accent1"/>
+          </a:fillRef>
+          <a:effectRef idx="0">
+            <a:schemeClr val="accent1"/>
+          </a:effectRef>
+          <a:fontRef idx="minor">
+            <a:schemeClr val="lt1"/>
+          </a:fontRef>
+        </p:style>
+        <p:txBody>
+          <a:bodyPr rtlCol="0" anchor="ctr"/>
+          <a:lstStyle/>
+          <a:p>
+            <a:pPr algn="ctr"/>
+            <a:endParaRPr lang="en-US"/>
+          </a:p>
+        </p:txBody>
+      </p:sp>
+    </p:spTree>
+    <p:extLst>
+      <p:ext uri="{BB962C8B-B14F-4D97-AF65-F5344CB8AC3E}">
+        <p14:creationId xmlns:p14="http://schemas.microsoft.com/office/powerpoint/2010/main" val="2582847608"/>
+      </p:ext>
+    </p:extLst>
+  </p:cSld>
+  <p:clrMapOvr>
+    <a:masterClrMapping/>
+  </p:clrMapOvr>
+</p:sld>
+</file>
+
+<file path=ppt/slides/slide23.xml><?xml version="1.0" encoding="utf-8"?>
+<p:sld xmlns:a="http://schemas.openxmlformats.org/drawingml/2006/main" xmlns:r="http://schemas.openxmlformats.org/officeDocument/2006/relationships" xmlns:p="http://schemas.openxmlformats.org/presentationml/2006/main">
+  <p:cSld>
+    <p:spTree>
+      <p:nvGrpSpPr>
+        <p:cNvPr id="1" name=""/>
+        <p:cNvGrpSpPr/>
+        <p:nvPr/>
+      </p:nvGrpSpPr>
+      <p:grpSpPr>
+        <a:xfrm>
+          <a:off x="0" y="0"/>
+          <a:ext cx="0" cy="0"/>
+          <a:chOff x="0" y="0"/>
+          <a:chExt cx="0" cy="0"/>
+        </a:xfrm>
+      </p:grpSpPr>
+      <p:pic>
+        <p:nvPicPr>
+          <p:cNvPr id="4" name="Picture 3">
+            <a:extLst>
+              <a:ext uri="{FF2B5EF4-FFF2-40B4-BE49-F238E27FC236}">
+                <a16:creationId xmlns:a16="http://schemas.microsoft.com/office/drawing/2014/main" id="{99BF4716-1E4F-40D9-83FB-644A548BE3B3}"/>
+              </a:ext>
+            </a:extLst>
+          </p:cNvPr>
+          <p:cNvPicPr>
+            <a:picLocks noChangeAspect="1"/>
+          </p:cNvPicPr>
+          <p:nvPr/>
+        </p:nvPicPr>
+        <p:blipFill>
+          <a:blip r:embed="rId2"/>
+          <a:stretch>
+            <a:fillRect/>
+          </a:stretch>
+        </p:blipFill>
+        <p:spPr>
+          <a:xfrm>
+            <a:off x="0" y="1281887"/>
+            <a:ext cx="12192000" cy="4294226"/>
+          </a:xfrm>
+          <a:prstGeom prst="rect">
+            <a:avLst/>
+          </a:prstGeom>
+        </p:spPr>
+      </p:pic>
+      <p:sp>
+        <p:nvSpPr>
+          <p:cNvPr id="6" name="TextBox 5">
+            <a:extLst>
+              <a:ext uri="{FF2B5EF4-FFF2-40B4-BE49-F238E27FC236}">
+                <a16:creationId xmlns:a16="http://schemas.microsoft.com/office/drawing/2014/main" id="{EC8811C5-6C69-41DB-B7C9-01B22879FB86}"/>
+              </a:ext>
+            </a:extLst>
+          </p:cNvPr>
+          <p:cNvSpPr txBox="1"/>
+          <p:nvPr/>
+        </p:nvSpPr>
+        <p:spPr>
+          <a:xfrm>
+            <a:off x="0" y="0"/>
+            <a:ext cx="12192000" cy="307777"/>
+          </a:xfrm>
+          <a:prstGeom prst="rect">
+            <a:avLst/>
+          </a:prstGeom>
+          <a:solidFill>
+            <a:schemeClr val="tx1"/>
+          </a:solidFill>
+        </p:spPr>
+        <p:txBody>
+          <a:bodyPr wrap="square">
+            <a:spAutoFit/>
+          </a:bodyPr>
+          <a:lstStyle/>
+          <a:p>
+            <a:r>
+              <a:rPr lang="en-US" sz="1400" b="1" i="0" dirty="0">
+                <a:solidFill>
+                  <a:schemeClr val="bg1"/>
+                </a:solidFill>
+                <a:effectLst/>
+                <a:latin typeface="-apple-system"/>
+              </a:rPr>
+              <a:t>Manifest available as Data Asset in Project (Watson Studio)</a:t>
+            </a:r>
+            <a:endParaRPr lang="en-US" sz="1400" dirty="0">
+              <a:solidFill>
+                <a:schemeClr val="bg1"/>
+              </a:solidFill>
+            </a:endParaRPr>
+          </a:p>
+        </p:txBody>
+      </p:sp>
+      <p:sp>
+        <p:nvSpPr>
+          <p:cNvPr id="7" name="Arrow: Right 6">
+            <a:extLst>
+              <a:ext uri="{FF2B5EF4-FFF2-40B4-BE49-F238E27FC236}">
+                <a16:creationId xmlns:a16="http://schemas.microsoft.com/office/drawing/2014/main" id="{ABD07B8B-8925-4199-BF36-A997009A94CB}"/>
+              </a:ext>
+            </a:extLst>
+          </p:cNvPr>
+          <p:cNvSpPr/>
+          <p:nvPr/>
+        </p:nvSpPr>
+        <p:spPr>
+          <a:xfrm>
+            <a:off x="131939" y="4276725"/>
+            <a:ext cx="374073" cy="290946"/>
+          </a:xfrm>
+          <a:prstGeom prst="rightArrow">
+            <a:avLst/>
+          </a:prstGeom>
+          <a:solidFill>
+            <a:srgbClr val="FF0000"/>
+          </a:solidFill>
+          <a:ln>
+            <a:noFill/>
+          </a:ln>
+        </p:spPr>
+        <p:style>
+          <a:lnRef idx="2">
+            <a:schemeClr val="accent1">
+              <a:shade val="50000"/>
+            </a:schemeClr>
+          </a:lnRef>
+          <a:fillRef idx="1">
+            <a:schemeClr val="accent1"/>
+          </a:fillRef>
+          <a:effectRef idx="0">
+            <a:schemeClr val="accent1"/>
+          </a:effectRef>
+          <a:fontRef idx="minor">
+            <a:schemeClr val="lt1"/>
+          </a:fontRef>
+        </p:style>
+        <p:txBody>
+          <a:bodyPr rtlCol="0" anchor="ctr"/>
+          <a:lstStyle/>
+          <a:p>
+            <a:pPr algn="ctr"/>
+            <a:endParaRPr lang="en-US"/>
+          </a:p>
+        </p:txBody>
+      </p:sp>
+    </p:spTree>
+    <p:extLst>
+      <p:ext uri="{BB962C8B-B14F-4D97-AF65-F5344CB8AC3E}">
+        <p14:creationId xmlns:p14="http://schemas.microsoft.com/office/powerpoint/2010/main" val="3141512382"/>
+      </p:ext>
+    </p:extLst>
+  </p:cSld>
+  <p:clrMapOvr>
+    <a:masterClrMapping/>
+  </p:clrMapOvr>
+</p:sld>
+</file>
+
+<file path=ppt/slides/slide24.xml><?xml version="1.0" encoding="utf-8"?>
+<p:sld xmlns:a="http://schemas.openxmlformats.org/drawingml/2006/main" xmlns:r="http://schemas.openxmlformats.org/officeDocument/2006/relationships" xmlns:p="http://schemas.openxmlformats.org/presentationml/2006/main">
+  <p:cSld>
+    <p:spTree>
+      <p:nvGrpSpPr>
+        <p:cNvPr id="1" name=""/>
+        <p:cNvGrpSpPr/>
+        <p:nvPr/>
+      </p:nvGrpSpPr>
+      <p:grpSpPr>
+        <a:xfrm>
+          <a:off x="0" y="0"/>
+          <a:ext cx="0" cy="0"/>
+          <a:chOff x="0" y="0"/>
+          <a:chExt cx="0" cy="0"/>
+        </a:xfrm>
+      </p:grpSpPr>
+      <p:pic>
+        <p:nvPicPr>
+          <p:cNvPr id="3" name="Picture 2">
+            <a:extLst>
+              <a:ext uri="{FF2B5EF4-FFF2-40B4-BE49-F238E27FC236}">
+                <a16:creationId xmlns:a16="http://schemas.microsoft.com/office/drawing/2014/main" id="{119372A2-E6DB-4A1A-BC49-A5E074D17665}"/>
+              </a:ext>
+            </a:extLst>
+          </p:cNvPr>
+          <p:cNvPicPr>
+            <a:picLocks noChangeAspect="1"/>
+          </p:cNvPicPr>
+          <p:nvPr/>
+        </p:nvPicPr>
+        <p:blipFill>
+          <a:blip r:embed="rId2"/>
+          <a:stretch>
+            <a:fillRect/>
+          </a:stretch>
+        </p:blipFill>
+        <p:spPr>
+          <a:xfrm>
+            <a:off x="0" y="451281"/>
+            <a:ext cx="12192000" cy="5955437"/>
+          </a:xfrm>
+          <a:prstGeom prst="rect">
+            <a:avLst/>
+          </a:prstGeom>
+        </p:spPr>
+      </p:pic>
+      <p:sp>
+        <p:nvSpPr>
+          <p:cNvPr id="6" name="TextBox 5">
+            <a:extLst>
+              <a:ext uri="{FF2B5EF4-FFF2-40B4-BE49-F238E27FC236}">
+                <a16:creationId xmlns:a16="http://schemas.microsoft.com/office/drawing/2014/main" id="{EC8811C5-6C69-41DB-B7C9-01B22879FB86}"/>
+              </a:ext>
+            </a:extLst>
+          </p:cNvPr>
+          <p:cNvSpPr txBox="1"/>
+          <p:nvPr/>
+        </p:nvSpPr>
+        <p:spPr>
+          <a:xfrm>
+            <a:off x="0" y="0"/>
+            <a:ext cx="12192000" cy="307777"/>
+          </a:xfrm>
+          <a:prstGeom prst="rect">
+            <a:avLst/>
+          </a:prstGeom>
+          <a:solidFill>
+            <a:schemeClr val="tx1"/>
+          </a:solidFill>
+        </p:spPr>
+        <p:txBody>
+          <a:bodyPr wrap="square">
+            <a:spAutoFit/>
+          </a:bodyPr>
+          <a:lstStyle/>
+          <a:p>
+            <a:r>
+              <a:rPr lang="en-US" sz="1400" b="1" i="0" dirty="0">
+                <a:solidFill>
+                  <a:schemeClr val="bg1"/>
+                </a:solidFill>
+                <a:effectLst/>
+                <a:latin typeface="-apple-system"/>
+              </a:rPr>
+              <a:t>Working with the Manifest: Refine the Manifest in Data Refinery</a:t>
+            </a:r>
+            <a:endParaRPr lang="en-US" sz="1400" dirty="0">
+              <a:solidFill>
+                <a:schemeClr val="bg1"/>
+              </a:solidFill>
+            </a:endParaRPr>
+          </a:p>
+        </p:txBody>
+      </p:sp>
+      <p:sp>
+        <p:nvSpPr>
+          <p:cNvPr id="7" name="Arrow: Right 6">
+            <a:extLst>
+              <a:ext uri="{FF2B5EF4-FFF2-40B4-BE49-F238E27FC236}">
+                <a16:creationId xmlns:a16="http://schemas.microsoft.com/office/drawing/2014/main" id="{ABD07B8B-8925-4199-BF36-A997009A94CB}"/>
+              </a:ext>
+            </a:extLst>
+          </p:cNvPr>
+          <p:cNvSpPr/>
+          <p:nvPr/>
+        </p:nvSpPr>
+        <p:spPr>
+          <a:xfrm>
+            <a:off x="10676114" y="1724025"/>
+            <a:ext cx="374073" cy="290946"/>
+          </a:xfrm>
+          <a:prstGeom prst="rightArrow">
+            <a:avLst/>
+          </a:prstGeom>
+          <a:solidFill>
+            <a:srgbClr val="FF0000"/>
+          </a:solidFill>
+          <a:ln>
+            <a:noFill/>
+          </a:ln>
+        </p:spPr>
+        <p:style>
+          <a:lnRef idx="2">
+            <a:schemeClr val="accent1">
+              <a:shade val="50000"/>
+            </a:schemeClr>
+          </a:lnRef>
+          <a:fillRef idx="1">
+            <a:schemeClr val="accent1"/>
+          </a:fillRef>
+          <a:effectRef idx="0">
+            <a:schemeClr val="accent1"/>
+          </a:effectRef>
+          <a:fontRef idx="minor">
+            <a:schemeClr val="lt1"/>
+          </a:fontRef>
+        </p:style>
+        <p:txBody>
+          <a:bodyPr rtlCol="0" anchor="ctr"/>
+          <a:lstStyle/>
+          <a:p>
+            <a:pPr algn="ctr"/>
+            <a:endParaRPr lang="en-US"/>
+          </a:p>
+        </p:txBody>
+      </p:sp>
+    </p:spTree>
+    <p:extLst>
+      <p:ext uri="{BB962C8B-B14F-4D97-AF65-F5344CB8AC3E}">
+        <p14:creationId xmlns:p14="http://schemas.microsoft.com/office/powerpoint/2010/main" val="2320956658"/>
+      </p:ext>
+    </p:extLst>
+  </p:cSld>
+  <p:clrMapOvr>
+    <a:masterClrMapping/>
+  </p:clrMapOvr>
+</p:sld>
+</file>
+
+<file path=ppt/slides/slide25.xml><?xml version="1.0" encoding="utf-8"?>
+<p:sld xmlns:a="http://schemas.openxmlformats.org/drawingml/2006/main" xmlns:r="http://schemas.openxmlformats.org/officeDocument/2006/relationships" xmlns:p="http://schemas.openxmlformats.org/presentationml/2006/main">
+  <p:cSld>
+    <p:spTree>
+      <p:nvGrpSpPr>
+        <p:cNvPr id="1" name=""/>
+        <p:cNvGrpSpPr/>
+        <p:nvPr/>
+      </p:nvGrpSpPr>
+      <p:grpSpPr>
+        <a:xfrm>
+          <a:off x="0" y="0"/>
+          <a:ext cx="0" cy="0"/>
+          <a:chOff x="0" y="0"/>
+          <a:chExt cx="0" cy="0"/>
+        </a:xfrm>
+      </p:grpSpPr>
+      <p:sp>
+        <p:nvSpPr>
+          <p:cNvPr id="6" name="TextBox 5">
+            <a:extLst>
+              <a:ext uri="{FF2B5EF4-FFF2-40B4-BE49-F238E27FC236}">
+                <a16:creationId xmlns:a16="http://schemas.microsoft.com/office/drawing/2014/main" id="{EC8811C5-6C69-41DB-B7C9-01B22879FB86}"/>
+              </a:ext>
+            </a:extLst>
+          </p:cNvPr>
+          <p:cNvSpPr txBox="1"/>
+          <p:nvPr/>
+        </p:nvSpPr>
+        <p:spPr>
+          <a:xfrm>
+            <a:off x="0" y="0"/>
+            <a:ext cx="12192000" cy="307777"/>
+          </a:xfrm>
+          <a:prstGeom prst="rect">
+            <a:avLst/>
+          </a:prstGeom>
+          <a:solidFill>
+            <a:schemeClr val="tx1"/>
+          </a:solidFill>
+        </p:spPr>
+        <p:txBody>
+          <a:bodyPr wrap="square">
+            <a:spAutoFit/>
+          </a:bodyPr>
+          <a:lstStyle/>
+          <a:p>
+            <a:r>
+              <a:rPr lang="en-US" sz="1400" b="1" i="0" dirty="0">
+                <a:solidFill>
+                  <a:schemeClr val="bg1"/>
+                </a:solidFill>
+                <a:effectLst/>
+                <a:latin typeface="-apple-system"/>
+              </a:rPr>
+              <a:t>Working with the Manifest: Refine the Manifest in Data Refinery – Visualizatio</a:t>
+            </a:r>
+            <a:r>
+              <a:rPr lang="en-US" sz="1400" b="1" dirty="0">
+                <a:solidFill>
+                  <a:schemeClr val="bg1"/>
+                </a:solidFill>
+                <a:latin typeface="-apple-system"/>
+              </a:rPr>
+              <a:t>n</a:t>
+            </a:r>
+            <a:endParaRPr lang="en-US" sz="1400" dirty="0">
+              <a:solidFill>
+                <a:schemeClr val="bg1"/>
+              </a:solidFill>
+            </a:endParaRPr>
+          </a:p>
+        </p:txBody>
+      </p:sp>
+      <p:sp>
+        <p:nvSpPr>
+          <p:cNvPr id="7" name="Arrow: Right 6">
+            <a:extLst>
+              <a:ext uri="{FF2B5EF4-FFF2-40B4-BE49-F238E27FC236}">
+                <a16:creationId xmlns:a16="http://schemas.microsoft.com/office/drawing/2014/main" id="{ABD07B8B-8925-4199-BF36-A997009A94CB}"/>
+              </a:ext>
+            </a:extLst>
+          </p:cNvPr>
+          <p:cNvSpPr/>
+          <p:nvPr/>
+        </p:nvSpPr>
+        <p:spPr>
+          <a:xfrm>
+            <a:off x="10904714" y="1933575"/>
+            <a:ext cx="374073" cy="290946"/>
+          </a:xfrm>
+          <a:prstGeom prst="rightArrow">
+            <a:avLst/>
+          </a:prstGeom>
+          <a:solidFill>
+            <a:srgbClr val="FF0000"/>
+          </a:solidFill>
+          <a:ln>
+            <a:noFill/>
+          </a:ln>
+        </p:spPr>
+        <p:style>
+          <a:lnRef idx="2">
+            <a:schemeClr val="accent1">
+              <a:shade val="50000"/>
+            </a:schemeClr>
+          </a:lnRef>
+          <a:fillRef idx="1">
+            <a:schemeClr val="accent1"/>
+          </a:fillRef>
+          <a:effectRef idx="0">
+            <a:schemeClr val="accent1"/>
+          </a:effectRef>
+          <a:fontRef idx="minor">
+            <a:schemeClr val="lt1"/>
+          </a:fontRef>
+        </p:style>
+        <p:txBody>
+          <a:bodyPr rtlCol="0" anchor="ctr"/>
+          <a:lstStyle/>
+          <a:p>
+            <a:pPr algn="ctr"/>
+            <a:endParaRPr lang="en-US"/>
+          </a:p>
+        </p:txBody>
+      </p:sp>
+      <p:pic>
+        <p:nvPicPr>
+          <p:cNvPr id="3" name="Picture 2">
+            <a:extLst>
+              <a:ext uri="{FF2B5EF4-FFF2-40B4-BE49-F238E27FC236}">
+                <a16:creationId xmlns:a16="http://schemas.microsoft.com/office/drawing/2014/main" id="{69DC93BD-4A93-4A2A-A4E2-2C6BF5870E24}"/>
+              </a:ext>
+            </a:extLst>
+          </p:cNvPr>
+          <p:cNvPicPr>
+            <a:picLocks noChangeAspect="1"/>
+          </p:cNvPicPr>
+          <p:nvPr/>
+        </p:nvPicPr>
+        <p:blipFill>
+          <a:blip r:embed="rId2"/>
+          <a:stretch>
+            <a:fillRect/>
+          </a:stretch>
+        </p:blipFill>
+        <p:spPr>
+          <a:xfrm>
+            <a:off x="390525" y="1188026"/>
+            <a:ext cx="11410950" cy="5086304"/>
+          </a:xfrm>
+          <a:prstGeom prst="rect">
+            <a:avLst/>
+          </a:prstGeom>
+        </p:spPr>
+      </p:pic>
+    </p:spTree>
+    <p:extLst>
+      <p:ext uri="{BB962C8B-B14F-4D97-AF65-F5344CB8AC3E}">
+        <p14:creationId xmlns:p14="http://schemas.microsoft.com/office/powerpoint/2010/main" val="1871876885"/>
+      </p:ext>
+    </p:extLst>
+  </p:cSld>
+  <p:clrMapOvr>
+    <a:masterClrMapping/>
+  </p:clrMapOvr>
+</p:sld>
+</file>
+
+<file path=ppt/slides/slide26.xml><?xml version="1.0" encoding="utf-8"?>
+<p:sld xmlns:a="http://schemas.openxmlformats.org/drawingml/2006/main" xmlns:r="http://schemas.openxmlformats.org/officeDocument/2006/relationships" xmlns:p="http://schemas.openxmlformats.org/presentationml/2006/main">
+  <p:cSld>
+    <p:spTree>
+      <p:nvGrpSpPr>
+        <p:cNvPr id="1" name=""/>
+        <p:cNvGrpSpPr/>
+        <p:nvPr/>
+      </p:nvGrpSpPr>
+      <p:grpSpPr>
+        <a:xfrm>
+          <a:off x="0" y="0"/>
+          <a:ext cx="0" cy="0"/>
+          <a:chOff x="0" y="0"/>
+          <a:chExt cx="0" cy="0"/>
+        </a:xfrm>
+      </p:grpSpPr>
+      <p:sp>
+        <p:nvSpPr>
+          <p:cNvPr id="6" name="TextBox 5">
+            <a:extLst>
+              <a:ext uri="{FF2B5EF4-FFF2-40B4-BE49-F238E27FC236}">
+                <a16:creationId xmlns:a16="http://schemas.microsoft.com/office/drawing/2014/main" id="{EC8811C5-6C69-41DB-B7C9-01B22879FB86}"/>
+              </a:ext>
+            </a:extLst>
+          </p:cNvPr>
+          <p:cNvSpPr txBox="1"/>
+          <p:nvPr/>
+        </p:nvSpPr>
+        <p:spPr>
+          <a:xfrm>
+            <a:off x="0" y="0"/>
+            <a:ext cx="12192000" cy="307777"/>
+          </a:xfrm>
+          <a:prstGeom prst="rect">
+            <a:avLst/>
+          </a:prstGeom>
+          <a:solidFill>
+            <a:schemeClr val="tx1"/>
+          </a:solidFill>
+        </p:spPr>
+        <p:txBody>
+          <a:bodyPr wrap="square">
+            <a:spAutoFit/>
+          </a:bodyPr>
+          <a:lstStyle/>
+          <a:p>
+            <a:r>
+              <a:rPr lang="en-US" sz="1400" b="1" i="0" dirty="0">
+                <a:solidFill>
+                  <a:schemeClr val="bg1"/>
+                </a:solidFill>
+                <a:effectLst/>
+                <a:latin typeface="-apple-system"/>
+              </a:rPr>
+              <a:t>Working with the Manifest: Refine the Manifest in Data Refinery – Visualizatio</a:t>
+            </a:r>
+            <a:r>
+              <a:rPr lang="en-US" sz="1400" b="1" dirty="0">
+                <a:solidFill>
+                  <a:schemeClr val="bg1"/>
+                </a:solidFill>
+                <a:latin typeface="-apple-system"/>
+              </a:rPr>
+              <a:t>n</a:t>
+            </a:r>
+            <a:endParaRPr lang="en-US" sz="1400" dirty="0">
+              <a:solidFill>
+                <a:schemeClr val="bg1"/>
+              </a:solidFill>
+            </a:endParaRPr>
+          </a:p>
+        </p:txBody>
+      </p:sp>
+      <p:sp>
+        <p:nvSpPr>
+          <p:cNvPr id="7" name="Arrow: Right 6">
+            <a:extLst>
+              <a:ext uri="{FF2B5EF4-FFF2-40B4-BE49-F238E27FC236}">
+                <a16:creationId xmlns:a16="http://schemas.microsoft.com/office/drawing/2014/main" id="{ABD07B8B-8925-4199-BF36-A997009A94CB}"/>
+              </a:ext>
+            </a:extLst>
+          </p:cNvPr>
+          <p:cNvSpPr/>
+          <p:nvPr/>
+        </p:nvSpPr>
+        <p:spPr>
+          <a:xfrm>
+            <a:off x="10904714" y="1933575"/>
+            <a:ext cx="374073" cy="290946"/>
+          </a:xfrm>
+          <a:prstGeom prst="rightArrow">
+            <a:avLst/>
+          </a:prstGeom>
+          <a:solidFill>
+            <a:srgbClr val="FF0000"/>
+          </a:solidFill>
+          <a:ln>
+            <a:noFill/>
+          </a:ln>
+        </p:spPr>
+        <p:style>
+          <a:lnRef idx="2">
+            <a:schemeClr val="accent1">
+              <a:shade val="50000"/>
+            </a:schemeClr>
+          </a:lnRef>
+          <a:fillRef idx="1">
+            <a:schemeClr val="accent1"/>
+          </a:fillRef>
+          <a:effectRef idx="0">
+            <a:schemeClr val="accent1"/>
+          </a:effectRef>
+          <a:fontRef idx="minor">
+            <a:schemeClr val="lt1"/>
+          </a:fontRef>
+        </p:style>
+        <p:txBody>
+          <a:bodyPr rtlCol="0" anchor="ctr"/>
+          <a:lstStyle/>
+          <a:p>
+            <a:pPr algn="ctr"/>
+            <a:endParaRPr lang="en-US"/>
+          </a:p>
+        </p:txBody>
+      </p:sp>
+      <p:pic>
+        <p:nvPicPr>
+          <p:cNvPr id="4" name="Picture 3">
+            <a:extLst>
+              <a:ext uri="{FF2B5EF4-FFF2-40B4-BE49-F238E27FC236}">
+                <a16:creationId xmlns:a16="http://schemas.microsoft.com/office/drawing/2014/main" id="{F2C01929-827C-4EDB-8BFA-D5B9A2518F5A}"/>
+              </a:ext>
+            </a:extLst>
+          </p:cNvPr>
+          <p:cNvPicPr>
+            <a:picLocks noChangeAspect="1"/>
+          </p:cNvPicPr>
+          <p:nvPr/>
+        </p:nvPicPr>
+        <p:blipFill>
+          <a:blip r:embed="rId2"/>
+          <a:stretch>
+            <a:fillRect/>
+          </a:stretch>
+        </p:blipFill>
+        <p:spPr>
+          <a:xfrm>
+            <a:off x="332781" y="463618"/>
+            <a:ext cx="11278787" cy="6273663"/>
+          </a:xfrm>
+          <a:prstGeom prst="rect">
+            <a:avLst/>
+          </a:prstGeom>
+        </p:spPr>
+      </p:pic>
+    </p:spTree>
+    <p:extLst>
+      <p:ext uri="{BB962C8B-B14F-4D97-AF65-F5344CB8AC3E}">
+        <p14:creationId xmlns:p14="http://schemas.microsoft.com/office/powerpoint/2010/main" val="625157052"/>
+      </p:ext>
+    </p:extLst>
+  </p:cSld>
+  <p:clrMapOvr>
+    <a:masterClrMapping/>
+  </p:clrMapOvr>
+</p:sld>
+</file>
+
+<file path=ppt/slides/slide27.xml><?xml version="1.0" encoding="utf-8"?>
+<p:sld xmlns:a="http://schemas.openxmlformats.org/drawingml/2006/main" xmlns:r="http://schemas.openxmlformats.org/officeDocument/2006/relationships" xmlns:p="http://schemas.openxmlformats.org/presentationml/2006/main">
+  <p:cSld>
+    <p:spTree>
+      <p:nvGrpSpPr>
+        <p:cNvPr id="1" name=""/>
+        <p:cNvGrpSpPr/>
+        <p:nvPr/>
+      </p:nvGrpSpPr>
+      <p:grpSpPr>
+        <a:xfrm>
+          <a:off x="0" y="0"/>
+          <a:ext cx="0" cy="0"/>
+          <a:chOff x="0" y="0"/>
+          <a:chExt cx="0" cy="0"/>
+        </a:xfrm>
+      </p:grpSpPr>
+      <p:sp>
+        <p:nvSpPr>
+          <p:cNvPr id="6" name="TextBox 5">
+            <a:extLst>
+              <a:ext uri="{FF2B5EF4-FFF2-40B4-BE49-F238E27FC236}">
+                <a16:creationId xmlns:a16="http://schemas.microsoft.com/office/drawing/2014/main" id="{EC8811C5-6C69-41DB-B7C9-01B22879FB86}"/>
+              </a:ext>
+            </a:extLst>
+          </p:cNvPr>
+          <p:cNvSpPr txBox="1"/>
+          <p:nvPr/>
+        </p:nvSpPr>
+        <p:spPr>
+          <a:xfrm>
+            <a:off x="0" y="0"/>
+            <a:ext cx="12192000" cy="307777"/>
+          </a:xfrm>
+          <a:prstGeom prst="rect">
+            <a:avLst/>
+          </a:prstGeom>
+          <a:solidFill>
+            <a:schemeClr val="tx1"/>
+          </a:solidFill>
+        </p:spPr>
+        <p:txBody>
+          <a:bodyPr wrap="square">
+            <a:spAutoFit/>
+          </a:bodyPr>
+          <a:lstStyle/>
+          <a:p>
+            <a:r>
+              <a:rPr lang="en-US" sz="1400" b="1" i="0" dirty="0">
+                <a:solidFill>
+                  <a:schemeClr val="bg1"/>
+                </a:solidFill>
+                <a:effectLst/>
+                <a:latin typeface="-apple-system"/>
+              </a:rPr>
+              <a:t>Working with the Manifest: Refine the Manifest in Data Refinery – Visualizatio</a:t>
+            </a:r>
+            <a:r>
+              <a:rPr lang="en-US" sz="1400" b="1" dirty="0">
+                <a:solidFill>
+                  <a:schemeClr val="bg1"/>
+                </a:solidFill>
+                <a:latin typeface="-apple-system"/>
+              </a:rPr>
+              <a:t>n</a:t>
+            </a:r>
+            <a:endParaRPr lang="en-US" sz="1400" dirty="0">
+              <a:solidFill>
+                <a:schemeClr val="bg1"/>
+              </a:solidFill>
+            </a:endParaRPr>
+          </a:p>
+        </p:txBody>
+      </p:sp>
+      <p:sp>
+        <p:nvSpPr>
+          <p:cNvPr id="7" name="Arrow: Right 6">
+            <a:extLst>
+              <a:ext uri="{FF2B5EF4-FFF2-40B4-BE49-F238E27FC236}">
+                <a16:creationId xmlns:a16="http://schemas.microsoft.com/office/drawing/2014/main" id="{ABD07B8B-8925-4199-BF36-A997009A94CB}"/>
+              </a:ext>
+            </a:extLst>
+          </p:cNvPr>
+          <p:cNvSpPr/>
+          <p:nvPr/>
+        </p:nvSpPr>
+        <p:spPr>
+          <a:xfrm>
+            <a:off x="10904714" y="1933575"/>
+            <a:ext cx="374073" cy="290946"/>
+          </a:xfrm>
+          <a:prstGeom prst="rightArrow">
+            <a:avLst/>
+          </a:prstGeom>
+          <a:solidFill>
+            <a:srgbClr val="FF0000"/>
+          </a:solidFill>
+          <a:ln>
+            <a:noFill/>
+          </a:ln>
+        </p:spPr>
+        <p:style>
+          <a:lnRef idx="2">
+            <a:schemeClr val="accent1">
+              <a:shade val="50000"/>
+            </a:schemeClr>
+          </a:lnRef>
+          <a:fillRef idx="1">
+            <a:schemeClr val="accent1"/>
+          </a:fillRef>
+          <a:effectRef idx="0">
+            <a:schemeClr val="accent1"/>
+          </a:effectRef>
+          <a:fontRef idx="minor">
+            <a:schemeClr val="lt1"/>
+          </a:fontRef>
+        </p:style>
+        <p:txBody>
+          <a:bodyPr rtlCol="0" anchor="ctr"/>
+          <a:lstStyle/>
+          <a:p>
+            <a:pPr algn="ctr"/>
+            <a:endParaRPr lang="en-US"/>
+          </a:p>
+        </p:txBody>
+      </p:sp>
+      <p:pic>
+        <p:nvPicPr>
+          <p:cNvPr id="3" name="Picture 2">
+            <a:extLst>
+              <a:ext uri="{FF2B5EF4-FFF2-40B4-BE49-F238E27FC236}">
+                <a16:creationId xmlns:a16="http://schemas.microsoft.com/office/drawing/2014/main" id="{F1CE28D2-5C16-49A8-8FAF-051239CD9934}"/>
+              </a:ext>
+            </a:extLst>
+          </p:cNvPr>
+          <p:cNvPicPr>
+            <a:picLocks noChangeAspect="1"/>
+          </p:cNvPicPr>
+          <p:nvPr/>
+        </p:nvPicPr>
+        <p:blipFill>
+          <a:blip r:embed="rId2"/>
+          <a:stretch>
+            <a:fillRect/>
+          </a:stretch>
+        </p:blipFill>
+        <p:spPr>
+          <a:xfrm>
+            <a:off x="673659" y="571499"/>
+            <a:ext cx="10844681" cy="6047189"/>
+          </a:xfrm>
+          <a:prstGeom prst="rect">
+            <a:avLst/>
+          </a:prstGeom>
+        </p:spPr>
+      </p:pic>
+    </p:spTree>
+    <p:extLst>
+      <p:ext uri="{BB962C8B-B14F-4D97-AF65-F5344CB8AC3E}">
+        <p14:creationId xmlns:p14="http://schemas.microsoft.com/office/powerpoint/2010/main" val="575600389"/>
+      </p:ext>
+    </p:extLst>
+  </p:cSld>
+  <p:clrMapOvr>
+    <a:masterClrMapping/>
+  </p:clrMapOvr>
+</p:sld>
+</file>
+
+<file path=ppt/slides/slide28.xml><?xml version="1.0" encoding="utf-8"?>
 <p:sld xmlns:a="http://schemas.openxmlformats.org/drawingml/2006/main" xmlns:r="http://schemas.openxmlformats.org/officeDocument/2006/relationships" xmlns:p="http://schemas.openxmlformats.org/presentationml/2006/main">
   <p:cSld>
     <p:spTree>
@@ -5427,10 +6730,10 @@
       </p:grpSpPr>
       <p:sp>
         <p:nvSpPr>
-          <p:cNvPr id="6" name="TextBox 5">
-            <a:extLst>
-              <a:ext uri="{FF2B5EF4-FFF2-40B4-BE49-F238E27FC236}">
-                <a16:creationId xmlns:a16="http://schemas.microsoft.com/office/drawing/2014/main" id="{2C599F7C-66A7-4AF4-A29A-1C68A4539677}"/>
+          <p:cNvPr id="7" name="TextBox 6">
+            <a:extLst>
+              <a:ext uri="{FF2B5EF4-FFF2-40B4-BE49-F238E27FC236}">
+                <a16:creationId xmlns:a16="http://schemas.microsoft.com/office/drawing/2014/main" id="{DC0BA69E-AEE8-408C-8616-7AE5D70F540C}"/>
               </a:ext>
             </a:extLst>
           </p:cNvPr>
@@ -5455,6 +6758,16 @@
           </a:bodyPr>
           <a:lstStyle/>
           <a:p>
+            <a:r>
+              <a:rPr lang="en-US" sz="1400" b="1" i="0" dirty="0">
+                <a:solidFill>
+                  <a:schemeClr val="bg1"/>
+                </a:solidFill>
+                <a:effectLst/>
+                <a:latin typeface="-apple-system"/>
+              </a:rPr>
+              <a:t>Use Visual Query to Browse and Search for </a:t>
+            </a:r>
             <a:r>
               <a:rPr lang="en-US" sz="1400" b="1" dirty="0">
                 <a:solidFill>
@@ -5462,7 +6775,27 @@
                 </a:solidFill>
                 <a:latin typeface="-apple-system"/>
               </a:rPr>
-              <a:t>Find the new dataset using Query Builder</a:t>
+              <a:t>Data with </a:t>
+            </a:r>
+            <a:r>
+              <a:rPr lang="en-US" sz="1400" b="1" i="0" dirty="0" err="1">
+                <a:solidFill>
+                  <a:schemeClr val="bg1"/>
+                </a:solidFill>
+                <a:effectLst/>
+                <a:latin typeface="-apple-system"/>
+              </a:rPr>
+              <a:t>ImageID</a:t>
+            </a:r>
+            <a:r>
+              <a:rPr lang="en-US" sz="1400" b="1" i="0" dirty="0">
+                <a:solidFill>
+                  <a:schemeClr val="bg1"/>
+                </a:solidFill>
+                <a:effectLst/>
+                <a:latin typeface="-apple-system"/>
+              </a:rPr>
+              <a:t>=T101389-10002: Result</a:t>
             </a:r>
             <a:endParaRPr lang="en-US" sz="1400" dirty="0">
               <a:solidFill>
@@ -5472,47 +6805,12 @@
           </a:p>
         </p:txBody>
       </p:sp>
-      <p:sp>
-        <p:nvSpPr>
-          <p:cNvPr id="5" name="TextBox 4">
-            <a:extLst>
-              <a:ext uri="{FF2B5EF4-FFF2-40B4-BE49-F238E27FC236}">
-                <a16:creationId xmlns:a16="http://schemas.microsoft.com/office/drawing/2014/main" id="{D22A0F85-276A-4714-9588-171C75E27677}"/>
-              </a:ext>
-            </a:extLst>
-          </p:cNvPr>
-          <p:cNvSpPr txBox="1"/>
-          <p:nvPr/>
-        </p:nvSpPr>
-        <p:spPr>
-          <a:xfrm>
-            <a:off x="490538" y="858321"/>
-            <a:ext cx="6105524" cy="369332"/>
-          </a:xfrm>
-          <a:prstGeom prst="rect">
-            <a:avLst/>
-          </a:prstGeom>
-          <a:noFill/>
-        </p:spPr>
-        <p:txBody>
-          <a:bodyPr wrap="square">
-            <a:spAutoFit/>
-          </a:bodyPr>
-          <a:lstStyle/>
-          <a:p>
-            <a:r>
-              <a:rPr lang="en-US" dirty="0"/>
-              <a:t>T101389-wkc</a:t>
-            </a:r>
-          </a:p>
-        </p:txBody>
-      </p:sp>
       <p:pic>
         <p:nvPicPr>
-          <p:cNvPr id="7" name="Picture 6">
-            <a:extLst>
-              <a:ext uri="{FF2B5EF4-FFF2-40B4-BE49-F238E27FC236}">
-                <a16:creationId xmlns:a16="http://schemas.microsoft.com/office/drawing/2014/main" id="{6A350CC6-CD8D-47B9-815E-72F4347B9B6C}"/>
+          <p:cNvPr id="3" name="Picture 2">
+            <a:extLst>
+              <a:ext uri="{FF2B5EF4-FFF2-40B4-BE49-F238E27FC236}">
+                <a16:creationId xmlns:a16="http://schemas.microsoft.com/office/drawing/2014/main" id="{15440E01-B1E9-4BA0-918B-180513318CC0}"/>
               </a:ext>
             </a:extLst>
           </p:cNvPr>
@@ -5529,25 +6827,70 @@
         </p:blipFill>
         <p:spPr>
           <a:xfrm>
-            <a:off x="490538" y="1362075"/>
-            <a:ext cx="6287952" cy="4886795"/>
+            <a:off x="0" y="1821015"/>
+            <a:ext cx="12192000" cy="3215970"/>
           </a:xfrm>
           <a:prstGeom prst="rect">
             <a:avLst/>
           </a:prstGeom>
+        </p:spPr>
+      </p:pic>
+      <p:sp>
+        <p:nvSpPr>
+          <p:cNvPr id="8" name="Arrow: Right 7">
+            <a:extLst>
+              <a:ext uri="{FF2B5EF4-FFF2-40B4-BE49-F238E27FC236}">
+                <a16:creationId xmlns:a16="http://schemas.microsoft.com/office/drawing/2014/main" id="{F2FD17BF-5E16-4614-A5DF-A4B353FD8E18}"/>
+              </a:ext>
+            </a:extLst>
+          </p:cNvPr>
+          <p:cNvSpPr/>
+          <p:nvPr/>
+        </p:nvSpPr>
+        <p:spPr>
+          <a:xfrm>
+            <a:off x="2876550" y="4524624"/>
+            <a:ext cx="374073" cy="290946"/>
+          </a:xfrm>
+          <a:prstGeom prst="rightArrow">
+            <a:avLst/>
+          </a:prstGeom>
+          <a:solidFill>
+            <a:srgbClr val="FF0000"/>
+          </a:solidFill>
           <a:ln>
-            <a:solidFill>
-              <a:schemeClr val="bg1">
-                <a:lumMod val="50000"/>
-              </a:schemeClr>
-            </a:solidFill>
+            <a:noFill/>
           </a:ln>
         </p:spPr>
-      </p:pic>
+        <p:style>
+          <a:lnRef idx="2">
+            <a:schemeClr val="accent1">
+              <a:shade val="50000"/>
+            </a:schemeClr>
+          </a:lnRef>
+          <a:fillRef idx="1">
+            <a:schemeClr val="accent1"/>
+          </a:fillRef>
+          <a:effectRef idx="0">
+            <a:schemeClr val="accent1"/>
+          </a:effectRef>
+          <a:fontRef idx="minor">
+            <a:schemeClr val="lt1"/>
+          </a:fontRef>
+        </p:style>
+        <p:txBody>
+          <a:bodyPr rtlCol="0" anchor="ctr"/>
+          <a:lstStyle/>
+          <a:p>
+            <a:pPr algn="ctr"/>
+            <a:endParaRPr lang="en-US"/>
+          </a:p>
+        </p:txBody>
+      </p:sp>
     </p:spTree>
     <p:extLst>
       <p:ext uri="{BB962C8B-B14F-4D97-AF65-F5344CB8AC3E}">
-        <p14:creationId xmlns:p14="http://schemas.microsoft.com/office/powerpoint/2010/main" val="3156384777"/>
+        <p14:creationId xmlns:p14="http://schemas.microsoft.com/office/powerpoint/2010/main" val="3742667134"/>
       </p:ext>
     </p:extLst>
   </p:cSld>
@@ -5574,12 +6917,60 @@
           <a:chExt cx="0" cy="0"/>
         </a:xfrm>
       </p:grpSpPr>
+      <p:sp>
+        <p:nvSpPr>
+          <p:cNvPr id="7" name="TextBox 6">
+            <a:extLst>
+              <a:ext uri="{FF2B5EF4-FFF2-40B4-BE49-F238E27FC236}">
+                <a16:creationId xmlns:a16="http://schemas.microsoft.com/office/drawing/2014/main" id="{DC0BA69E-AEE8-408C-8616-7AE5D70F540C}"/>
+              </a:ext>
+            </a:extLst>
+          </p:cNvPr>
+          <p:cNvSpPr txBox="1"/>
+          <p:nvPr/>
+        </p:nvSpPr>
+        <p:spPr>
+          <a:xfrm>
+            <a:off x="0" y="0"/>
+            <a:ext cx="12192000" cy="307777"/>
+          </a:xfrm>
+          <a:prstGeom prst="rect">
+            <a:avLst/>
+          </a:prstGeom>
+          <a:solidFill>
+            <a:schemeClr val="tx1"/>
+          </a:solidFill>
+        </p:spPr>
+        <p:txBody>
+          <a:bodyPr wrap="square">
+            <a:spAutoFit/>
+          </a:bodyPr>
+          <a:lstStyle/>
+          <a:p>
+            <a:r>
+              <a:rPr lang="en-US" sz="1400" b="1" i="0" dirty="0">
+                <a:solidFill>
+                  <a:schemeClr val="bg1"/>
+                </a:solidFill>
+                <a:effectLst/>
+                <a:latin typeface="-apple-system"/>
+              </a:rPr>
+              <a:t>Select files to be Exported to Watson Knowledge Catalog (in Cloud Pak for Data)</a:t>
+            </a:r>
+            <a:endParaRPr lang="en-US" sz="1400" dirty="0">
+              <a:solidFill>
+                <a:schemeClr val="bg1"/>
+              </a:solidFill>
+            </a:endParaRPr>
+          </a:p>
+        </p:txBody>
+      </p:sp>
       <p:pic>
         <p:nvPicPr>
-          <p:cNvPr id="3" name="Picture 2">
-            <a:extLst>
-              <a:ext uri="{FF2B5EF4-FFF2-40B4-BE49-F238E27FC236}">
-                <a16:creationId xmlns:a16="http://schemas.microsoft.com/office/drawing/2014/main" id="{01CA6D21-0AAD-4D56-8164-3838B6478360}"/>
+          <p:cNvPr id="4" name="Picture 3">
+            <a:extLst>
+              <a:ext uri="{FF2B5EF4-FFF2-40B4-BE49-F238E27FC236}">
+                <a16:creationId xmlns:a16="http://schemas.microsoft.com/office/drawing/2014/main" id="{995E71E3-63DF-417F-A64C-0B322735C3B2}"/>
               </a:ext>
             </a:extLst>
           </p:cNvPr>
@@ -5596,8 +6987,8 @@
         </p:blipFill>
         <p:spPr>
           <a:xfrm>
-            <a:off x="1704974" y="535589"/>
-            <a:ext cx="8039705" cy="5786821"/>
+            <a:off x="0" y="1808208"/>
+            <a:ext cx="12192000" cy="3241584"/>
           </a:xfrm>
           <a:prstGeom prst="rect">
             <a:avLst/>
@@ -5606,58 +6997,10 @@
       </p:pic>
       <p:sp>
         <p:nvSpPr>
-          <p:cNvPr id="7" name="TextBox 6">
-            <a:extLst>
-              <a:ext uri="{FF2B5EF4-FFF2-40B4-BE49-F238E27FC236}">
-                <a16:creationId xmlns:a16="http://schemas.microsoft.com/office/drawing/2014/main" id="{DC0BA69E-AEE8-408C-8616-7AE5D70F540C}"/>
-              </a:ext>
-            </a:extLst>
-          </p:cNvPr>
-          <p:cNvSpPr txBox="1"/>
-          <p:nvPr/>
-        </p:nvSpPr>
-        <p:spPr>
-          <a:xfrm>
-            <a:off x="0" y="0"/>
-            <a:ext cx="12192000" cy="307777"/>
-          </a:xfrm>
-          <a:prstGeom prst="rect">
-            <a:avLst/>
-          </a:prstGeom>
-          <a:solidFill>
-            <a:schemeClr val="tx1"/>
-          </a:solidFill>
-        </p:spPr>
-        <p:txBody>
-          <a:bodyPr wrap="square">
-            <a:spAutoFit/>
-          </a:bodyPr>
-          <a:lstStyle/>
-          <a:p>
-            <a:r>
-              <a:rPr lang="en-US" sz="1400" b="1" i="0" dirty="0">
-                <a:solidFill>
-                  <a:schemeClr val="bg1"/>
-                </a:solidFill>
-                <a:effectLst/>
-                <a:latin typeface="-apple-system"/>
-              </a:rPr>
-              <a:t>Search for Dataset and Manifest in Spectrum Discover Web Console</a:t>
-            </a:r>
-            <a:endParaRPr lang="en-US" sz="1400" dirty="0">
-              <a:solidFill>
-                <a:schemeClr val="bg1"/>
-              </a:solidFill>
-            </a:endParaRPr>
-          </a:p>
-        </p:txBody>
-      </p:sp>
-      <p:sp>
-        <p:nvSpPr>
-          <p:cNvPr id="6" name="Arrow: Right 5">
-            <a:extLst>
-              <a:ext uri="{FF2B5EF4-FFF2-40B4-BE49-F238E27FC236}">
-                <a16:creationId xmlns:a16="http://schemas.microsoft.com/office/drawing/2014/main" id="{4A9F97D9-B54B-43B9-B83A-E8FA169B1F04}"/>
+          <p:cNvPr id="9" name="Arrow: Right 8">
+            <a:extLst>
+              <a:ext uri="{FF2B5EF4-FFF2-40B4-BE49-F238E27FC236}">
+                <a16:creationId xmlns:a16="http://schemas.microsoft.com/office/drawing/2014/main" id="{E0FCF2FF-8915-4864-B4C5-22F46013F3B5}"/>
               </a:ext>
             </a:extLst>
           </p:cNvPr>
@@ -5665,8 +7008,8 @@
           <p:nvPr/>
         </p:nvSpPr>
         <p:spPr>
-          <a:xfrm>
-            <a:off x="1704974" y="2425412"/>
+          <a:xfrm rot="5400000">
+            <a:off x="3124200" y="2184013"/>
             <a:ext cx="374073" cy="290946"/>
           </a:xfrm>
           <a:prstGeom prst="rightArrow">
@@ -5704,10 +7047,62 @@
           </a:p>
         </p:txBody>
       </p:sp>
+      <p:sp>
+        <p:nvSpPr>
+          <p:cNvPr id="11" name="Arrow: Right 10">
+            <a:extLst>
+              <a:ext uri="{FF2B5EF4-FFF2-40B4-BE49-F238E27FC236}">
+                <a16:creationId xmlns:a16="http://schemas.microsoft.com/office/drawing/2014/main" id="{A4B41F6C-D3F1-4736-A18B-030C9368A329}"/>
+              </a:ext>
+            </a:extLst>
+          </p:cNvPr>
+          <p:cNvSpPr/>
+          <p:nvPr/>
+        </p:nvSpPr>
+        <p:spPr>
+          <a:xfrm rot="5400000">
+            <a:off x="10763252" y="1783287"/>
+            <a:ext cx="374073" cy="290946"/>
+          </a:xfrm>
+          <a:prstGeom prst="rightArrow">
+            <a:avLst/>
+          </a:prstGeom>
+          <a:solidFill>
+            <a:srgbClr val="FF0000"/>
+          </a:solidFill>
+          <a:ln>
+            <a:noFill/>
+          </a:ln>
+        </p:spPr>
+        <p:style>
+          <a:lnRef idx="2">
+            <a:schemeClr val="accent1">
+              <a:shade val="50000"/>
+            </a:schemeClr>
+          </a:lnRef>
+          <a:fillRef idx="1">
+            <a:schemeClr val="accent1"/>
+          </a:fillRef>
+          <a:effectRef idx="0">
+            <a:schemeClr val="accent1"/>
+          </a:effectRef>
+          <a:fontRef idx="minor">
+            <a:schemeClr val="lt1"/>
+          </a:fontRef>
+        </p:style>
+        <p:txBody>
+          <a:bodyPr rtlCol="0" anchor="ctr"/>
+          <a:lstStyle/>
+          <a:p>
+            <a:pPr algn="ctr"/>
+            <a:endParaRPr lang="en-US"/>
+          </a:p>
+        </p:txBody>
+      </p:sp>
     </p:spTree>
     <p:extLst>
       <p:ext uri="{BB962C8B-B14F-4D97-AF65-F5344CB8AC3E}">
-        <p14:creationId xmlns:p14="http://schemas.microsoft.com/office/powerpoint/2010/main" val="140245421"/>
+        <p14:creationId xmlns:p14="http://schemas.microsoft.com/office/powerpoint/2010/main" val="704374441"/>
       </p:ext>
     </p:extLst>
   </p:cSld>
@@ -5772,7 +7167,27 @@
                 <a:effectLst/>
                 <a:latin typeface="-apple-system"/>
               </a:rPr>
-              <a:t>Search for Dataset and Manifest in Spectrum Discover Web Console: Results</a:t>
+              <a:t>Select Metadata Tags to be Exported to Watson Knowledge Catalog “</a:t>
+            </a:r>
+            <a:r>
+              <a:rPr lang="en-US" sz="1400" b="1" i="0" dirty="0" err="1">
+                <a:solidFill>
+                  <a:schemeClr val="bg1"/>
+                </a:solidFill>
+                <a:effectLst/>
+                <a:latin typeface="-apple-system"/>
+              </a:rPr>
+              <a:t>uDCt</a:t>
+            </a:r>
+            <a:r>
+              <a:rPr lang="en-US" sz="1400" b="1" i="0" dirty="0">
+                <a:solidFill>
+                  <a:schemeClr val="bg1"/>
+                </a:solidFill>
+                <a:effectLst/>
+                <a:latin typeface="-apple-system"/>
+              </a:rPr>
+              <a:t> Catalog1”</a:t>
             </a:r>
             <a:endParaRPr lang="en-US" sz="1400" dirty="0">
               <a:solidFill>
@@ -5787,7 +7202,7 @@
           <p:cNvPr id="3" name="Picture 2">
             <a:extLst>
               <a:ext uri="{FF2B5EF4-FFF2-40B4-BE49-F238E27FC236}">
-                <a16:creationId xmlns:a16="http://schemas.microsoft.com/office/drawing/2014/main" id="{4CC9EA80-A8AD-456E-957E-2778DF1CBB04}"/>
+                <a16:creationId xmlns:a16="http://schemas.microsoft.com/office/drawing/2014/main" id="{87E7800B-B27D-4F16-B211-02B28F6809B9}"/>
               </a:ext>
             </a:extLst>
           </p:cNvPr>
@@ -5804,8 +7219,8 @@
         </p:blipFill>
         <p:spPr>
           <a:xfrm>
-            <a:off x="771525" y="1316609"/>
-            <a:ext cx="10353675" cy="3830427"/>
+            <a:off x="0" y="1122620"/>
+            <a:ext cx="12192000" cy="5031860"/>
           </a:xfrm>
           <a:prstGeom prst="rect">
             <a:avLst/>
@@ -5814,10 +7229,10 @@
       </p:pic>
       <p:sp>
         <p:nvSpPr>
-          <p:cNvPr id="6" name="Arrow: Right 5">
-            <a:extLst>
-              <a:ext uri="{FF2B5EF4-FFF2-40B4-BE49-F238E27FC236}">
-                <a16:creationId xmlns:a16="http://schemas.microsoft.com/office/drawing/2014/main" id="{63D661B0-6413-4D7A-89B2-FDE5A7B652C1}"/>
+          <p:cNvPr id="8" name="Arrow: Right 7">
+            <a:extLst>
+              <a:ext uri="{FF2B5EF4-FFF2-40B4-BE49-F238E27FC236}">
+                <a16:creationId xmlns:a16="http://schemas.microsoft.com/office/drawing/2014/main" id="{6CFC2AE2-70EF-49CA-A75B-46C02BE8E398}"/>
               </a:ext>
             </a:extLst>
           </p:cNvPr>
@@ -5825,8 +7240,8 @@
           <p:nvPr/>
         </p:nvSpPr>
         <p:spPr>
-          <a:xfrm>
-            <a:off x="771525" y="3086349"/>
+          <a:xfrm rot="5400000">
+            <a:off x="6054437" y="1409214"/>
             <a:ext cx="374073" cy="290946"/>
           </a:xfrm>
           <a:prstGeom prst="rightArrow">
@@ -5864,10 +7279,62 @@
           </a:p>
         </p:txBody>
       </p:sp>
+      <p:sp>
+        <p:nvSpPr>
+          <p:cNvPr id="10" name="Arrow: Right 9">
+            <a:extLst>
+              <a:ext uri="{FF2B5EF4-FFF2-40B4-BE49-F238E27FC236}">
+                <a16:creationId xmlns:a16="http://schemas.microsoft.com/office/drawing/2014/main" id="{DC92DBAB-816F-4871-B557-157AB5652CCF}"/>
+              </a:ext>
+            </a:extLst>
+          </p:cNvPr>
+          <p:cNvSpPr/>
+          <p:nvPr/>
+        </p:nvSpPr>
+        <p:spPr>
+          <a:xfrm rot="10800000">
+            <a:off x="7229477" y="3638550"/>
+            <a:ext cx="374073" cy="290946"/>
+          </a:xfrm>
+          <a:prstGeom prst="rightArrow">
+            <a:avLst/>
+          </a:prstGeom>
+          <a:solidFill>
+            <a:srgbClr val="FF0000"/>
+          </a:solidFill>
+          <a:ln>
+            <a:noFill/>
+          </a:ln>
+        </p:spPr>
+        <p:style>
+          <a:lnRef idx="2">
+            <a:schemeClr val="accent1">
+              <a:shade val="50000"/>
+            </a:schemeClr>
+          </a:lnRef>
+          <a:fillRef idx="1">
+            <a:schemeClr val="accent1"/>
+          </a:fillRef>
+          <a:effectRef idx="0">
+            <a:schemeClr val="accent1"/>
+          </a:effectRef>
+          <a:fontRef idx="minor">
+            <a:schemeClr val="lt1"/>
+          </a:fontRef>
+        </p:style>
+        <p:txBody>
+          <a:bodyPr rtlCol="0" anchor="ctr"/>
+          <a:lstStyle/>
+          <a:p>
+            <a:pPr algn="ctr"/>
+            <a:endParaRPr lang="en-US"/>
+          </a:p>
+        </p:txBody>
+      </p:sp>
     </p:spTree>
     <p:extLst>
       <p:ext uri="{BB962C8B-B14F-4D97-AF65-F5344CB8AC3E}">
-        <p14:creationId xmlns:p14="http://schemas.microsoft.com/office/powerpoint/2010/main" val="3599282882"/>
+        <p14:creationId xmlns:p14="http://schemas.microsoft.com/office/powerpoint/2010/main" val="764304304"/>
       </p:ext>
     </p:extLst>
   </p:cSld>
@@ -5896,10 +7363,10 @@
       </p:grpSpPr>
       <p:pic>
         <p:nvPicPr>
-          <p:cNvPr id="17" name="Picture 16">
-            <a:extLst>
-              <a:ext uri="{FF2B5EF4-FFF2-40B4-BE49-F238E27FC236}">
-                <a16:creationId xmlns:a16="http://schemas.microsoft.com/office/drawing/2014/main" id="{841E70CF-BCFC-4CB5-8CE4-763CE5F6F0C0}"/>
+          <p:cNvPr id="5" name="Picture 4">
+            <a:extLst>
+              <a:ext uri="{FF2B5EF4-FFF2-40B4-BE49-F238E27FC236}">
+                <a16:creationId xmlns:a16="http://schemas.microsoft.com/office/drawing/2014/main" id="{4E13EDAB-759E-478E-B360-A162ADA82F5C}"/>
               </a:ext>
             </a:extLst>
           </p:cNvPr>
@@ -5916,222 +7383,18 @@
         </p:blipFill>
         <p:spPr>
           <a:xfrm>
-            <a:off x="0" y="757993"/>
-            <a:ext cx="12192000" cy="5051065"/>
+            <a:off x="0" y="36548"/>
+            <a:ext cx="12192000" cy="6784904"/>
           </a:xfrm>
           <a:prstGeom prst="rect">
             <a:avLst/>
           </a:prstGeom>
         </p:spPr>
       </p:pic>
-      <p:sp>
-        <p:nvSpPr>
-          <p:cNvPr id="6" name="TextBox 5">
-            <a:extLst>
-              <a:ext uri="{FF2B5EF4-FFF2-40B4-BE49-F238E27FC236}">
-                <a16:creationId xmlns:a16="http://schemas.microsoft.com/office/drawing/2014/main" id="{EBB52298-5DC8-495B-A05C-C8E6A6AE32DD}"/>
-              </a:ext>
-            </a:extLst>
-          </p:cNvPr>
-          <p:cNvSpPr txBox="1"/>
-          <p:nvPr/>
-        </p:nvSpPr>
-        <p:spPr>
-          <a:xfrm>
-            <a:off x="0" y="0"/>
-            <a:ext cx="12192000" cy="307777"/>
-          </a:xfrm>
-          <a:prstGeom prst="rect">
-            <a:avLst/>
-          </a:prstGeom>
-          <a:solidFill>
-            <a:schemeClr val="tx1"/>
-          </a:solidFill>
-        </p:spPr>
-        <p:txBody>
-          <a:bodyPr wrap="square">
-            <a:spAutoFit/>
-          </a:bodyPr>
-          <a:lstStyle/>
-          <a:p>
-            <a:r>
-              <a:rPr lang="en-US" sz="1400" b="1" i="0" dirty="0">
-                <a:solidFill>
-                  <a:schemeClr val="bg1"/>
-                </a:solidFill>
-                <a:effectLst/>
-                <a:latin typeface="-apple-system"/>
-              </a:rPr>
-              <a:t>Export dataset to WKC Catalog1</a:t>
-            </a:r>
-            <a:endParaRPr lang="en-US" sz="1400" dirty="0">
-              <a:solidFill>
-                <a:schemeClr val="bg1"/>
-              </a:solidFill>
-            </a:endParaRPr>
-          </a:p>
-        </p:txBody>
-      </p:sp>
-      <p:sp>
-        <p:nvSpPr>
-          <p:cNvPr id="10" name="Arrow: Right 9">
-            <a:extLst>
-              <a:ext uri="{FF2B5EF4-FFF2-40B4-BE49-F238E27FC236}">
-                <a16:creationId xmlns:a16="http://schemas.microsoft.com/office/drawing/2014/main" id="{700822E2-EB8A-4711-B315-46D0B79185E9}"/>
-              </a:ext>
-            </a:extLst>
-          </p:cNvPr>
-          <p:cNvSpPr/>
-          <p:nvPr/>
-        </p:nvSpPr>
-        <p:spPr>
-          <a:xfrm rot="10800000">
-            <a:off x="6955183" y="3390900"/>
-            <a:ext cx="374073" cy="290946"/>
-          </a:xfrm>
-          <a:prstGeom prst="rightArrow">
-            <a:avLst/>
-          </a:prstGeom>
-          <a:solidFill>
-            <a:srgbClr val="FF0000"/>
-          </a:solidFill>
-          <a:ln>
-            <a:noFill/>
-          </a:ln>
-        </p:spPr>
-        <p:style>
-          <a:lnRef idx="2">
-            <a:schemeClr val="accent1">
-              <a:shade val="50000"/>
-            </a:schemeClr>
-          </a:lnRef>
-          <a:fillRef idx="1">
-            <a:schemeClr val="accent1"/>
-          </a:fillRef>
-          <a:effectRef idx="0">
-            <a:schemeClr val="accent1"/>
-          </a:effectRef>
-          <a:fontRef idx="minor">
-            <a:schemeClr val="lt1"/>
-          </a:fontRef>
-        </p:style>
-        <p:txBody>
-          <a:bodyPr rtlCol="0" anchor="ctr"/>
-          <a:lstStyle/>
-          <a:p>
-            <a:pPr algn="ctr"/>
-            <a:endParaRPr lang="en-US"/>
-          </a:p>
-        </p:txBody>
-      </p:sp>
-      <p:sp>
-        <p:nvSpPr>
-          <p:cNvPr id="12" name="Arrow: Right 11">
-            <a:extLst>
-              <a:ext uri="{FF2B5EF4-FFF2-40B4-BE49-F238E27FC236}">
-                <a16:creationId xmlns:a16="http://schemas.microsoft.com/office/drawing/2014/main" id="{2E355B65-D980-4B9F-8E27-B5DEB9BE2403}"/>
-              </a:ext>
-            </a:extLst>
-          </p:cNvPr>
-          <p:cNvSpPr/>
-          <p:nvPr/>
-        </p:nvSpPr>
-        <p:spPr>
-          <a:xfrm rot="5400000">
-            <a:off x="9294768" y="2093078"/>
-            <a:ext cx="374073" cy="290946"/>
-          </a:xfrm>
-          <a:prstGeom prst="rightArrow">
-            <a:avLst/>
-          </a:prstGeom>
-          <a:solidFill>
-            <a:srgbClr val="FF0000"/>
-          </a:solidFill>
-          <a:ln>
-            <a:noFill/>
-          </a:ln>
-        </p:spPr>
-        <p:style>
-          <a:lnRef idx="2">
-            <a:schemeClr val="accent1">
-              <a:shade val="50000"/>
-            </a:schemeClr>
-          </a:lnRef>
-          <a:fillRef idx="1">
-            <a:schemeClr val="accent1"/>
-          </a:fillRef>
-          <a:effectRef idx="0">
-            <a:schemeClr val="accent1"/>
-          </a:effectRef>
-          <a:fontRef idx="minor">
-            <a:schemeClr val="lt1"/>
-          </a:fontRef>
-        </p:style>
-        <p:txBody>
-          <a:bodyPr rtlCol="0" anchor="ctr"/>
-          <a:lstStyle/>
-          <a:p>
-            <a:pPr algn="ctr"/>
-            <a:endParaRPr lang="en-US"/>
-          </a:p>
-        </p:txBody>
-      </p:sp>
-      <p:sp>
-        <p:nvSpPr>
-          <p:cNvPr id="18" name="Arrow: Right 17">
-            <a:extLst>
-              <a:ext uri="{FF2B5EF4-FFF2-40B4-BE49-F238E27FC236}">
-                <a16:creationId xmlns:a16="http://schemas.microsoft.com/office/drawing/2014/main" id="{D1120F15-58B9-4161-9D3D-053D7729771F}"/>
-              </a:ext>
-            </a:extLst>
-          </p:cNvPr>
-          <p:cNvSpPr/>
-          <p:nvPr/>
-        </p:nvSpPr>
-        <p:spPr>
-          <a:xfrm rot="10800000">
-            <a:off x="4059583" y="2964004"/>
-            <a:ext cx="374073" cy="290946"/>
-          </a:xfrm>
-          <a:prstGeom prst="rightArrow">
-            <a:avLst/>
-          </a:prstGeom>
-          <a:solidFill>
-            <a:srgbClr val="FF0000"/>
-          </a:solidFill>
-          <a:ln>
-            <a:noFill/>
-          </a:ln>
-        </p:spPr>
-        <p:style>
-          <a:lnRef idx="2">
-            <a:schemeClr val="accent1">
-              <a:shade val="50000"/>
-            </a:schemeClr>
-          </a:lnRef>
-          <a:fillRef idx="1">
-            <a:schemeClr val="accent1"/>
-          </a:fillRef>
-          <a:effectRef idx="0">
-            <a:schemeClr val="accent1"/>
-          </a:effectRef>
-          <a:fontRef idx="minor">
-            <a:schemeClr val="lt1"/>
-          </a:fontRef>
-        </p:style>
-        <p:txBody>
-          <a:bodyPr rtlCol="0" anchor="ctr"/>
-          <a:lstStyle/>
-          <a:p>
-            <a:pPr algn="ctr"/>
-            <a:endParaRPr lang="en-US"/>
-          </a:p>
-        </p:txBody>
-      </p:sp>
     </p:spTree>
     <p:extLst>
       <p:ext uri="{BB962C8B-B14F-4D97-AF65-F5344CB8AC3E}">
-        <p14:creationId xmlns:p14="http://schemas.microsoft.com/office/powerpoint/2010/main" val="2842950398"/>
+        <p14:creationId xmlns:p14="http://schemas.microsoft.com/office/powerpoint/2010/main" val="4116574570"/>
       </p:ext>
     </p:extLst>
   </p:cSld>
@@ -6160,10 +7423,10 @@
       </p:grpSpPr>
       <p:pic>
         <p:nvPicPr>
-          <p:cNvPr id="14" name="Picture 13">
-            <a:extLst>
-              <a:ext uri="{FF2B5EF4-FFF2-40B4-BE49-F238E27FC236}">
-                <a16:creationId xmlns:a16="http://schemas.microsoft.com/office/drawing/2014/main" id="{7435C1C3-E46A-4627-9F83-1C9460BBA553}"/>
+          <p:cNvPr id="5" name="Picture 4">
+            <a:extLst>
+              <a:ext uri="{FF2B5EF4-FFF2-40B4-BE49-F238E27FC236}">
+                <a16:creationId xmlns:a16="http://schemas.microsoft.com/office/drawing/2014/main" id="{269D915F-ED66-4C54-ADB6-9AE869AFF019}"/>
               </a:ext>
             </a:extLst>
           </p:cNvPr>
@@ -6180,8 +7443,8 @@
         </p:blipFill>
         <p:spPr>
           <a:xfrm>
-            <a:off x="0" y="950671"/>
-            <a:ext cx="12192000" cy="4956657"/>
+            <a:off x="0" y="974813"/>
+            <a:ext cx="12192000" cy="4908374"/>
           </a:xfrm>
           <a:prstGeom prst="rect">
             <a:avLst/>
@@ -6190,58 +7453,10 @@
       </p:pic>
       <p:sp>
         <p:nvSpPr>
-          <p:cNvPr id="6" name="TextBox 5">
-            <a:extLst>
-              <a:ext uri="{FF2B5EF4-FFF2-40B4-BE49-F238E27FC236}">
-                <a16:creationId xmlns:a16="http://schemas.microsoft.com/office/drawing/2014/main" id="{E93153D5-16A4-4F52-8D5C-F1E2748C3C88}"/>
-              </a:ext>
-            </a:extLst>
-          </p:cNvPr>
-          <p:cNvSpPr txBox="1"/>
-          <p:nvPr/>
-        </p:nvSpPr>
-        <p:spPr>
-          <a:xfrm>
-            <a:off x="0" y="0"/>
-            <a:ext cx="12192000" cy="307777"/>
-          </a:xfrm>
-          <a:prstGeom prst="rect">
-            <a:avLst/>
-          </a:prstGeom>
-          <a:solidFill>
-            <a:schemeClr val="tx1"/>
-          </a:solidFill>
-        </p:spPr>
-        <p:txBody>
-          <a:bodyPr wrap="square">
-            <a:spAutoFit/>
-          </a:bodyPr>
-          <a:lstStyle/>
-          <a:p>
-            <a:r>
-              <a:rPr lang="en-US" sz="1400" b="1" i="0" dirty="0">
-                <a:solidFill>
-                  <a:schemeClr val="bg1"/>
-                </a:solidFill>
-                <a:effectLst/>
-                <a:latin typeface="-apple-system"/>
-              </a:rPr>
-              <a:t>Export dataset to WKC Catalog1: Result from WKC-1</a:t>
-            </a:r>
-            <a:endParaRPr lang="en-US" sz="1400" dirty="0">
-              <a:solidFill>
-                <a:schemeClr val="bg1"/>
-              </a:solidFill>
-            </a:endParaRPr>
-          </a:p>
-        </p:txBody>
-      </p:sp>
-      <p:sp>
-        <p:nvSpPr>
-          <p:cNvPr id="10" name="Rectangle 9">
-            <a:extLst>
-              <a:ext uri="{FF2B5EF4-FFF2-40B4-BE49-F238E27FC236}">
-                <a16:creationId xmlns:a16="http://schemas.microsoft.com/office/drawing/2014/main" id="{EFCDFBDF-1549-4F95-A06B-2752FC6A8928}"/>
+          <p:cNvPr id="6" name="Arrow: Right 5">
+            <a:extLst>
+              <a:ext uri="{FF2B5EF4-FFF2-40B4-BE49-F238E27FC236}">
+                <a16:creationId xmlns:a16="http://schemas.microsoft.com/office/drawing/2014/main" id="{5DD7644B-3387-4F69-B7B2-ABCF72AD5DCA}"/>
               </a:ext>
             </a:extLst>
           </p:cNvPr>
@@ -6250,17 +7465,17 @@
         </p:nvSpPr>
         <p:spPr>
           <a:xfrm>
-            <a:off x="142875" y="3962400"/>
-            <a:ext cx="12049125" cy="942975"/>
-          </a:xfrm>
-          <a:prstGeom prst="rect">
-            <a:avLst/>
-          </a:prstGeom>
-          <a:noFill/>
-          <a:ln w="57150">
-            <a:solidFill>
-              <a:srgbClr val="FF0000"/>
-            </a:solidFill>
+            <a:off x="0" y="5124699"/>
+            <a:ext cx="374073" cy="290946"/>
+          </a:xfrm>
+          <a:prstGeom prst="rightArrow">
+            <a:avLst/>
+          </a:prstGeom>
+          <a:solidFill>
+            <a:srgbClr val="FF0000"/>
+          </a:solidFill>
+          <a:ln>
+            <a:noFill/>
           </a:ln>
         </p:spPr>
         <p:style>
@@ -6288,10 +7503,234 @@
           </a:p>
         </p:txBody>
       </p:sp>
+      <p:sp>
+        <p:nvSpPr>
+          <p:cNvPr id="7" name="Arrow: Right 6">
+            <a:extLst>
+              <a:ext uri="{FF2B5EF4-FFF2-40B4-BE49-F238E27FC236}">
+                <a16:creationId xmlns:a16="http://schemas.microsoft.com/office/drawing/2014/main" id="{BD4FE829-20D2-4D0E-9A88-D62690658505}"/>
+              </a:ext>
+            </a:extLst>
+          </p:cNvPr>
+          <p:cNvSpPr/>
+          <p:nvPr/>
+        </p:nvSpPr>
+        <p:spPr>
+          <a:xfrm>
+            <a:off x="6061" y="5592241"/>
+            <a:ext cx="374073" cy="290946"/>
+          </a:xfrm>
+          <a:prstGeom prst="rightArrow">
+            <a:avLst/>
+          </a:prstGeom>
+          <a:solidFill>
+            <a:srgbClr val="FF0000"/>
+          </a:solidFill>
+          <a:ln>
+            <a:noFill/>
+          </a:ln>
+        </p:spPr>
+        <p:style>
+          <a:lnRef idx="2">
+            <a:schemeClr val="accent1">
+              <a:shade val="50000"/>
+            </a:schemeClr>
+          </a:lnRef>
+          <a:fillRef idx="1">
+            <a:schemeClr val="accent1"/>
+          </a:fillRef>
+          <a:effectRef idx="0">
+            <a:schemeClr val="accent1"/>
+          </a:effectRef>
+          <a:fontRef idx="minor">
+            <a:schemeClr val="lt1"/>
+          </a:fontRef>
+        </p:style>
+        <p:txBody>
+          <a:bodyPr rtlCol="0" anchor="ctr"/>
+          <a:lstStyle/>
+          <a:p>
+            <a:pPr algn="ctr"/>
+            <a:endParaRPr lang="en-US"/>
+          </a:p>
+        </p:txBody>
+      </p:sp>
+      <p:sp>
+        <p:nvSpPr>
+          <p:cNvPr id="9" name="Arrow: Right 8">
+            <a:extLst>
+              <a:ext uri="{FF2B5EF4-FFF2-40B4-BE49-F238E27FC236}">
+                <a16:creationId xmlns:a16="http://schemas.microsoft.com/office/drawing/2014/main" id="{8EC2CDF2-0B2C-44F7-8AF6-7F46B5A9AAC4}"/>
+              </a:ext>
+            </a:extLst>
+          </p:cNvPr>
+          <p:cNvSpPr/>
+          <p:nvPr/>
+        </p:nvSpPr>
+        <p:spPr>
+          <a:xfrm>
+            <a:off x="619125" y="3562599"/>
+            <a:ext cx="374073" cy="290946"/>
+          </a:xfrm>
+          <a:prstGeom prst="rightArrow">
+            <a:avLst/>
+          </a:prstGeom>
+          <a:solidFill>
+            <a:srgbClr val="FF0000"/>
+          </a:solidFill>
+          <a:ln>
+            <a:noFill/>
+          </a:ln>
+        </p:spPr>
+        <p:style>
+          <a:lnRef idx="2">
+            <a:schemeClr val="accent1">
+              <a:shade val="50000"/>
+            </a:schemeClr>
+          </a:lnRef>
+          <a:fillRef idx="1">
+            <a:schemeClr val="accent1"/>
+          </a:fillRef>
+          <a:effectRef idx="0">
+            <a:schemeClr val="accent1"/>
+          </a:effectRef>
+          <a:fontRef idx="minor">
+            <a:schemeClr val="lt1"/>
+          </a:fontRef>
+        </p:style>
+        <p:txBody>
+          <a:bodyPr rtlCol="0" anchor="ctr"/>
+          <a:lstStyle/>
+          <a:p>
+            <a:pPr algn="ctr"/>
+            <a:endParaRPr lang="en-US"/>
+          </a:p>
+        </p:txBody>
+      </p:sp>
+      <p:sp>
+        <p:nvSpPr>
+          <p:cNvPr id="10" name="Arrow: Right 9">
+            <a:extLst>
+              <a:ext uri="{FF2B5EF4-FFF2-40B4-BE49-F238E27FC236}">
+                <a16:creationId xmlns:a16="http://schemas.microsoft.com/office/drawing/2014/main" id="{7A82DFC9-3D4F-43C0-A659-992328820CC1}"/>
+              </a:ext>
+            </a:extLst>
+          </p:cNvPr>
+          <p:cNvSpPr/>
+          <p:nvPr/>
+        </p:nvSpPr>
+        <p:spPr>
+          <a:xfrm>
+            <a:off x="3028950" y="3577569"/>
+            <a:ext cx="374073" cy="290946"/>
+          </a:xfrm>
+          <a:prstGeom prst="rightArrow">
+            <a:avLst/>
+          </a:prstGeom>
+          <a:solidFill>
+            <a:srgbClr val="FF0000"/>
+          </a:solidFill>
+          <a:ln>
+            <a:noFill/>
+          </a:ln>
+        </p:spPr>
+        <p:style>
+          <a:lnRef idx="2">
+            <a:schemeClr val="accent1">
+              <a:shade val="50000"/>
+            </a:schemeClr>
+          </a:lnRef>
+          <a:fillRef idx="1">
+            <a:schemeClr val="accent1"/>
+          </a:fillRef>
+          <a:effectRef idx="0">
+            <a:schemeClr val="accent1"/>
+          </a:effectRef>
+          <a:fontRef idx="minor">
+            <a:schemeClr val="lt1"/>
+          </a:fontRef>
+        </p:style>
+        <p:txBody>
+          <a:bodyPr rtlCol="0" anchor="ctr"/>
+          <a:lstStyle/>
+          <a:p>
+            <a:pPr algn="ctr"/>
+            <a:endParaRPr lang="en-US"/>
+          </a:p>
+        </p:txBody>
+      </p:sp>
+      <p:sp>
+        <p:nvSpPr>
+          <p:cNvPr id="11" name="TextBox 10">
+            <a:extLst>
+              <a:ext uri="{FF2B5EF4-FFF2-40B4-BE49-F238E27FC236}">
+                <a16:creationId xmlns:a16="http://schemas.microsoft.com/office/drawing/2014/main" id="{F9701955-1AE9-49E4-8EDF-0CD0A37AD7CD}"/>
+              </a:ext>
+            </a:extLst>
+          </p:cNvPr>
+          <p:cNvSpPr txBox="1"/>
+          <p:nvPr/>
+        </p:nvSpPr>
+        <p:spPr>
+          <a:xfrm>
+            <a:off x="0" y="0"/>
+            <a:ext cx="12192000" cy="307777"/>
+          </a:xfrm>
+          <a:prstGeom prst="rect">
+            <a:avLst/>
+          </a:prstGeom>
+          <a:solidFill>
+            <a:schemeClr val="tx1"/>
+          </a:solidFill>
+        </p:spPr>
+        <p:txBody>
+          <a:bodyPr wrap="square">
+            <a:spAutoFit/>
+          </a:bodyPr>
+          <a:lstStyle/>
+          <a:p>
+            <a:r>
+              <a:rPr lang="en-US" sz="1400" b="1" i="0" dirty="0">
+                <a:solidFill>
+                  <a:schemeClr val="bg1"/>
+                </a:solidFill>
+                <a:effectLst/>
+                <a:latin typeface="-apple-system"/>
+              </a:rPr>
+              <a:t>Watson Knowledge Catalog “</a:t>
+            </a:r>
+            <a:r>
+              <a:rPr lang="en-US" sz="1400" b="1" i="0" dirty="0" err="1">
+                <a:solidFill>
+                  <a:schemeClr val="bg1"/>
+                </a:solidFill>
+                <a:effectLst/>
+                <a:latin typeface="-apple-system"/>
+              </a:rPr>
+              <a:t>uDCt</a:t>
+            </a:r>
+            <a:r>
+              <a:rPr lang="en-US" sz="1400" b="1" i="0" dirty="0">
+                <a:solidFill>
+                  <a:schemeClr val="bg1"/>
+                </a:solidFill>
+                <a:effectLst/>
+                <a:latin typeface="-apple-system"/>
+              </a:rPr>
+              <a:t> Catalog1”</a:t>
+            </a:r>
+            <a:endParaRPr lang="en-US" sz="1400" dirty="0">
+              <a:solidFill>
+                <a:schemeClr val="bg1"/>
+              </a:solidFill>
+            </a:endParaRPr>
+          </a:p>
+        </p:txBody>
+      </p:sp>
     </p:spTree>
     <p:extLst>
       <p:ext uri="{BB962C8B-B14F-4D97-AF65-F5344CB8AC3E}">
-        <p14:creationId xmlns:p14="http://schemas.microsoft.com/office/powerpoint/2010/main" val="3145298326"/>
+        <p14:creationId xmlns:p14="http://schemas.microsoft.com/office/powerpoint/2010/main" val="2400849780"/>
       </p:ext>
     </p:extLst>
   </p:cSld>
@@ -6320,10 +7759,10 @@
       </p:grpSpPr>
       <p:pic>
         <p:nvPicPr>
-          <p:cNvPr id="3" name="Picture 2">
-            <a:extLst>
-              <a:ext uri="{FF2B5EF4-FFF2-40B4-BE49-F238E27FC236}">
-                <a16:creationId xmlns:a16="http://schemas.microsoft.com/office/drawing/2014/main" id="{9E26E15E-E3C8-4E3F-924B-9C935AFD6A9D}"/>
+          <p:cNvPr id="17" name="Picture 16">
+            <a:extLst>
+              <a:ext uri="{FF2B5EF4-FFF2-40B4-BE49-F238E27FC236}">
+                <a16:creationId xmlns:a16="http://schemas.microsoft.com/office/drawing/2014/main" id="{841E70CF-BCFC-4CB5-8CE4-763CE5F6F0C0}"/>
               </a:ext>
             </a:extLst>
           </p:cNvPr>
@@ -6340,8 +7779,8 @@
         </p:blipFill>
         <p:spPr>
           <a:xfrm>
-            <a:off x="447674" y="1003586"/>
-            <a:ext cx="11209739" cy="5178139"/>
+            <a:off x="0" y="757993"/>
+            <a:ext cx="12192000" cy="5051065"/>
           </a:xfrm>
           <a:prstGeom prst="rect">
             <a:avLst/>
@@ -6350,10 +7789,58 @@
       </p:pic>
       <p:sp>
         <p:nvSpPr>
-          <p:cNvPr id="6" name="Arrow: Right 5">
-            <a:extLst>
-              <a:ext uri="{FF2B5EF4-FFF2-40B4-BE49-F238E27FC236}">
-                <a16:creationId xmlns:a16="http://schemas.microsoft.com/office/drawing/2014/main" id="{35F32B76-93B2-46A2-8B2D-5A970ACAA047}"/>
+          <p:cNvPr id="6" name="TextBox 5">
+            <a:extLst>
+              <a:ext uri="{FF2B5EF4-FFF2-40B4-BE49-F238E27FC236}">
+                <a16:creationId xmlns:a16="http://schemas.microsoft.com/office/drawing/2014/main" id="{EBB52298-5DC8-495B-A05C-C8E6A6AE32DD}"/>
+              </a:ext>
+            </a:extLst>
+          </p:cNvPr>
+          <p:cNvSpPr txBox="1"/>
+          <p:nvPr/>
+        </p:nvSpPr>
+        <p:spPr>
+          <a:xfrm>
+            <a:off x="0" y="0"/>
+            <a:ext cx="12192000" cy="307777"/>
+          </a:xfrm>
+          <a:prstGeom prst="rect">
+            <a:avLst/>
+          </a:prstGeom>
+          <a:solidFill>
+            <a:schemeClr val="tx1"/>
+          </a:solidFill>
+        </p:spPr>
+        <p:txBody>
+          <a:bodyPr wrap="square">
+            <a:spAutoFit/>
+          </a:bodyPr>
+          <a:lstStyle/>
+          <a:p>
+            <a:r>
+              <a:rPr lang="en-US" sz="1400" b="1" i="0" dirty="0">
+                <a:solidFill>
+                  <a:schemeClr val="bg1"/>
+                </a:solidFill>
+                <a:effectLst/>
+                <a:latin typeface="-apple-system"/>
+              </a:rPr>
+              <a:t>Export dataset to WKC Catalog1</a:t>
+            </a:r>
+            <a:endParaRPr lang="en-US" sz="1400" dirty="0">
+              <a:solidFill>
+                <a:schemeClr val="bg1"/>
+              </a:solidFill>
+            </a:endParaRPr>
+          </a:p>
+        </p:txBody>
+      </p:sp>
+      <p:sp>
+        <p:nvSpPr>
+          <p:cNvPr id="10" name="Arrow: Right 9">
+            <a:extLst>
+              <a:ext uri="{FF2B5EF4-FFF2-40B4-BE49-F238E27FC236}">
+                <a16:creationId xmlns:a16="http://schemas.microsoft.com/office/drawing/2014/main" id="{700822E2-EB8A-4711-B315-46D0B79185E9}"/>
               </a:ext>
             </a:extLst>
           </p:cNvPr>
@@ -6361,8 +7848,8 @@
           <p:nvPr/>
         </p:nvSpPr>
         <p:spPr>
-          <a:xfrm>
-            <a:off x="160514" y="3429000"/>
+          <a:xfrm rot="10800000">
+            <a:off x="6955183" y="3390900"/>
             <a:ext cx="374073" cy="290946"/>
           </a:xfrm>
           <a:prstGeom prst="rightArrow">
@@ -6402,58 +7889,10 @@
       </p:sp>
       <p:sp>
         <p:nvSpPr>
-          <p:cNvPr id="7" name="TextBox 6">
-            <a:extLst>
-              <a:ext uri="{FF2B5EF4-FFF2-40B4-BE49-F238E27FC236}">
-                <a16:creationId xmlns:a16="http://schemas.microsoft.com/office/drawing/2014/main" id="{4B15080C-208A-4EA5-959D-4B354F9F4058}"/>
-              </a:ext>
-            </a:extLst>
-          </p:cNvPr>
-          <p:cNvSpPr txBox="1"/>
-          <p:nvPr/>
-        </p:nvSpPr>
-        <p:spPr>
-          <a:xfrm>
-            <a:off x="0" y="0"/>
-            <a:ext cx="12192000" cy="307777"/>
-          </a:xfrm>
-          <a:prstGeom prst="rect">
-            <a:avLst/>
-          </a:prstGeom>
-          <a:solidFill>
-            <a:schemeClr val="tx1"/>
-          </a:solidFill>
-        </p:spPr>
-        <p:txBody>
-          <a:bodyPr wrap="square">
-            <a:spAutoFit/>
-          </a:bodyPr>
-          <a:lstStyle/>
-          <a:p>
-            <a:r>
-              <a:rPr lang="en-US" sz="1400" b="1" i="0" dirty="0">
-                <a:solidFill>
-                  <a:schemeClr val="bg1"/>
-                </a:solidFill>
-                <a:effectLst/>
-                <a:latin typeface="-apple-system"/>
-              </a:rPr>
-              <a:t>Export dataset to WKC Catalog1: Result from WKC-2</a:t>
-            </a:r>
-            <a:endParaRPr lang="en-US" sz="1400" dirty="0">
-              <a:solidFill>
-                <a:schemeClr val="bg1"/>
-              </a:solidFill>
-            </a:endParaRPr>
-          </a:p>
-        </p:txBody>
-      </p:sp>
-      <p:sp>
-        <p:nvSpPr>
-          <p:cNvPr id="8" name="Arrow: Right 7">
-            <a:extLst>
-              <a:ext uri="{FF2B5EF4-FFF2-40B4-BE49-F238E27FC236}">
-                <a16:creationId xmlns:a16="http://schemas.microsoft.com/office/drawing/2014/main" id="{64902547-64C7-48B8-A2C9-44DC49350F50}"/>
+          <p:cNvPr id="12" name="Arrow: Right 11">
+            <a:extLst>
+              <a:ext uri="{FF2B5EF4-FFF2-40B4-BE49-F238E27FC236}">
+                <a16:creationId xmlns:a16="http://schemas.microsoft.com/office/drawing/2014/main" id="{2E355B65-D980-4B9F-8E27-B5DEB9BE2403}"/>
               </a:ext>
             </a:extLst>
           </p:cNvPr>
@@ -6461,8 +7900,8 @@
           <p:nvPr/>
         </p:nvSpPr>
         <p:spPr>
-          <a:xfrm>
-            <a:off x="7197436" y="3345005"/>
+          <a:xfrm rot="5400000">
+            <a:off x="9294768" y="2093078"/>
             <a:ext cx="374073" cy="290946"/>
           </a:xfrm>
           <a:prstGeom prst="rightArrow">
@@ -6500,10 +7939,62 @@
           </a:p>
         </p:txBody>
       </p:sp>
+      <p:sp>
+        <p:nvSpPr>
+          <p:cNvPr id="18" name="Arrow: Right 17">
+            <a:extLst>
+              <a:ext uri="{FF2B5EF4-FFF2-40B4-BE49-F238E27FC236}">
+                <a16:creationId xmlns:a16="http://schemas.microsoft.com/office/drawing/2014/main" id="{D1120F15-58B9-4161-9D3D-053D7729771F}"/>
+              </a:ext>
+            </a:extLst>
+          </p:cNvPr>
+          <p:cNvSpPr/>
+          <p:nvPr/>
+        </p:nvSpPr>
+        <p:spPr>
+          <a:xfrm rot="10800000">
+            <a:off x="4059583" y="2964004"/>
+            <a:ext cx="374073" cy="290946"/>
+          </a:xfrm>
+          <a:prstGeom prst="rightArrow">
+            <a:avLst/>
+          </a:prstGeom>
+          <a:solidFill>
+            <a:srgbClr val="FF0000"/>
+          </a:solidFill>
+          <a:ln>
+            <a:noFill/>
+          </a:ln>
+        </p:spPr>
+        <p:style>
+          <a:lnRef idx="2">
+            <a:schemeClr val="accent1">
+              <a:shade val="50000"/>
+            </a:schemeClr>
+          </a:lnRef>
+          <a:fillRef idx="1">
+            <a:schemeClr val="accent1"/>
+          </a:fillRef>
+          <a:effectRef idx="0">
+            <a:schemeClr val="accent1"/>
+          </a:effectRef>
+          <a:fontRef idx="minor">
+            <a:schemeClr val="lt1"/>
+          </a:fontRef>
+        </p:style>
+        <p:txBody>
+          <a:bodyPr rtlCol="0" anchor="ctr"/>
+          <a:lstStyle/>
+          <a:p>
+            <a:pPr algn="ctr"/>
+            <a:endParaRPr lang="en-US"/>
+          </a:p>
+        </p:txBody>
+      </p:sp>
     </p:spTree>
     <p:extLst>
       <p:ext uri="{BB962C8B-B14F-4D97-AF65-F5344CB8AC3E}">
-        <p14:creationId xmlns:p14="http://schemas.microsoft.com/office/powerpoint/2010/main" val="2543289481"/>
+        <p14:creationId xmlns:p14="http://schemas.microsoft.com/office/powerpoint/2010/main" val="2842950398"/>
       </p:ext>
     </p:extLst>
   </p:cSld>
@@ -6530,60 +8021,12 @@
           <a:chExt cx="0" cy="0"/>
         </a:xfrm>
       </p:grpSpPr>
-      <p:sp>
-        <p:nvSpPr>
-          <p:cNvPr id="6" name="TextBox 5">
-            <a:extLst>
-              <a:ext uri="{FF2B5EF4-FFF2-40B4-BE49-F238E27FC236}">
-                <a16:creationId xmlns:a16="http://schemas.microsoft.com/office/drawing/2014/main" id="{4CC18104-3F73-44BE-A24F-3C3FBCED050A}"/>
-              </a:ext>
-            </a:extLst>
-          </p:cNvPr>
-          <p:cNvSpPr txBox="1"/>
-          <p:nvPr/>
-        </p:nvSpPr>
-        <p:spPr>
-          <a:xfrm>
-            <a:off x="0" y="0"/>
-            <a:ext cx="12192000" cy="307777"/>
-          </a:xfrm>
-          <a:prstGeom prst="rect">
-            <a:avLst/>
-          </a:prstGeom>
-          <a:solidFill>
-            <a:schemeClr val="tx1"/>
-          </a:solidFill>
-        </p:spPr>
-        <p:txBody>
-          <a:bodyPr wrap="square">
-            <a:spAutoFit/>
-          </a:bodyPr>
-          <a:lstStyle/>
-          <a:p>
-            <a:r>
-              <a:rPr lang="en-US" sz="1400" b="1" i="0" dirty="0">
-                <a:solidFill>
-                  <a:schemeClr val="bg1"/>
-                </a:solidFill>
-                <a:effectLst/>
-                <a:latin typeface="-apple-system"/>
-              </a:rPr>
-              <a:t>Export dataset to WKC Catalog1: Result from WKC-2</a:t>
-            </a:r>
-            <a:endParaRPr lang="en-US" sz="1400" dirty="0">
-              <a:solidFill>
-                <a:schemeClr val="bg1"/>
-              </a:solidFill>
-            </a:endParaRPr>
-          </a:p>
-        </p:txBody>
-      </p:sp>
       <p:pic>
         <p:nvPicPr>
-          <p:cNvPr id="8" name="Picture 7">
-            <a:extLst>
-              <a:ext uri="{FF2B5EF4-FFF2-40B4-BE49-F238E27FC236}">
-                <a16:creationId xmlns:a16="http://schemas.microsoft.com/office/drawing/2014/main" id="{788DA03D-F4AD-44A1-AF2E-8CA5F5085A3A}"/>
+          <p:cNvPr id="3" name="Picture 2">
+            <a:extLst>
+              <a:ext uri="{FF2B5EF4-FFF2-40B4-BE49-F238E27FC236}">
+                <a16:creationId xmlns:a16="http://schemas.microsoft.com/office/drawing/2014/main" id="{C43DF268-C2DB-466D-898B-C46BE1C5770D}"/>
               </a:ext>
             </a:extLst>
           </p:cNvPr>
@@ -6600,18 +8043,170 @@
         </p:blipFill>
         <p:spPr>
           <a:xfrm>
-            <a:off x="552450" y="669727"/>
-            <a:ext cx="9563100" cy="5946460"/>
+            <a:off x="0" y="943108"/>
+            <a:ext cx="12192000" cy="4971784"/>
           </a:xfrm>
           <a:prstGeom prst="rect">
             <a:avLst/>
           </a:prstGeom>
         </p:spPr>
       </p:pic>
+      <p:sp>
+        <p:nvSpPr>
+          <p:cNvPr id="7" name="TextBox 6">
+            <a:extLst>
+              <a:ext uri="{FF2B5EF4-FFF2-40B4-BE49-F238E27FC236}">
+                <a16:creationId xmlns:a16="http://schemas.microsoft.com/office/drawing/2014/main" id="{4B15080C-208A-4EA5-959D-4B354F9F4058}"/>
+              </a:ext>
+            </a:extLst>
+          </p:cNvPr>
+          <p:cNvSpPr txBox="1"/>
+          <p:nvPr/>
+        </p:nvSpPr>
+        <p:spPr>
+          <a:xfrm>
+            <a:off x="0" y="0"/>
+            <a:ext cx="12192000" cy="307777"/>
+          </a:xfrm>
+          <a:prstGeom prst="rect">
+            <a:avLst/>
+          </a:prstGeom>
+          <a:solidFill>
+            <a:schemeClr val="tx1"/>
+          </a:solidFill>
+        </p:spPr>
+        <p:txBody>
+          <a:bodyPr wrap="square">
+            <a:spAutoFit/>
+          </a:bodyPr>
+          <a:lstStyle/>
+          <a:p>
+            <a:r>
+              <a:rPr lang="en-US" sz="1400" b="1" i="0" dirty="0">
+                <a:solidFill>
+                  <a:schemeClr val="bg1"/>
+                </a:solidFill>
+                <a:effectLst/>
+                <a:latin typeface="-apple-system"/>
+              </a:rPr>
+              <a:t>T101389-10002-Raw – Data Asset View</a:t>
+            </a:r>
+            <a:endParaRPr lang="en-US" sz="1400" dirty="0">
+              <a:solidFill>
+                <a:schemeClr val="bg1"/>
+              </a:solidFill>
+            </a:endParaRPr>
+          </a:p>
+        </p:txBody>
+      </p:sp>
+      <p:sp>
+        <p:nvSpPr>
+          <p:cNvPr id="9" name="Arrow: Right 8">
+            <a:extLst>
+              <a:ext uri="{FF2B5EF4-FFF2-40B4-BE49-F238E27FC236}">
+                <a16:creationId xmlns:a16="http://schemas.microsoft.com/office/drawing/2014/main" id="{AD55E3DE-B140-4E52-B6EA-D7C0007AEF88}"/>
+              </a:ext>
+            </a:extLst>
+          </p:cNvPr>
+          <p:cNvSpPr/>
+          <p:nvPr/>
+        </p:nvSpPr>
+        <p:spPr>
+          <a:xfrm rot="10800000">
+            <a:off x="2732264" y="3486150"/>
+            <a:ext cx="374073" cy="290946"/>
+          </a:xfrm>
+          <a:prstGeom prst="rightArrow">
+            <a:avLst/>
+          </a:prstGeom>
+          <a:solidFill>
+            <a:srgbClr val="FF0000"/>
+          </a:solidFill>
+          <a:ln>
+            <a:noFill/>
+          </a:ln>
+        </p:spPr>
+        <p:style>
+          <a:lnRef idx="2">
+            <a:schemeClr val="accent1">
+              <a:shade val="50000"/>
+            </a:schemeClr>
+          </a:lnRef>
+          <a:fillRef idx="1">
+            <a:schemeClr val="accent1"/>
+          </a:fillRef>
+          <a:effectRef idx="0">
+            <a:schemeClr val="accent1"/>
+          </a:effectRef>
+          <a:fontRef idx="minor">
+            <a:schemeClr val="lt1"/>
+          </a:fontRef>
+        </p:style>
+        <p:txBody>
+          <a:bodyPr rtlCol="0" anchor="ctr"/>
+          <a:lstStyle/>
+          <a:p>
+            <a:pPr algn="ctr"/>
+            <a:endParaRPr lang="en-US"/>
+          </a:p>
+        </p:txBody>
+      </p:sp>
+      <p:sp>
+        <p:nvSpPr>
+          <p:cNvPr id="10" name="Arrow: Right 9">
+            <a:extLst>
+              <a:ext uri="{FF2B5EF4-FFF2-40B4-BE49-F238E27FC236}">
+                <a16:creationId xmlns:a16="http://schemas.microsoft.com/office/drawing/2014/main" id="{B4E5378A-8F3D-47FA-A44F-8A83A9895BCC}"/>
+              </a:ext>
+            </a:extLst>
+          </p:cNvPr>
+          <p:cNvSpPr/>
+          <p:nvPr/>
+        </p:nvSpPr>
+        <p:spPr>
+          <a:xfrm>
+            <a:off x="7264111" y="3002105"/>
+            <a:ext cx="374073" cy="290946"/>
+          </a:xfrm>
+          <a:prstGeom prst="rightArrow">
+            <a:avLst/>
+          </a:prstGeom>
+          <a:solidFill>
+            <a:srgbClr val="FF0000"/>
+          </a:solidFill>
+          <a:ln>
+            <a:noFill/>
+          </a:ln>
+        </p:spPr>
+        <p:style>
+          <a:lnRef idx="2">
+            <a:schemeClr val="accent1">
+              <a:shade val="50000"/>
+            </a:schemeClr>
+          </a:lnRef>
+          <a:fillRef idx="1">
+            <a:schemeClr val="accent1"/>
+          </a:fillRef>
+          <a:effectRef idx="0">
+            <a:schemeClr val="accent1"/>
+          </a:effectRef>
+          <a:fontRef idx="minor">
+            <a:schemeClr val="lt1"/>
+          </a:fontRef>
+        </p:style>
+        <p:txBody>
+          <a:bodyPr rtlCol="0" anchor="ctr"/>
+          <a:lstStyle/>
+          <a:p>
+            <a:pPr algn="ctr"/>
+            <a:endParaRPr lang="en-US"/>
+          </a:p>
+        </p:txBody>
+      </p:sp>
     </p:spTree>
     <p:extLst>
       <p:ext uri="{BB962C8B-B14F-4D97-AF65-F5344CB8AC3E}">
-        <p14:creationId xmlns:p14="http://schemas.microsoft.com/office/powerpoint/2010/main" val="1061500291"/>
+        <p14:creationId xmlns:p14="http://schemas.microsoft.com/office/powerpoint/2010/main" val="2795415592"/>
       </p:ext>
     </p:extLst>
   </p:cSld>

--- a/scenario3/recording/T101389-Scenario3-v20210921.pptx
+++ b/scenario3/recording/T101389-Scenario3-v20210921.pptx
@@ -6,33 +6,34 @@
   </p:sldMasterIdLst>
   <p:sldIdLst>
     <p:sldId id="256" r:id="rId2"/>
-    <p:sldId id="260" r:id="rId3"/>
-    <p:sldId id="286" r:id="rId4"/>
-    <p:sldId id="287" r:id="rId5"/>
-    <p:sldId id="289" r:id="rId6"/>
-    <p:sldId id="290" r:id="rId7"/>
-    <p:sldId id="288" r:id="rId8"/>
-    <p:sldId id="262" r:id="rId9"/>
+    <p:sldId id="301" r:id="rId3"/>
+    <p:sldId id="260" r:id="rId4"/>
+    <p:sldId id="286" r:id="rId5"/>
+    <p:sldId id="287" r:id="rId6"/>
+    <p:sldId id="289" r:id="rId7"/>
+    <p:sldId id="290" r:id="rId8"/>
+    <p:sldId id="288" r:id="rId9"/>
     <p:sldId id="292" r:id="rId10"/>
     <p:sldId id="293" r:id="rId11"/>
     <p:sldId id="274" r:id="rId12"/>
     <p:sldId id="291" r:id="rId13"/>
     <p:sldId id="294" r:id="rId14"/>
-    <p:sldId id="295" r:id="rId15"/>
-    <p:sldId id="296" r:id="rId16"/>
-    <p:sldId id="297" r:id="rId17"/>
-    <p:sldId id="275" r:id="rId18"/>
-    <p:sldId id="298" r:id="rId19"/>
-    <p:sldId id="300" r:id="rId20"/>
-    <p:sldId id="299" r:id="rId21"/>
-    <p:sldId id="276" r:id="rId22"/>
-    <p:sldId id="277" r:id="rId23"/>
-    <p:sldId id="278" r:id="rId24"/>
-    <p:sldId id="279" r:id="rId25"/>
-    <p:sldId id="280" r:id="rId26"/>
-    <p:sldId id="281" r:id="rId27"/>
-    <p:sldId id="282" r:id="rId28"/>
-    <p:sldId id="283" r:id="rId29"/>
+    <p:sldId id="302" r:id="rId15"/>
+    <p:sldId id="295" r:id="rId16"/>
+    <p:sldId id="296" r:id="rId17"/>
+    <p:sldId id="297" r:id="rId18"/>
+    <p:sldId id="275" r:id="rId19"/>
+    <p:sldId id="298" r:id="rId20"/>
+    <p:sldId id="300" r:id="rId21"/>
+    <p:sldId id="299" r:id="rId22"/>
+    <p:sldId id="276" r:id="rId23"/>
+    <p:sldId id="277" r:id="rId24"/>
+    <p:sldId id="278" r:id="rId25"/>
+    <p:sldId id="279" r:id="rId26"/>
+    <p:sldId id="280" r:id="rId27"/>
+    <p:sldId id="281" r:id="rId28"/>
+    <p:sldId id="282" r:id="rId29"/>
+    <p:sldId id="283" r:id="rId30"/>
   </p:sldIdLst>
   <p:sldSz cx="12192000" cy="6858000"/>
   <p:notesSz cx="6858000" cy="9144000"/>
@@ -286,7 +287,7 @@
           <a:p>
             <a:fld id="{48FC2B21-7E56-4657-8153-3102D269B655}" type="datetimeFigureOut">
               <a:rPr lang="en-US" smtClean="0"/>
-              <a:t>9/21/2021</a:t>
+              <a:t>9/22/2021</a:t>
             </a:fld>
             <a:endParaRPr lang="en-US"/>
           </a:p>
@@ -484,7 +485,7 @@
           <a:p>
             <a:fld id="{48FC2B21-7E56-4657-8153-3102D269B655}" type="datetimeFigureOut">
               <a:rPr lang="en-US" smtClean="0"/>
-              <a:t>9/21/2021</a:t>
+              <a:t>9/22/2021</a:t>
             </a:fld>
             <a:endParaRPr lang="en-US"/>
           </a:p>
@@ -692,7 +693,7 @@
           <a:p>
             <a:fld id="{48FC2B21-7E56-4657-8153-3102D269B655}" type="datetimeFigureOut">
               <a:rPr lang="en-US" smtClean="0"/>
-              <a:t>9/21/2021</a:t>
+              <a:t>9/22/2021</a:t>
             </a:fld>
             <a:endParaRPr lang="en-US"/>
           </a:p>
@@ -890,7 +891,7 @@
           <a:p>
             <a:fld id="{48FC2B21-7E56-4657-8153-3102D269B655}" type="datetimeFigureOut">
               <a:rPr lang="en-US" smtClean="0"/>
-              <a:t>9/21/2021</a:t>
+              <a:t>9/22/2021</a:t>
             </a:fld>
             <a:endParaRPr lang="en-US"/>
           </a:p>
@@ -1165,7 +1166,7 @@
           <a:p>
             <a:fld id="{48FC2B21-7E56-4657-8153-3102D269B655}" type="datetimeFigureOut">
               <a:rPr lang="en-US" smtClean="0"/>
-              <a:t>9/21/2021</a:t>
+              <a:t>9/22/2021</a:t>
             </a:fld>
             <a:endParaRPr lang="en-US"/>
           </a:p>
@@ -1430,7 +1431,7 @@
           <a:p>
             <a:fld id="{48FC2B21-7E56-4657-8153-3102D269B655}" type="datetimeFigureOut">
               <a:rPr lang="en-US" smtClean="0"/>
-              <a:t>9/21/2021</a:t>
+              <a:t>9/22/2021</a:t>
             </a:fld>
             <a:endParaRPr lang="en-US"/>
           </a:p>
@@ -1842,7 +1843,7 @@
           <a:p>
             <a:fld id="{48FC2B21-7E56-4657-8153-3102D269B655}" type="datetimeFigureOut">
               <a:rPr lang="en-US" smtClean="0"/>
-              <a:t>9/21/2021</a:t>
+              <a:t>9/22/2021</a:t>
             </a:fld>
             <a:endParaRPr lang="en-US"/>
           </a:p>
@@ -1983,7 +1984,7 @@
           <a:p>
             <a:fld id="{48FC2B21-7E56-4657-8153-3102D269B655}" type="datetimeFigureOut">
               <a:rPr lang="en-US" smtClean="0"/>
-              <a:t>9/21/2021</a:t>
+              <a:t>9/22/2021</a:t>
             </a:fld>
             <a:endParaRPr lang="en-US"/>
           </a:p>
@@ -2096,7 +2097,7 @@
           <a:p>
             <a:fld id="{48FC2B21-7E56-4657-8153-3102D269B655}" type="datetimeFigureOut">
               <a:rPr lang="en-US" smtClean="0"/>
-              <a:t>9/21/2021</a:t>
+              <a:t>9/22/2021</a:t>
             </a:fld>
             <a:endParaRPr lang="en-US"/>
           </a:p>
@@ -2407,7 +2408,7 @@
           <a:p>
             <a:fld id="{48FC2B21-7E56-4657-8153-3102D269B655}" type="datetimeFigureOut">
               <a:rPr lang="en-US" smtClean="0"/>
-              <a:t>9/21/2021</a:t>
+              <a:t>9/22/2021</a:t>
             </a:fld>
             <a:endParaRPr lang="en-US"/>
           </a:p>
@@ -2695,7 +2696,7 @@
           <a:p>
             <a:fld id="{48FC2B21-7E56-4657-8153-3102D269B655}" type="datetimeFigureOut">
               <a:rPr lang="en-US" smtClean="0"/>
-              <a:t>9/21/2021</a:t>
+              <a:t>9/22/2021</a:t>
             </a:fld>
             <a:endParaRPr lang="en-US"/>
           </a:p>
@@ -2936,7 +2937,7 @@
           <a:p>
             <a:fld id="{48FC2B21-7E56-4657-8153-3102D269B655}" type="datetimeFigureOut">
               <a:rPr lang="en-US" smtClean="0"/>
-              <a:t>9/21/2021</a:t>
+              <a:t>9/22/2021</a:t>
             </a:fld>
             <a:endParaRPr lang="en-US"/>
           </a:p>
@@ -3389,7 +3390,7 @@
                 <a:effectLst/>
                 <a:latin typeface="-apple-system"/>
               </a:rPr>
-              <a:t>Demo: Unified Data Catalog for Military Aircraft</a:t>
+              <a:t>Demo: Unified Data Catalog for Aircraft Images</a:t>
             </a:r>
             <a:endParaRPr lang="en-US" sz="4000" dirty="0"/>
           </a:p>
@@ -4365,138 +4366,44 @@
       </p:grpSpPr>
       <p:sp>
         <p:nvSpPr>
-          <p:cNvPr id="6" name="TextBox 5">
-            <a:extLst>
-              <a:ext uri="{FF2B5EF4-FFF2-40B4-BE49-F238E27FC236}">
-                <a16:creationId xmlns:a16="http://schemas.microsoft.com/office/drawing/2014/main" id="{F1F2F157-46B3-49B3-B279-C384E0D94686}"/>
-              </a:ext>
-            </a:extLst>
-          </p:cNvPr>
-          <p:cNvSpPr txBox="1"/>
-          <p:nvPr/>
-        </p:nvSpPr>
-        <p:spPr>
-          <a:xfrm>
-            <a:off x="0" y="0"/>
-            <a:ext cx="12192000" cy="307777"/>
-          </a:xfrm>
-          <a:prstGeom prst="rect">
-            <a:avLst/>
-          </a:prstGeom>
-          <a:solidFill>
-            <a:schemeClr val="tx1"/>
-          </a:solidFill>
-        </p:spPr>
-        <p:txBody>
-          <a:bodyPr wrap="square">
-            <a:spAutoFit/>
+          <p:cNvPr id="2" name="Title 1">
+            <a:extLst>
+              <a:ext uri="{FF2B5EF4-FFF2-40B4-BE49-F238E27FC236}">
+                <a16:creationId xmlns:a16="http://schemas.microsoft.com/office/drawing/2014/main" id="{2AF48E58-0B69-481D-9D74-885872F23360}"/>
+              </a:ext>
+            </a:extLst>
+          </p:cNvPr>
+          <p:cNvSpPr>
+            <a:spLocks noGrp="1"/>
+          </p:cNvSpPr>
+          <p:nvPr>
+            <p:ph type="title"/>
+          </p:nvPr>
+        </p:nvSpPr>
+        <p:spPr>
+          <a:xfrm>
+            <a:off x="704850" y="3097609"/>
+            <a:ext cx="10515600" cy="662781"/>
+          </a:xfrm>
+        </p:spPr>
+        <p:txBody>
+          <a:bodyPr>
+            <a:normAutofit/>
           </a:bodyPr>
           <a:lstStyle/>
           <a:p>
-            <a:r>
-              <a:rPr lang="en-US" sz="1400" b="1" i="0" dirty="0">
-                <a:solidFill>
-                  <a:schemeClr val="bg1"/>
-                </a:solidFill>
-                <a:effectLst/>
-                <a:latin typeface="-apple-system"/>
-              </a:rPr>
-              <a:t>Find the T101389-s2 Master Manifest: Result</a:t>
-            </a:r>
-            <a:endParaRPr lang="en-US" sz="1400" dirty="0">
-              <a:solidFill>
-                <a:schemeClr val="bg1"/>
-              </a:solidFill>
-            </a:endParaRPr>
-          </a:p>
-        </p:txBody>
-      </p:sp>
-      <p:pic>
-        <p:nvPicPr>
-          <p:cNvPr id="3" name="Picture 2">
-            <a:extLst>
-              <a:ext uri="{FF2B5EF4-FFF2-40B4-BE49-F238E27FC236}">
-                <a16:creationId xmlns:a16="http://schemas.microsoft.com/office/drawing/2014/main" id="{9485D4C5-AA44-4C0E-8985-2D6D6530AE7F}"/>
-              </a:ext>
-            </a:extLst>
-          </p:cNvPr>
-          <p:cNvPicPr>
-            <a:picLocks noChangeAspect="1"/>
-          </p:cNvPicPr>
-          <p:nvPr/>
-        </p:nvPicPr>
-        <p:blipFill>
-          <a:blip r:embed="rId2"/>
-          <a:stretch>
-            <a:fillRect/>
-          </a:stretch>
-        </p:blipFill>
-        <p:spPr>
-          <a:xfrm>
-            <a:off x="0" y="1433601"/>
-            <a:ext cx="12192000" cy="3990798"/>
-          </a:xfrm>
-          <a:prstGeom prst="rect">
-            <a:avLst/>
-          </a:prstGeom>
-        </p:spPr>
-      </p:pic>
-      <p:sp>
-        <p:nvSpPr>
-          <p:cNvPr id="7" name="Arrow: Right 6">
-            <a:extLst>
-              <a:ext uri="{FF2B5EF4-FFF2-40B4-BE49-F238E27FC236}">
-                <a16:creationId xmlns:a16="http://schemas.microsoft.com/office/drawing/2014/main" id="{2635EE29-FBAE-4FF8-8E1C-14D5AD91725E}"/>
-              </a:ext>
-            </a:extLst>
-          </p:cNvPr>
-          <p:cNvSpPr/>
-          <p:nvPr/>
-        </p:nvSpPr>
-        <p:spPr>
-          <a:xfrm>
-            <a:off x="2892136" y="3283527"/>
-            <a:ext cx="374073" cy="290946"/>
-          </a:xfrm>
-          <a:prstGeom prst="rightArrow">
-            <a:avLst/>
-          </a:prstGeom>
-          <a:solidFill>
-            <a:srgbClr val="FF0000"/>
-          </a:solidFill>
-          <a:ln>
-            <a:noFill/>
-          </a:ln>
-        </p:spPr>
-        <p:style>
-          <a:lnRef idx="2">
-            <a:schemeClr val="accent1">
-              <a:shade val="50000"/>
-            </a:schemeClr>
-          </a:lnRef>
-          <a:fillRef idx="1">
-            <a:schemeClr val="accent1"/>
-          </a:fillRef>
-          <a:effectRef idx="0">
-            <a:schemeClr val="accent1"/>
-          </a:effectRef>
-          <a:fontRef idx="minor">
-            <a:schemeClr val="lt1"/>
-          </a:fontRef>
-        </p:style>
-        <p:txBody>
-          <a:bodyPr rtlCol="0" anchor="ctr"/>
-          <a:lstStyle/>
-          <a:p>
             <a:pPr algn="ctr"/>
-            <a:endParaRPr lang="en-US"/>
+            <a:r>
+              <a:rPr lang="en-US" sz="2400" b="1" dirty="0"/>
+              <a:t>Working with Manifest</a:t>
+            </a:r>
           </a:p>
         </p:txBody>
       </p:sp>
     </p:spTree>
     <p:extLst>
       <p:ext uri="{BB962C8B-B14F-4D97-AF65-F5344CB8AC3E}">
-        <p14:creationId xmlns:p14="http://schemas.microsoft.com/office/powerpoint/2010/main" val="4238935064"/>
+        <p14:creationId xmlns:p14="http://schemas.microsoft.com/office/powerpoint/2010/main" val="1259736476"/>
       </p:ext>
     </p:extLst>
   </p:cSld>
@@ -4561,7 +4468,7 @@
                 <a:effectLst/>
                 <a:latin typeface="-apple-system"/>
               </a:rPr>
-              <a:t>Export Manifest to WKC/CP4D</a:t>
+              <a:t>Find the T101389-s2 Master Manifest: Result</a:t>
             </a:r>
             <a:endParaRPr lang="en-US" sz="1400" dirty="0">
               <a:solidFill>
@@ -4573,10 +4480,10 @@
       </p:sp>
       <p:pic>
         <p:nvPicPr>
-          <p:cNvPr id="4" name="Picture 3">
-            <a:extLst>
-              <a:ext uri="{FF2B5EF4-FFF2-40B4-BE49-F238E27FC236}">
-                <a16:creationId xmlns:a16="http://schemas.microsoft.com/office/drawing/2014/main" id="{6793AAB6-F5F0-4CAE-A976-01AE263F285A}"/>
+          <p:cNvPr id="3" name="Picture 2">
+            <a:extLst>
+              <a:ext uri="{FF2B5EF4-FFF2-40B4-BE49-F238E27FC236}">
+                <a16:creationId xmlns:a16="http://schemas.microsoft.com/office/drawing/2014/main" id="{9485D4C5-AA44-4C0E-8985-2D6D6530AE7F}"/>
               </a:ext>
             </a:extLst>
           </p:cNvPr>
@@ -4593,8 +4500,8 @@
         </p:blipFill>
         <p:spPr>
           <a:xfrm>
-            <a:off x="0" y="598052"/>
-            <a:ext cx="12192000" cy="5661896"/>
+            <a:off x="0" y="1433601"/>
+            <a:ext cx="12192000" cy="3990798"/>
           </a:xfrm>
           <a:prstGeom prst="rect">
             <a:avLst/>
@@ -4603,10 +4510,10 @@
       </p:pic>
       <p:sp>
         <p:nvSpPr>
-          <p:cNvPr id="8" name="Arrow: Right 7">
-            <a:extLst>
-              <a:ext uri="{FF2B5EF4-FFF2-40B4-BE49-F238E27FC236}">
-                <a16:creationId xmlns:a16="http://schemas.microsoft.com/office/drawing/2014/main" id="{9A7C9FC6-A579-4752-87A5-C8E0FCD0345C}"/>
+          <p:cNvPr id="7" name="Arrow: Right 6">
+            <a:extLst>
+              <a:ext uri="{FF2B5EF4-FFF2-40B4-BE49-F238E27FC236}">
+                <a16:creationId xmlns:a16="http://schemas.microsoft.com/office/drawing/2014/main" id="{2635EE29-FBAE-4FF8-8E1C-14D5AD91725E}"/>
               </a:ext>
             </a:extLst>
           </p:cNvPr>
@@ -4615,7 +4522,7 @@
         </p:nvSpPr>
         <p:spPr>
           <a:xfrm>
-            <a:off x="2949286" y="1654752"/>
+            <a:off x="2892136" y="3283527"/>
             <a:ext cx="374073" cy="290946"/>
           </a:xfrm>
           <a:prstGeom prst="rightArrow">
@@ -4656,7 +4563,7 @@
     </p:spTree>
     <p:extLst>
       <p:ext uri="{BB962C8B-B14F-4D97-AF65-F5344CB8AC3E}">
-        <p14:creationId xmlns:p14="http://schemas.microsoft.com/office/powerpoint/2010/main" val="1850313689"/>
+        <p14:creationId xmlns:p14="http://schemas.microsoft.com/office/powerpoint/2010/main" val="4238935064"/>
       </p:ext>
     </p:extLst>
   </p:cSld>
@@ -4683,12 +4590,60 @@
           <a:chExt cx="0" cy="0"/>
         </a:xfrm>
       </p:grpSpPr>
+      <p:sp>
+        <p:nvSpPr>
+          <p:cNvPr id="6" name="TextBox 5">
+            <a:extLst>
+              <a:ext uri="{FF2B5EF4-FFF2-40B4-BE49-F238E27FC236}">
+                <a16:creationId xmlns:a16="http://schemas.microsoft.com/office/drawing/2014/main" id="{F1F2F157-46B3-49B3-B279-C384E0D94686}"/>
+              </a:ext>
+            </a:extLst>
+          </p:cNvPr>
+          <p:cNvSpPr txBox="1"/>
+          <p:nvPr/>
+        </p:nvSpPr>
+        <p:spPr>
+          <a:xfrm>
+            <a:off x="0" y="0"/>
+            <a:ext cx="12192000" cy="307777"/>
+          </a:xfrm>
+          <a:prstGeom prst="rect">
+            <a:avLst/>
+          </a:prstGeom>
+          <a:solidFill>
+            <a:schemeClr val="tx1"/>
+          </a:solidFill>
+        </p:spPr>
+        <p:txBody>
+          <a:bodyPr wrap="square">
+            <a:spAutoFit/>
+          </a:bodyPr>
+          <a:lstStyle/>
+          <a:p>
+            <a:r>
+              <a:rPr lang="en-US" sz="1400" b="1" i="0" dirty="0">
+                <a:solidFill>
+                  <a:schemeClr val="bg1"/>
+                </a:solidFill>
+                <a:effectLst/>
+                <a:latin typeface="-apple-system"/>
+              </a:rPr>
+              <a:t>Export Manifest to WKC/CP4D</a:t>
+            </a:r>
+            <a:endParaRPr lang="en-US" sz="1400" dirty="0">
+              <a:solidFill>
+                <a:schemeClr val="bg1"/>
+              </a:solidFill>
+            </a:endParaRPr>
+          </a:p>
+        </p:txBody>
+      </p:sp>
       <p:pic>
         <p:nvPicPr>
-          <p:cNvPr id="5" name="Picture 4">
-            <a:extLst>
-              <a:ext uri="{FF2B5EF4-FFF2-40B4-BE49-F238E27FC236}">
-                <a16:creationId xmlns:a16="http://schemas.microsoft.com/office/drawing/2014/main" id="{AA43F039-1D76-4323-98BF-D57B5807A309}"/>
+          <p:cNvPr id="4" name="Picture 3">
+            <a:extLst>
+              <a:ext uri="{FF2B5EF4-FFF2-40B4-BE49-F238E27FC236}">
+                <a16:creationId xmlns:a16="http://schemas.microsoft.com/office/drawing/2014/main" id="{6793AAB6-F5F0-4CAE-A976-01AE263F285A}"/>
               </a:ext>
             </a:extLst>
           </p:cNvPr>
@@ -4705,8 +4660,8 @@
         </p:blipFill>
         <p:spPr>
           <a:xfrm>
-            <a:off x="0" y="420486"/>
-            <a:ext cx="12192000" cy="6017027"/>
+            <a:off x="0" y="598052"/>
+            <a:ext cx="12192000" cy="5661896"/>
           </a:xfrm>
           <a:prstGeom prst="rect">
             <a:avLst/>
@@ -4715,58 +4670,10 @@
       </p:pic>
       <p:sp>
         <p:nvSpPr>
-          <p:cNvPr id="6" name="TextBox 5">
-            <a:extLst>
-              <a:ext uri="{FF2B5EF4-FFF2-40B4-BE49-F238E27FC236}">
-                <a16:creationId xmlns:a16="http://schemas.microsoft.com/office/drawing/2014/main" id="{9B3FA339-92B5-487C-B2F0-99B6B00A5E63}"/>
-              </a:ext>
-            </a:extLst>
-          </p:cNvPr>
-          <p:cNvSpPr txBox="1"/>
-          <p:nvPr/>
-        </p:nvSpPr>
-        <p:spPr>
-          <a:xfrm>
-            <a:off x="0" y="0"/>
-            <a:ext cx="12192000" cy="307777"/>
-          </a:xfrm>
-          <a:prstGeom prst="rect">
-            <a:avLst/>
-          </a:prstGeom>
-          <a:solidFill>
-            <a:schemeClr val="tx1"/>
-          </a:solidFill>
-        </p:spPr>
-        <p:txBody>
-          <a:bodyPr wrap="square">
-            <a:spAutoFit/>
-          </a:bodyPr>
-          <a:lstStyle/>
-          <a:p>
-            <a:r>
-              <a:rPr lang="en-US" sz="1400" b="1" i="0" dirty="0">
-                <a:solidFill>
-                  <a:schemeClr val="bg1"/>
-                </a:solidFill>
-                <a:effectLst/>
-                <a:latin typeface="-apple-system"/>
-              </a:rPr>
-              <a:t>Manifest (T101389_s2_manifest.csv) Exported to WKC</a:t>
-            </a:r>
-            <a:endParaRPr lang="en-US" sz="1400" dirty="0">
-              <a:solidFill>
-                <a:schemeClr val="bg1"/>
-              </a:solidFill>
-            </a:endParaRPr>
-          </a:p>
-        </p:txBody>
-      </p:sp>
-      <p:sp>
-        <p:nvSpPr>
-          <p:cNvPr id="7" name="Arrow: Right 6">
-            <a:extLst>
-              <a:ext uri="{FF2B5EF4-FFF2-40B4-BE49-F238E27FC236}">
-                <a16:creationId xmlns:a16="http://schemas.microsoft.com/office/drawing/2014/main" id="{83AA6082-4B6D-474B-889C-369D8427289C}"/>
+          <p:cNvPr id="8" name="Arrow: Right 7">
+            <a:extLst>
+              <a:ext uri="{FF2B5EF4-FFF2-40B4-BE49-F238E27FC236}">
+                <a16:creationId xmlns:a16="http://schemas.microsoft.com/office/drawing/2014/main" id="{9A7C9FC6-A579-4752-87A5-C8E0FCD0345C}"/>
               </a:ext>
             </a:extLst>
           </p:cNvPr>
@@ -4775,7 +4682,7 @@
         </p:nvSpPr>
         <p:spPr>
           <a:xfrm>
-            <a:off x="158461" y="3207327"/>
+            <a:off x="2949286" y="1654752"/>
             <a:ext cx="374073" cy="290946"/>
           </a:xfrm>
           <a:prstGeom prst="rightArrow">
@@ -4813,62 +4720,10 @@
           </a:p>
         </p:txBody>
       </p:sp>
-      <p:sp>
-        <p:nvSpPr>
-          <p:cNvPr id="8" name="Arrow: Right 7">
-            <a:extLst>
-              <a:ext uri="{FF2B5EF4-FFF2-40B4-BE49-F238E27FC236}">
-                <a16:creationId xmlns:a16="http://schemas.microsoft.com/office/drawing/2014/main" id="{6ECA5BE5-8ABD-40A8-AEF9-CC3CCB6EDE0C}"/>
-              </a:ext>
-            </a:extLst>
-          </p:cNvPr>
-          <p:cNvSpPr/>
-          <p:nvPr/>
-        </p:nvSpPr>
-        <p:spPr>
-          <a:xfrm>
-            <a:off x="0" y="5388552"/>
-            <a:ext cx="374073" cy="290946"/>
-          </a:xfrm>
-          <a:prstGeom prst="rightArrow">
-            <a:avLst/>
-          </a:prstGeom>
-          <a:solidFill>
-            <a:srgbClr val="FF0000"/>
-          </a:solidFill>
-          <a:ln>
-            <a:noFill/>
-          </a:ln>
-        </p:spPr>
-        <p:style>
-          <a:lnRef idx="2">
-            <a:schemeClr val="accent1">
-              <a:shade val="50000"/>
-            </a:schemeClr>
-          </a:lnRef>
-          <a:fillRef idx="1">
-            <a:schemeClr val="accent1"/>
-          </a:fillRef>
-          <a:effectRef idx="0">
-            <a:schemeClr val="accent1"/>
-          </a:effectRef>
-          <a:fontRef idx="minor">
-            <a:schemeClr val="lt1"/>
-          </a:fontRef>
-        </p:style>
-        <p:txBody>
-          <a:bodyPr rtlCol="0" anchor="ctr"/>
-          <a:lstStyle/>
-          <a:p>
-            <a:pPr algn="ctr"/>
-            <a:endParaRPr lang="en-US"/>
-          </a:p>
-        </p:txBody>
-      </p:sp>
     </p:spTree>
     <p:extLst>
       <p:ext uri="{BB962C8B-B14F-4D97-AF65-F5344CB8AC3E}">
-        <p14:creationId xmlns:p14="http://schemas.microsoft.com/office/powerpoint/2010/main" val="1589223916"/>
+        <p14:creationId xmlns:p14="http://schemas.microsoft.com/office/powerpoint/2010/main" val="1850313689"/>
       </p:ext>
     </p:extLst>
   </p:cSld>
@@ -4895,60 +4750,12 @@
           <a:chExt cx="0" cy="0"/>
         </a:xfrm>
       </p:grpSpPr>
-      <p:sp>
-        <p:nvSpPr>
-          <p:cNvPr id="6" name="TextBox 5">
-            <a:extLst>
-              <a:ext uri="{FF2B5EF4-FFF2-40B4-BE49-F238E27FC236}">
-                <a16:creationId xmlns:a16="http://schemas.microsoft.com/office/drawing/2014/main" id="{47A5A813-9D57-430D-8495-F1C1E53801D9}"/>
-              </a:ext>
-            </a:extLst>
-          </p:cNvPr>
-          <p:cNvSpPr txBox="1"/>
-          <p:nvPr/>
-        </p:nvSpPr>
-        <p:spPr>
-          <a:xfrm>
-            <a:off x="0" y="0"/>
-            <a:ext cx="12192000" cy="307777"/>
-          </a:xfrm>
-          <a:prstGeom prst="rect">
-            <a:avLst/>
-          </a:prstGeom>
-          <a:solidFill>
-            <a:schemeClr val="tx1"/>
-          </a:solidFill>
-        </p:spPr>
-        <p:txBody>
-          <a:bodyPr wrap="square">
-            <a:spAutoFit/>
-          </a:bodyPr>
-          <a:lstStyle/>
-          <a:p>
-            <a:r>
-              <a:rPr lang="en-US" sz="1400" b="1" i="0" dirty="0">
-                <a:solidFill>
-                  <a:schemeClr val="bg1"/>
-                </a:solidFill>
-                <a:effectLst/>
-                <a:latin typeface="-apple-system"/>
-              </a:rPr>
-              <a:t>Working with the Manifest in WKC</a:t>
-            </a:r>
-            <a:endParaRPr lang="en-US" sz="1400" dirty="0">
-              <a:solidFill>
-                <a:schemeClr val="bg1"/>
-              </a:solidFill>
-            </a:endParaRPr>
-          </a:p>
-        </p:txBody>
-      </p:sp>
       <p:pic>
         <p:nvPicPr>
-          <p:cNvPr id="3" name="Picture 2">
-            <a:extLst>
-              <a:ext uri="{FF2B5EF4-FFF2-40B4-BE49-F238E27FC236}">
-                <a16:creationId xmlns:a16="http://schemas.microsoft.com/office/drawing/2014/main" id="{3B61B9FD-6D8D-49D3-BD83-7AF5A82E95CB}"/>
+          <p:cNvPr id="5" name="Picture 4">
+            <a:extLst>
+              <a:ext uri="{FF2B5EF4-FFF2-40B4-BE49-F238E27FC236}">
+                <a16:creationId xmlns:a16="http://schemas.microsoft.com/office/drawing/2014/main" id="{AA43F039-1D76-4323-98BF-D57B5807A309}"/>
               </a:ext>
             </a:extLst>
           </p:cNvPr>
@@ -4965,18 +4772,170 @@
         </p:blipFill>
         <p:spPr>
           <a:xfrm>
-            <a:off x="0" y="553109"/>
-            <a:ext cx="12192000" cy="5751781"/>
+            <a:off x="0" y="420486"/>
+            <a:ext cx="12192000" cy="6017027"/>
           </a:xfrm>
           <a:prstGeom prst="rect">
             <a:avLst/>
           </a:prstGeom>
         </p:spPr>
       </p:pic>
+      <p:sp>
+        <p:nvSpPr>
+          <p:cNvPr id="6" name="TextBox 5">
+            <a:extLst>
+              <a:ext uri="{FF2B5EF4-FFF2-40B4-BE49-F238E27FC236}">
+                <a16:creationId xmlns:a16="http://schemas.microsoft.com/office/drawing/2014/main" id="{9B3FA339-92B5-487C-B2F0-99B6B00A5E63}"/>
+              </a:ext>
+            </a:extLst>
+          </p:cNvPr>
+          <p:cNvSpPr txBox="1"/>
+          <p:nvPr/>
+        </p:nvSpPr>
+        <p:spPr>
+          <a:xfrm>
+            <a:off x="0" y="0"/>
+            <a:ext cx="12192000" cy="307777"/>
+          </a:xfrm>
+          <a:prstGeom prst="rect">
+            <a:avLst/>
+          </a:prstGeom>
+          <a:solidFill>
+            <a:schemeClr val="tx1"/>
+          </a:solidFill>
+        </p:spPr>
+        <p:txBody>
+          <a:bodyPr wrap="square">
+            <a:spAutoFit/>
+          </a:bodyPr>
+          <a:lstStyle/>
+          <a:p>
+            <a:r>
+              <a:rPr lang="en-US" sz="1400" b="1" i="0" dirty="0">
+                <a:solidFill>
+                  <a:schemeClr val="bg1"/>
+                </a:solidFill>
+                <a:effectLst/>
+                <a:latin typeface="-apple-system"/>
+              </a:rPr>
+              <a:t>Manifest (T101389_s2_manifest.csv) Exported to WKC</a:t>
+            </a:r>
+            <a:endParaRPr lang="en-US" sz="1400" dirty="0">
+              <a:solidFill>
+                <a:schemeClr val="bg1"/>
+              </a:solidFill>
+            </a:endParaRPr>
+          </a:p>
+        </p:txBody>
+      </p:sp>
+      <p:sp>
+        <p:nvSpPr>
+          <p:cNvPr id="7" name="Arrow: Right 6">
+            <a:extLst>
+              <a:ext uri="{FF2B5EF4-FFF2-40B4-BE49-F238E27FC236}">
+                <a16:creationId xmlns:a16="http://schemas.microsoft.com/office/drawing/2014/main" id="{83AA6082-4B6D-474B-889C-369D8427289C}"/>
+              </a:ext>
+            </a:extLst>
+          </p:cNvPr>
+          <p:cNvSpPr/>
+          <p:nvPr/>
+        </p:nvSpPr>
+        <p:spPr>
+          <a:xfrm>
+            <a:off x="158461" y="3207327"/>
+            <a:ext cx="374073" cy="290946"/>
+          </a:xfrm>
+          <a:prstGeom prst="rightArrow">
+            <a:avLst/>
+          </a:prstGeom>
+          <a:solidFill>
+            <a:srgbClr val="FF0000"/>
+          </a:solidFill>
+          <a:ln>
+            <a:noFill/>
+          </a:ln>
+        </p:spPr>
+        <p:style>
+          <a:lnRef idx="2">
+            <a:schemeClr val="accent1">
+              <a:shade val="50000"/>
+            </a:schemeClr>
+          </a:lnRef>
+          <a:fillRef idx="1">
+            <a:schemeClr val="accent1"/>
+          </a:fillRef>
+          <a:effectRef idx="0">
+            <a:schemeClr val="accent1"/>
+          </a:effectRef>
+          <a:fontRef idx="minor">
+            <a:schemeClr val="lt1"/>
+          </a:fontRef>
+        </p:style>
+        <p:txBody>
+          <a:bodyPr rtlCol="0" anchor="ctr"/>
+          <a:lstStyle/>
+          <a:p>
+            <a:pPr algn="ctr"/>
+            <a:endParaRPr lang="en-US"/>
+          </a:p>
+        </p:txBody>
+      </p:sp>
+      <p:sp>
+        <p:nvSpPr>
+          <p:cNvPr id="8" name="Arrow: Right 7">
+            <a:extLst>
+              <a:ext uri="{FF2B5EF4-FFF2-40B4-BE49-F238E27FC236}">
+                <a16:creationId xmlns:a16="http://schemas.microsoft.com/office/drawing/2014/main" id="{6ECA5BE5-8ABD-40A8-AEF9-CC3CCB6EDE0C}"/>
+              </a:ext>
+            </a:extLst>
+          </p:cNvPr>
+          <p:cNvSpPr/>
+          <p:nvPr/>
+        </p:nvSpPr>
+        <p:spPr>
+          <a:xfrm>
+            <a:off x="0" y="5388552"/>
+            <a:ext cx="374073" cy="290946"/>
+          </a:xfrm>
+          <a:prstGeom prst="rightArrow">
+            <a:avLst/>
+          </a:prstGeom>
+          <a:solidFill>
+            <a:srgbClr val="FF0000"/>
+          </a:solidFill>
+          <a:ln>
+            <a:noFill/>
+          </a:ln>
+        </p:spPr>
+        <p:style>
+          <a:lnRef idx="2">
+            <a:schemeClr val="accent1">
+              <a:shade val="50000"/>
+            </a:schemeClr>
+          </a:lnRef>
+          <a:fillRef idx="1">
+            <a:schemeClr val="accent1"/>
+          </a:fillRef>
+          <a:effectRef idx="0">
+            <a:schemeClr val="accent1"/>
+          </a:effectRef>
+          <a:fontRef idx="minor">
+            <a:schemeClr val="lt1"/>
+          </a:fontRef>
+        </p:style>
+        <p:txBody>
+          <a:bodyPr rtlCol="0" anchor="ctr"/>
+          <a:lstStyle/>
+          <a:p>
+            <a:pPr algn="ctr"/>
+            <a:endParaRPr lang="en-US"/>
+          </a:p>
+        </p:txBody>
+      </p:sp>
     </p:spTree>
     <p:extLst>
       <p:ext uri="{BB962C8B-B14F-4D97-AF65-F5344CB8AC3E}">
-        <p14:creationId xmlns:p14="http://schemas.microsoft.com/office/powerpoint/2010/main" val="331285430"/>
+        <p14:creationId xmlns:p14="http://schemas.microsoft.com/office/powerpoint/2010/main" val="1589223916"/>
       </p:ext>
     </p:extLst>
   </p:cSld>
@@ -5053,10 +5012,10 @@
       </p:sp>
       <p:pic>
         <p:nvPicPr>
-          <p:cNvPr id="7" name="Picture 6">
-            <a:extLst>
-              <a:ext uri="{FF2B5EF4-FFF2-40B4-BE49-F238E27FC236}">
-                <a16:creationId xmlns:a16="http://schemas.microsoft.com/office/drawing/2014/main" id="{2BA118C6-5092-4490-9362-2FEF05581CFF}"/>
+          <p:cNvPr id="3" name="Picture 2">
+            <a:extLst>
+              <a:ext uri="{FF2B5EF4-FFF2-40B4-BE49-F238E27FC236}">
+                <a16:creationId xmlns:a16="http://schemas.microsoft.com/office/drawing/2014/main" id="{3B61B9FD-6D8D-49D3-BD83-7AF5A82E95CB}"/>
               </a:ext>
             </a:extLst>
           </p:cNvPr>
@@ -5073,8 +5032,8 @@
         </p:blipFill>
         <p:spPr>
           <a:xfrm>
-            <a:off x="0" y="438370"/>
-            <a:ext cx="12192000" cy="5981260"/>
+            <a:off x="0" y="553109"/>
+            <a:ext cx="12192000" cy="5751781"/>
           </a:xfrm>
           <a:prstGeom prst="rect">
             <a:avLst/>
@@ -5084,7 +5043,7 @@
     </p:spTree>
     <p:extLst>
       <p:ext uri="{BB962C8B-B14F-4D97-AF65-F5344CB8AC3E}">
-        <p14:creationId xmlns:p14="http://schemas.microsoft.com/office/powerpoint/2010/main" val="390038626"/>
+        <p14:creationId xmlns:p14="http://schemas.microsoft.com/office/powerpoint/2010/main" val="331285430"/>
       </p:ext>
     </p:extLst>
   </p:cSld>
@@ -5161,10 +5120,10 @@
       </p:sp>
       <p:pic>
         <p:nvPicPr>
-          <p:cNvPr id="3" name="Picture 2">
-            <a:extLst>
-              <a:ext uri="{FF2B5EF4-FFF2-40B4-BE49-F238E27FC236}">
-                <a16:creationId xmlns:a16="http://schemas.microsoft.com/office/drawing/2014/main" id="{1753DD0C-4D8A-4609-82DD-D4A9A749D7D6}"/>
+          <p:cNvPr id="7" name="Picture 6">
+            <a:extLst>
+              <a:ext uri="{FF2B5EF4-FFF2-40B4-BE49-F238E27FC236}">
+                <a16:creationId xmlns:a16="http://schemas.microsoft.com/office/drawing/2014/main" id="{2BA118C6-5092-4490-9362-2FEF05581CFF}"/>
               </a:ext>
             </a:extLst>
           </p:cNvPr>
@@ -5181,8 +5140,8 @@
         </p:blipFill>
         <p:spPr>
           <a:xfrm>
-            <a:off x="0" y="397860"/>
-            <a:ext cx="12192000" cy="6062279"/>
+            <a:off x="0" y="438370"/>
+            <a:ext cx="12192000" cy="5981260"/>
           </a:xfrm>
           <a:prstGeom prst="rect">
             <a:avLst/>
@@ -5192,7 +5151,7 @@
     </p:spTree>
     <p:extLst>
       <p:ext uri="{BB962C8B-B14F-4D97-AF65-F5344CB8AC3E}">
-        <p14:creationId xmlns:p14="http://schemas.microsoft.com/office/powerpoint/2010/main" val="2411537498"/>
+        <p14:creationId xmlns:p14="http://schemas.microsoft.com/office/powerpoint/2010/main" val="390038626"/>
       </p:ext>
     </p:extLst>
   </p:cSld>
@@ -5221,167 +5180,44 @@
       </p:grpSpPr>
       <p:sp>
         <p:nvSpPr>
-          <p:cNvPr id="7" name="TextBox 6">
-            <a:extLst>
-              <a:ext uri="{FF2B5EF4-FFF2-40B4-BE49-F238E27FC236}">
-                <a16:creationId xmlns:a16="http://schemas.microsoft.com/office/drawing/2014/main" id="{DC0BA69E-AEE8-408C-8616-7AE5D70F540C}"/>
-              </a:ext>
-            </a:extLst>
-          </p:cNvPr>
-          <p:cNvSpPr txBox="1"/>
-          <p:nvPr/>
-        </p:nvSpPr>
-        <p:spPr>
-          <a:xfrm>
-            <a:off x="0" y="0"/>
-            <a:ext cx="12192000" cy="307777"/>
-          </a:xfrm>
-          <a:prstGeom prst="rect">
-            <a:avLst/>
-          </a:prstGeom>
-          <a:solidFill>
-            <a:schemeClr val="tx1"/>
-          </a:solidFill>
-        </p:spPr>
-        <p:txBody>
-          <a:bodyPr wrap="square">
-            <a:spAutoFit/>
+          <p:cNvPr id="2" name="Title 1">
+            <a:extLst>
+              <a:ext uri="{FF2B5EF4-FFF2-40B4-BE49-F238E27FC236}">
+                <a16:creationId xmlns:a16="http://schemas.microsoft.com/office/drawing/2014/main" id="{2AF48E58-0B69-481D-9D74-885872F23360}"/>
+              </a:ext>
+            </a:extLst>
+          </p:cNvPr>
+          <p:cNvSpPr>
+            <a:spLocks noGrp="1"/>
+          </p:cNvSpPr>
+          <p:nvPr>
+            <p:ph type="title"/>
+          </p:nvPr>
+        </p:nvSpPr>
+        <p:spPr>
+          <a:xfrm>
+            <a:off x="704850" y="3097609"/>
+            <a:ext cx="10515600" cy="662781"/>
+          </a:xfrm>
+        </p:spPr>
+        <p:txBody>
+          <a:bodyPr>
+            <a:normAutofit/>
           </a:bodyPr>
           <a:lstStyle/>
           <a:p>
-            <a:r>
-              <a:rPr lang="en-US" sz="1400" b="1" i="0" dirty="0">
-                <a:solidFill>
-                  <a:schemeClr val="bg1"/>
-                </a:solidFill>
-                <a:effectLst/>
-                <a:latin typeface="-apple-system"/>
-              </a:rPr>
-              <a:t>Use Visual Query to Browse and Search for </a:t>
-            </a:r>
-            <a:r>
-              <a:rPr lang="en-US" sz="1400" b="1" dirty="0">
-                <a:solidFill>
-                  <a:schemeClr val="bg1"/>
-                </a:solidFill>
-                <a:latin typeface="-apple-system"/>
-              </a:rPr>
-              <a:t>Data with </a:t>
-            </a:r>
-            <a:r>
-              <a:rPr lang="en-US" sz="1400" b="1" i="0" dirty="0" err="1">
-                <a:solidFill>
-                  <a:schemeClr val="bg1"/>
-                </a:solidFill>
-                <a:effectLst/>
-                <a:latin typeface="-apple-system"/>
-              </a:rPr>
-              <a:t>ImageID</a:t>
-            </a:r>
-            <a:r>
-              <a:rPr lang="en-US" sz="1400" b="1" i="0" dirty="0">
-                <a:solidFill>
-                  <a:schemeClr val="bg1"/>
-                </a:solidFill>
-                <a:effectLst/>
-                <a:latin typeface="-apple-system"/>
-              </a:rPr>
-              <a:t>=T101389-10002</a:t>
-            </a:r>
-            <a:endParaRPr lang="en-US" sz="1400" dirty="0">
-              <a:solidFill>
-                <a:schemeClr val="bg1"/>
-              </a:solidFill>
-            </a:endParaRPr>
-          </a:p>
-        </p:txBody>
-      </p:sp>
-      <p:sp>
-        <p:nvSpPr>
-          <p:cNvPr id="6" name="Arrow: Right 5">
-            <a:extLst>
-              <a:ext uri="{FF2B5EF4-FFF2-40B4-BE49-F238E27FC236}">
-                <a16:creationId xmlns:a16="http://schemas.microsoft.com/office/drawing/2014/main" id="{63D661B0-6413-4D7A-89B2-FDE5A7B652C1}"/>
-              </a:ext>
-            </a:extLst>
-          </p:cNvPr>
-          <p:cNvSpPr/>
-          <p:nvPr/>
-        </p:nvSpPr>
-        <p:spPr>
-          <a:xfrm>
-            <a:off x="771525" y="3086349"/>
-            <a:ext cx="374073" cy="290946"/>
-          </a:xfrm>
-          <a:prstGeom prst="rightArrow">
-            <a:avLst/>
-          </a:prstGeom>
-          <a:solidFill>
-            <a:srgbClr val="FF0000"/>
-          </a:solidFill>
-          <a:ln>
-            <a:noFill/>
-          </a:ln>
-        </p:spPr>
-        <p:style>
-          <a:lnRef idx="2">
-            <a:schemeClr val="accent1">
-              <a:shade val="50000"/>
-            </a:schemeClr>
-          </a:lnRef>
-          <a:fillRef idx="1">
-            <a:schemeClr val="accent1"/>
-          </a:fillRef>
-          <a:effectRef idx="0">
-            <a:schemeClr val="accent1"/>
-          </a:effectRef>
-          <a:fontRef idx="minor">
-            <a:schemeClr val="lt1"/>
-          </a:fontRef>
-        </p:style>
-        <p:txBody>
-          <a:bodyPr rtlCol="0" anchor="ctr"/>
-          <a:lstStyle/>
-          <a:p>
             <a:pPr algn="ctr"/>
-            <a:endParaRPr lang="en-US"/>
-          </a:p>
-        </p:txBody>
-      </p:sp>
-      <p:pic>
-        <p:nvPicPr>
-          <p:cNvPr id="4" name="Picture 3">
-            <a:extLst>
-              <a:ext uri="{FF2B5EF4-FFF2-40B4-BE49-F238E27FC236}">
-                <a16:creationId xmlns:a16="http://schemas.microsoft.com/office/drawing/2014/main" id="{50E69684-393A-4F08-9A9A-FDA8CBDDB046}"/>
-              </a:ext>
-            </a:extLst>
-          </p:cNvPr>
-          <p:cNvPicPr>
-            <a:picLocks noChangeAspect="1"/>
-          </p:cNvPicPr>
-          <p:nvPr/>
-        </p:nvPicPr>
-        <p:blipFill>
-          <a:blip r:embed="rId2"/>
-          <a:stretch>
-            <a:fillRect/>
-          </a:stretch>
-        </p:blipFill>
-        <p:spPr>
-          <a:xfrm>
-            <a:off x="0" y="913867"/>
-            <a:ext cx="12192000" cy="5030266"/>
-          </a:xfrm>
-          <a:prstGeom prst="rect">
-            <a:avLst/>
-          </a:prstGeom>
-        </p:spPr>
-      </p:pic>
+            <a:r>
+              <a:rPr lang="en-US" sz="2400" b="1" dirty="0"/>
+              <a:t>Working with Images</a:t>
+            </a:r>
+          </a:p>
+        </p:txBody>
+      </p:sp>
     </p:spTree>
     <p:extLst>
       <p:ext uri="{BB962C8B-B14F-4D97-AF65-F5344CB8AC3E}">
-        <p14:creationId xmlns:p14="http://schemas.microsoft.com/office/powerpoint/2010/main" val="3599282882"/>
+        <p14:creationId xmlns:p14="http://schemas.microsoft.com/office/powerpoint/2010/main" val="1301317521"/>
       </p:ext>
     </p:extLst>
   </p:cSld>
@@ -5458,10 +5294,10 @@
       </p:sp>
       <p:pic>
         <p:nvPicPr>
-          <p:cNvPr id="4" name="Picture 3">
-            <a:extLst>
-              <a:ext uri="{FF2B5EF4-FFF2-40B4-BE49-F238E27FC236}">
-                <a16:creationId xmlns:a16="http://schemas.microsoft.com/office/drawing/2014/main" id="{AE075F62-120F-43E6-B4B4-53EF41304422}"/>
+          <p:cNvPr id="3" name="Picture 2">
+            <a:extLst>
+              <a:ext uri="{FF2B5EF4-FFF2-40B4-BE49-F238E27FC236}">
+                <a16:creationId xmlns:a16="http://schemas.microsoft.com/office/drawing/2014/main" id="{1753DD0C-4D8A-4609-82DD-D4A9A749D7D6}"/>
               </a:ext>
             </a:extLst>
           </p:cNvPr>
@@ -5478,8 +5314,8 @@
         </p:blipFill>
         <p:spPr>
           <a:xfrm>
-            <a:off x="0" y="717849"/>
-            <a:ext cx="12192000" cy="5936652"/>
+            <a:off x="0" y="397860"/>
+            <a:ext cx="12192000" cy="6062279"/>
           </a:xfrm>
           <a:prstGeom prst="rect">
             <a:avLst/>
@@ -5489,7 +5325,7 @@
     </p:spTree>
     <p:extLst>
       <p:ext uri="{BB962C8B-B14F-4D97-AF65-F5344CB8AC3E}">
-        <p14:creationId xmlns:p14="http://schemas.microsoft.com/office/powerpoint/2010/main" val="140103965"/>
+        <p14:creationId xmlns:p14="http://schemas.microsoft.com/office/powerpoint/2010/main" val="2411537498"/>
       </p:ext>
     </p:extLst>
   </p:cSld>
@@ -5516,12 +5352,60 @@
           <a:chExt cx="0" cy="0"/>
         </a:xfrm>
       </p:grpSpPr>
+      <p:sp>
+        <p:nvSpPr>
+          <p:cNvPr id="6" name="TextBox 5">
+            <a:extLst>
+              <a:ext uri="{FF2B5EF4-FFF2-40B4-BE49-F238E27FC236}">
+                <a16:creationId xmlns:a16="http://schemas.microsoft.com/office/drawing/2014/main" id="{47A5A813-9D57-430D-8495-F1C1E53801D9}"/>
+              </a:ext>
+            </a:extLst>
+          </p:cNvPr>
+          <p:cNvSpPr txBox="1"/>
+          <p:nvPr/>
+        </p:nvSpPr>
+        <p:spPr>
+          <a:xfrm>
+            <a:off x="0" y="0"/>
+            <a:ext cx="12192000" cy="307777"/>
+          </a:xfrm>
+          <a:prstGeom prst="rect">
+            <a:avLst/>
+          </a:prstGeom>
+          <a:solidFill>
+            <a:schemeClr val="tx1"/>
+          </a:solidFill>
+        </p:spPr>
+        <p:txBody>
+          <a:bodyPr wrap="square">
+            <a:spAutoFit/>
+          </a:bodyPr>
+          <a:lstStyle/>
+          <a:p>
+            <a:r>
+              <a:rPr lang="en-US" sz="1400" b="1" i="0" dirty="0">
+                <a:solidFill>
+                  <a:schemeClr val="bg1"/>
+                </a:solidFill>
+                <a:effectLst/>
+                <a:latin typeface="-apple-system"/>
+              </a:rPr>
+              <a:t>Working with the Manifest in WKC</a:t>
+            </a:r>
+            <a:endParaRPr lang="en-US" sz="1400" dirty="0">
+              <a:solidFill>
+                <a:schemeClr val="bg1"/>
+              </a:solidFill>
+            </a:endParaRPr>
+          </a:p>
+        </p:txBody>
+      </p:sp>
       <p:pic>
         <p:nvPicPr>
-          <p:cNvPr id="3" name="Picture 2">
-            <a:extLst>
-              <a:ext uri="{FF2B5EF4-FFF2-40B4-BE49-F238E27FC236}">
-                <a16:creationId xmlns:a16="http://schemas.microsoft.com/office/drawing/2014/main" id="{CE90F8E8-F429-49C6-A050-39C99471E1E7}"/>
+          <p:cNvPr id="4" name="Picture 3">
+            <a:extLst>
+              <a:ext uri="{FF2B5EF4-FFF2-40B4-BE49-F238E27FC236}">
+                <a16:creationId xmlns:a16="http://schemas.microsoft.com/office/drawing/2014/main" id="{AE075F62-120F-43E6-B4B4-53EF41304422}"/>
               </a:ext>
             </a:extLst>
           </p:cNvPr>
@@ -5538,66 +5422,18 @@
         </p:blipFill>
         <p:spPr>
           <a:xfrm>
-            <a:off x="0" y="556353"/>
-            <a:ext cx="12192000" cy="5745293"/>
+            <a:off x="0" y="717849"/>
+            <a:ext cx="12192000" cy="5936652"/>
           </a:xfrm>
           <a:prstGeom prst="rect">
             <a:avLst/>
           </a:prstGeom>
         </p:spPr>
       </p:pic>
-      <p:sp>
-        <p:nvSpPr>
-          <p:cNvPr id="6" name="TextBox 5">
-            <a:extLst>
-              <a:ext uri="{FF2B5EF4-FFF2-40B4-BE49-F238E27FC236}">
-                <a16:creationId xmlns:a16="http://schemas.microsoft.com/office/drawing/2014/main" id="{B09654E1-685F-4F56-A039-66B83E45FA68}"/>
-              </a:ext>
-            </a:extLst>
-          </p:cNvPr>
-          <p:cNvSpPr txBox="1"/>
-          <p:nvPr/>
-        </p:nvSpPr>
-        <p:spPr>
-          <a:xfrm>
-            <a:off x="0" y="0"/>
-            <a:ext cx="12192000" cy="307777"/>
-          </a:xfrm>
-          <a:prstGeom prst="rect">
-            <a:avLst/>
-          </a:prstGeom>
-          <a:solidFill>
-            <a:schemeClr val="tx1"/>
-          </a:solidFill>
-        </p:spPr>
-        <p:txBody>
-          <a:bodyPr wrap="square">
-            <a:spAutoFit/>
-          </a:bodyPr>
-          <a:lstStyle/>
-          <a:p>
-            <a:r>
-              <a:rPr lang="en-US" sz="1400" b="1" i="0" dirty="0">
-                <a:solidFill>
-                  <a:schemeClr val="bg1"/>
-                </a:solidFill>
-                <a:effectLst/>
-                <a:latin typeface="-apple-system"/>
-              </a:rPr>
-              <a:t>Working with the Manifest</a:t>
-            </a:r>
-            <a:endParaRPr lang="en-US" sz="1400" dirty="0">
-              <a:solidFill>
-                <a:schemeClr val="bg1"/>
-              </a:solidFill>
-            </a:endParaRPr>
-          </a:p>
-        </p:txBody>
-      </p:sp>
     </p:spTree>
     <p:extLst>
       <p:ext uri="{BB962C8B-B14F-4D97-AF65-F5344CB8AC3E}">
-        <p14:creationId xmlns:p14="http://schemas.microsoft.com/office/powerpoint/2010/main" val="2122033167"/>
+        <p14:creationId xmlns:p14="http://schemas.microsoft.com/office/powerpoint/2010/main" val="140103965"/>
       </p:ext>
     </p:extLst>
   </p:cSld>
@@ -5629,7 +5465,7 @@
           <p:cNvPr id="3" name="Picture 2">
             <a:extLst>
               <a:ext uri="{FF2B5EF4-FFF2-40B4-BE49-F238E27FC236}">
-                <a16:creationId xmlns:a16="http://schemas.microsoft.com/office/drawing/2014/main" id="{028B6A09-355B-466E-ABA8-BB97984F352E}"/>
+                <a16:creationId xmlns:a16="http://schemas.microsoft.com/office/drawing/2014/main" id="{CE90F8E8-F429-49C6-A050-39C99471E1E7}"/>
               </a:ext>
             </a:extLst>
           </p:cNvPr>
@@ -5646,8 +5482,8 @@
         </p:blipFill>
         <p:spPr>
           <a:xfrm>
-            <a:off x="0" y="454712"/>
-            <a:ext cx="12192000" cy="5948576"/>
+            <a:off x="0" y="556353"/>
+            <a:ext cx="12192000" cy="5745293"/>
           </a:xfrm>
           <a:prstGeom prst="rect">
             <a:avLst/>
@@ -5659,7 +5495,7 @@
           <p:cNvPr id="6" name="TextBox 5">
             <a:extLst>
               <a:ext uri="{FF2B5EF4-FFF2-40B4-BE49-F238E27FC236}">
-                <a16:creationId xmlns:a16="http://schemas.microsoft.com/office/drawing/2014/main" id="{EC8811C5-6C69-41DB-B7C9-01B22879FB86}"/>
+                <a16:creationId xmlns:a16="http://schemas.microsoft.com/office/drawing/2014/main" id="{B09654E1-685F-4F56-A039-66B83E45FA68}"/>
               </a:ext>
             </a:extLst>
           </p:cNvPr>
@@ -5692,7 +5528,7 @@
                 <a:effectLst/>
                 <a:latin typeface="-apple-system"/>
               </a:rPr>
-              <a:t>Add Manifest to Project “IBM-UDF-Testing”</a:t>
+              <a:t>Working with the Manifest</a:t>
             </a:r>
             <a:endParaRPr lang="en-US" sz="1400" dirty="0">
               <a:solidFill>
@@ -5702,62 +5538,10 @@
           </a:p>
         </p:txBody>
       </p:sp>
-      <p:sp>
-        <p:nvSpPr>
-          <p:cNvPr id="7" name="Arrow: Right 6">
-            <a:extLst>
-              <a:ext uri="{FF2B5EF4-FFF2-40B4-BE49-F238E27FC236}">
-                <a16:creationId xmlns:a16="http://schemas.microsoft.com/office/drawing/2014/main" id="{CC85BEC6-FD6F-4BA1-AFE2-89AB886B3934}"/>
-              </a:ext>
-            </a:extLst>
-          </p:cNvPr>
-          <p:cNvSpPr/>
-          <p:nvPr/>
-        </p:nvSpPr>
-        <p:spPr>
-          <a:xfrm rot="10800000">
-            <a:off x="4465814" y="2381250"/>
-            <a:ext cx="374073" cy="290946"/>
-          </a:xfrm>
-          <a:prstGeom prst="rightArrow">
-            <a:avLst/>
-          </a:prstGeom>
-          <a:solidFill>
-            <a:srgbClr val="FF0000"/>
-          </a:solidFill>
-          <a:ln>
-            <a:noFill/>
-          </a:ln>
-        </p:spPr>
-        <p:style>
-          <a:lnRef idx="2">
-            <a:schemeClr val="accent1">
-              <a:shade val="50000"/>
-            </a:schemeClr>
-          </a:lnRef>
-          <a:fillRef idx="1">
-            <a:schemeClr val="accent1"/>
-          </a:fillRef>
-          <a:effectRef idx="0">
-            <a:schemeClr val="accent1"/>
-          </a:effectRef>
-          <a:fontRef idx="minor">
-            <a:schemeClr val="lt1"/>
-          </a:fontRef>
-        </p:style>
-        <p:txBody>
-          <a:bodyPr rtlCol="0" anchor="ctr"/>
-          <a:lstStyle/>
-          <a:p>
-            <a:pPr algn="ctr"/>
-            <a:endParaRPr lang="en-US"/>
-          </a:p>
-        </p:txBody>
-      </p:sp>
     </p:spTree>
     <p:extLst>
       <p:ext uri="{BB962C8B-B14F-4D97-AF65-F5344CB8AC3E}">
-        <p14:creationId xmlns:p14="http://schemas.microsoft.com/office/powerpoint/2010/main" val="2582847608"/>
+        <p14:creationId xmlns:p14="http://schemas.microsoft.com/office/powerpoint/2010/main" val="2122033167"/>
       </p:ext>
     </p:extLst>
   </p:cSld>
@@ -5786,10 +5570,10 @@
       </p:grpSpPr>
       <p:pic>
         <p:nvPicPr>
-          <p:cNvPr id="4" name="Picture 3">
-            <a:extLst>
-              <a:ext uri="{FF2B5EF4-FFF2-40B4-BE49-F238E27FC236}">
-                <a16:creationId xmlns:a16="http://schemas.microsoft.com/office/drawing/2014/main" id="{99BF4716-1E4F-40D9-83FB-644A548BE3B3}"/>
+          <p:cNvPr id="3" name="Picture 2">
+            <a:extLst>
+              <a:ext uri="{FF2B5EF4-FFF2-40B4-BE49-F238E27FC236}">
+                <a16:creationId xmlns:a16="http://schemas.microsoft.com/office/drawing/2014/main" id="{028B6A09-355B-466E-ABA8-BB97984F352E}"/>
               </a:ext>
             </a:extLst>
           </p:cNvPr>
@@ -5806,8 +5590,8 @@
         </p:blipFill>
         <p:spPr>
           <a:xfrm>
-            <a:off x="0" y="1281887"/>
-            <a:ext cx="12192000" cy="4294226"/>
+            <a:off x="0" y="454712"/>
+            <a:ext cx="12192000" cy="5948576"/>
           </a:xfrm>
           <a:prstGeom prst="rect">
             <a:avLst/>
@@ -5852,7 +5636,7 @@
                 <a:effectLst/>
                 <a:latin typeface="-apple-system"/>
               </a:rPr>
-              <a:t>Manifest available as Data Asset in Project (Watson Studio)</a:t>
+              <a:t>Add Manifest to Project “IBM-UDF-Testing”</a:t>
             </a:r>
             <a:endParaRPr lang="en-US" sz="1400" dirty="0">
               <a:solidFill>
@@ -5867,7 +5651,7 @@
           <p:cNvPr id="7" name="Arrow: Right 6">
             <a:extLst>
               <a:ext uri="{FF2B5EF4-FFF2-40B4-BE49-F238E27FC236}">
-                <a16:creationId xmlns:a16="http://schemas.microsoft.com/office/drawing/2014/main" id="{ABD07B8B-8925-4199-BF36-A997009A94CB}"/>
+                <a16:creationId xmlns:a16="http://schemas.microsoft.com/office/drawing/2014/main" id="{CC85BEC6-FD6F-4BA1-AFE2-89AB886B3934}"/>
               </a:ext>
             </a:extLst>
           </p:cNvPr>
@@ -5875,8 +5659,8 @@
           <p:nvPr/>
         </p:nvSpPr>
         <p:spPr>
-          <a:xfrm>
-            <a:off x="131939" y="4276725"/>
+          <a:xfrm rot="10800000">
+            <a:off x="4465814" y="2381250"/>
             <a:ext cx="374073" cy="290946"/>
           </a:xfrm>
           <a:prstGeom prst="rightArrow">
@@ -5917,7 +5701,7 @@
     </p:spTree>
     <p:extLst>
       <p:ext uri="{BB962C8B-B14F-4D97-AF65-F5344CB8AC3E}">
-        <p14:creationId xmlns:p14="http://schemas.microsoft.com/office/powerpoint/2010/main" val="3141512382"/>
+        <p14:creationId xmlns:p14="http://schemas.microsoft.com/office/powerpoint/2010/main" val="2582847608"/>
       </p:ext>
     </p:extLst>
   </p:cSld>
@@ -5946,10 +5730,10 @@
       </p:grpSpPr>
       <p:pic>
         <p:nvPicPr>
-          <p:cNvPr id="3" name="Picture 2">
-            <a:extLst>
-              <a:ext uri="{FF2B5EF4-FFF2-40B4-BE49-F238E27FC236}">
-                <a16:creationId xmlns:a16="http://schemas.microsoft.com/office/drawing/2014/main" id="{119372A2-E6DB-4A1A-BC49-A5E074D17665}"/>
+          <p:cNvPr id="4" name="Picture 3">
+            <a:extLst>
+              <a:ext uri="{FF2B5EF4-FFF2-40B4-BE49-F238E27FC236}">
+                <a16:creationId xmlns:a16="http://schemas.microsoft.com/office/drawing/2014/main" id="{99BF4716-1E4F-40D9-83FB-644A548BE3B3}"/>
               </a:ext>
             </a:extLst>
           </p:cNvPr>
@@ -5966,8 +5750,8 @@
         </p:blipFill>
         <p:spPr>
           <a:xfrm>
-            <a:off x="0" y="451281"/>
-            <a:ext cx="12192000" cy="5955437"/>
+            <a:off x="0" y="1281887"/>
+            <a:ext cx="12192000" cy="4294226"/>
           </a:xfrm>
           <a:prstGeom prst="rect">
             <a:avLst/>
@@ -6012,7 +5796,7 @@
                 <a:effectLst/>
                 <a:latin typeface="-apple-system"/>
               </a:rPr>
-              <a:t>Working with the Manifest: Refine the Manifest in Data Refinery</a:t>
+              <a:t>Manifest available as Data Asset in Project (Watson Studio)</a:t>
             </a:r>
             <a:endParaRPr lang="en-US" sz="1400" dirty="0">
               <a:solidFill>
@@ -6036,7 +5820,7 @@
         </p:nvSpPr>
         <p:spPr>
           <a:xfrm>
-            <a:off x="10676114" y="1724025"/>
+            <a:off x="131939" y="4276725"/>
             <a:ext cx="374073" cy="290946"/>
           </a:xfrm>
           <a:prstGeom prst="rightArrow">
@@ -6077,7 +5861,7 @@
     </p:spTree>
     <p:extLst>
       <p:ext uri="{BB962C8B-B14F-4D97-AF65-F5344CB8AC3E}">
-        <p14:creationId xmlns:p14="http://schemas.microsoft.com/office/powerpoint/2010/main" val="2320956658"/>
+        <p14:creationId xmlns:p14="http://schemas.microsoft.com/office/powerpoint/2010/main" val="3141512382"/>
       </p:ext>
     </p:extLst>
   </p:cSld>
@@ -6104,6 +5888,36 @@
           <a:chExt cx="0" cy="0"/>
         </a:xfrm>
       </p:grpSpPr>
+      <p:pic>
+        <p:nvPicPr>
+          <p:cNvPr id="3" name="Picture 2">
+            <a:extLst>
+              <a:ext uri="{FF2B5EF4-FFF2-40B4-BE49-F238E27FC236}">
+                <a16:creationId xmlns:a16="http://schemas.microsoft.com/office/drawing/2014/main" id="{119372A2-E6DB-4A1A-BC49-A5E074D17665}"/>
+              </a:ext>
+            </a:extLst>
+          </p:cNvPr>
+          <p:cNvPicPr>
+            <a:picLocks noChangeAspect="1"/>
+          </p:cNvPicPr>
+          <p:nvPr/>
+        </p:nvPicPr>
+        <p:blipFill>
+          <a:blip r:embed="rId2"/>
+          <a:stretch>
+            <a:fillRect/>
+          </a:stretch>
+        </p:blipFill>
+        <p:spPr>
+          <a:xfrm>
+            <a:off x="0" y="451281"/>
+            <a:ext cx="12192000" cy="5955437"/>
+          </a:xfrm>
+          <a:prstGeom prst="rect">
+            <a:avLst/>
+          </a:prstGeom>
+        </p:spPr>
+      </p:pic>
       <p:sp>
         <p:nvSpPr>
           <p:cNvPr id="6" name="TextBox 5">
@@ -6142,16 +5956,7 @@
                 <a:effectLst/>
                 <a:latin typeface="-apple-system"/>
               </a:rPr>
-              <a:t>Working with the Manifest: Refine the Manifest in Data Refinery – Visualizatio</a:t>
-            </a:r>
-            <a:r>
-              <a:rPr lang="en-US" sz="1400" b="1" dirty="0">
-                <a:solidFill>
-                  <a:schemeClr val="bg1"/>
-                </a:solidFill>
-                <a:latin typeface="-apple-system"/>
-              </a:rPr>
-              <a:t>n</a:t>
+              <a:t>Working with the Manifest: Refine the Manifest in Data Refinery</a:t>
             </a:r>
             <a:endParaRPr lang="en-US" sz="1400" dirty="0">
               <a:solidFill>
@@ -6175,7 +5980,7 @@
         </p:nvSpPr>
         <p:spPr>
           <a:xfrm>
-            <a:off x="10904714" y="1933575"/>
+            <a:off x="10676114" y="1724025"/>
             <a:ext cx="374073" cy="290946"/>
           </a:xfrm>
           <a:prstGeom prst="rightArrow">
@@ -6213,40 +6018,10 @@
           </a:p>
         </p:txBody>
       </p:sp>
-      <p:pic>
-        <p:nvPicPr>
-          <p:cNvPr id="3" name="Picture 2">
-            <a:extLst>
-              <a:ext uri="{FF2B5EF4-FFF2-40B4-BE49-F238E27FC236}">
-                <a16:creationId xmlns:a16="http://schemas.microsoft.com/office/drawing/2014/main" id="{69DC93BD-4A93-4A2A-A4E2-2C6BF5870E24}"/>
-              </a:ext>
-            </a:extLst>
-          </p:cNvPr>
-          <p:cNvPicPr>
-            <a:picLocks noChangeAspect="1"/>
-          </p:cNvPicPr>
-          <p:nvPr/>
-        </p:nvPicPr>
-        <p:blipFill>
-          <a:blip r:embed="rId2"/>
-          <a:stretch>
-            <a:fillRect/>
-          </a:stretch>
-        </p:blipFill>
-        <p:spPr>
-          <a:xfrm>
-            <a:off x="390525" y="1188026"/>
-            <a:ext cx="11410950" cy="5086304"/>
-          </a:xfrm>
-          <a:prstGeom prst="rect">
-            <a:avLst/>
-          </a:prstGeom>
-        </p:spPr>
-      </p:pic>
     </p:spTree>
     <p:extLst>
       <p:ext uri="{BB962C8B-B14F-4D97-AF65-F5344CB8AC3E}">
-        <p14:creationId xmlns:p14="http://schemas.microsoft.com/office/powerpoint/2010/main" val="1871876885"/>
+        <p14:creationId xmlns:p14="http://schemas.microsoft.com/office/powerpoint/2010/main" val="2320956658"/>
       </p:ext>
     </p:extLst>
   </p:cSld>
@@ -6384,10 +6159,10 @@
       </p:sp>
       <p:pic>
         <p:nvPicPr>
-          <p:cNvPr id="4" name="Picture 3">
-            <a:extLst>
-              <a:ext uri="{FF2B5EF4-FFF2-40B4-BE49-F238E27FC236}">
-                <a16:creationId xmlns:a16="http://schemas.microsoft.com/office/drawing/2014/main" id="{F2C01929-827C-4EDB-8BFA-D5B9A2518F5A}"/>
+          <p:cNvPr id="3" name="Picture 2">
+            <a:extLst>
+              <a:ext uri="{FF2B5EF4-FFF2-40B4-BE49-F238E27FC236}">
+                <a16:creationId xmlns:a16="http://schemas.microsoft.com/office/drawing/2014/main" id="{69DC93BD-4A93-4A2A-A4E2-2C6BF5870E24}"/>
               </a:ext>
             </a:extLst>
           </p:cNvPr>
@@ -6404,8 +6179,8 @@
         </p:blipFill>
         <p:spPr>
           <a:xfrm>
-            <a:off x="332781" y="463618"/>
-            <a:ext cx="11278787" cy="6273663"/>
+            <a:off x="390525" y="1188026"/>
+            <a:ext cx="11410950" cy="5086304"/>
           </a:xfrm>
           <a:prstGeom prst="rect">
             <a:avLst/>
@@ -6415,7 +6190,7 @@
     </p:spTree>
     <p:extLst>
       <p:ext uri="{BB962C8B-B14F-4D97-AF65-F5344CB8AC3E}">
-        <p14:creationId xmlns:p14="http://schemas.microsoft.com/office/powerpoint/2010/main" val="625157052"/>
+        <p14:creationId xmlns:p14="http://schemas.microsoft.com/office/powerpoint/2010/main" val="1871876885"/>
       </p:ext>
     </p:extLst>
   </p:cSld>
@@ -6553,6 +6328,175 @@
       </p:sp>
       <p:pic>
         <p:nvPicPr>
+          <p:cNvPr id="4" name="Picture 3">
+            <a:extLst>
+              <a:ext uri="{FF2B5EF4-FFF2-40B4-BE49-F238E27FC236}">
+                <a16:creationId xmlns:a16="http://schemas.microsoft.com/office/drawing/2014/main" id="{F2C01929-827C-4EDB-8BFA-D5B9A2518F5A}"/>
+              </a:ext>
+            </a:extLst>
+          </p:cNvPr>
+          <p:cNvPicPr>
+            <a:picLocks noChangeAspect="1"/>
+          </p:cNvPicPr>
+          <p:nvPr/>
+        </p:nvPicPr>
+        <p:blipFill>
+          <a:blip r:embed="rId2"/>
+          <a:stretch>
+            <a:fillRect/>
+          </a:stretch>
+        </p:blipFill>
+        <p:spPr>
+          <a:xfrm>
+            <a:off x="332781" y="463618"/>
+            <a:ext cx="11278787" cy="6273663"/>
+          </a:xfrm>
+          <a:prstGeom prst="rect">
+            <a:avLst/>
+          </a:prstGeom>
+        </p:spPr>
+      </p:pic>
+    </p:spTree>
+    <p:extLst>
+      <p:ext uri="{BB962C8B-B14F-4D97-AF65-F5344CB8AC3E}">
+        <p14:creationId xmlns:p14="http://schemas.microsoft.com/office/powerpoint/2010/main" val="625157052"/>
+      </p:ext>
+    </p:extLst>
+  </p:cSld>
+  <p:clrMapOvr>
+    <a:masterClrMapping/>
+  </p:clrMapOvr>
+</p:sld>
+</file>
+
+<file path=ppt/slides/slide28.xml><?xml version="1.0" encoding="utf-8"?>
+<p:sld xmlns:a="http://schemas.openxmlformats.org/drawingml/2006/main" xmlns:r="http://schemas.openxmlformats.org/officeDocument/2006/relationships" xmlns:p="http://schemas.openxmlformats.org/presentationml/2006/main">
+  <p:cSld>
+    <p:spTree>
+      <p:nvGrpSpPr>
+        <p:cNvPr id="1" name=""/>
+        <p:cNvGrpSpPr/>
+        <p:nvPr/>
+      </p:nvGrpSpPr>
+      <p:grpSpPr>
+        <a:xfrm>
+          <a:off x="0" y="0"/>
+          <a:ext cx="0" cy="0"/>
+          <a:chOff x="0" y="0"/>
+          <a:chExt cx="0" cy="0"/>
+        </a:xfrm>
+      </p:grpSpPr>
+      <p:sp>
+        <p:nvSpPr>
+          <p:cNvPr id="6" name="TextBox 5">
+            <a:extLst>
+              <a:ext uri="{FF2B5EF4-FFF2-40B4-BE49-F238E27FC236}">
+                <a16:creationId xmlns:a16="http://schemas.microsoft.com/office/drawing/2014/main" id="{EC8811C5-6C69-41DB-B7C9-01B22879FB86}"/>
+              </a:ext>
+            </a:extLst>
+          </p:cNvPr>
+          <p:cNvSpPr txBox="1"/>
+          <p:nvPr/>
+        </p:nvSpPr>
+        <p:spPr>
+          <a:xfrm>
+            <a:off x="0" y="0"/>
+            <a:ext cx="12192000" cy="307777"/>
+          </a:xfrm>
+          <a:prstGeom prst="rect">
+            <a:avLst/>
+          </a:prstGeom>
+          <a:solidFill>
+            <a:schemeClr val="tx1"/>
+          </a:solidFill>
+        </p:spPr>
+        <p:txBody>
+          <a:bodyPr wrap="square">
+            <a:spAutoFit/>
+          </a:bodyPr>
+          <a:lstStyle/>
+          <a:p>
+            <a:r>
+              <a:rPr lang="en-US" sz="1400" b="1" i="0" dirty="0">
+                <a:solidFill>
+                  <a:schemeClr val="bg1"/>
+                </a:solidFill>
+                <a:effectLst/>
+                <a:latin typeface="-apple-system"/>
+              </a:rPr>
+              <a:t>Working with the Manifest: Refine the Manifest in Data Refinery – Visualizatio</a:t>
+            </a:r>
+            <a:r>
+              <a:rPr lang="en-US" sz="1400" b="1" dirty="0">
+                <a:solidFill>
+                  <a:schemeClr val="bg1"/>
+                </a:solidFill>
+                <a:latin typeface="-apple-system"/>
+              </a:rPr>
+              <a:t>n</a:t>
+            </a:r>
+            <a:endParaRPr lang="en-US" sz="1400" dirty="0">
+              <a:solidFill>
+                <a:schemeClr val="bg1"/>
+              </a:solidFill>
+            </a:endParaRPr>
+          </a:p>
+        </p:txBody>
+      </p:sp>
+      <p:sp>
+        <p:nvSpPr>
+          <p:cNvPr id="7" name="Arrow: Right 6">
+            <a:extLst>
+              <a:ext uri="{FF2B5EF4-FFF2-40B4-BE49-F238E27FC236}">
+                <a16:creationId xmlns:a16="http://schemas.microsoft.com/office/drawing/2014/main" id="{ABD07B8B-8925-4199-BF36-A997009A94CB}"/>
+              </a:ext>
+            </a:extLst>
+          </p:cNvPr>
+          <p:cNvSpPr/>
+          <p:nvPr/>
+        </p:nvSpPr>
+        <p:spPr>
+          <a:xfrm>
+            <a:off x="10904714" y="1933575"/>
+            <a:ext cx="374073" cy="290946"/>
+          </a:xfrm>
+          <a:prstGeom prst="rightArrow">
+            <a:avLst/>
+          </a:prstGeom>
+          <a:solidFill>
+            <a:srgbClr val="FF0000"/>
+          </a:solidFill>
+          <a:ln>
+            <a:noFill/>
+          </a:ln>
+        </p:spPr>
+        <p:style>
+          <a:lnRef idx="2">
+            <a:schemeClr val="accent1">
+              <a:shade val="50000"/>
+            </a:schemeClr>
+          </a:lnRef>
+          <a:fillRef idx="1">
+            <a:schemeClr val="accent1"/>
+          </a:fillRef>
+          <a:effectRef idx="0">
+            <a:schemeClr val="accent1"/>
+          </a:effectRef>
+          <a:fontRef idx="minor">
+            <a:schemeClr val="lt1"/>
+          </a:fontRef>
+        </p:style>
+        <p:txBody>
+          <a:bodyPr rtlCol="0" anchor="ctr"/>
+          <a:lstStyle/>
+          <a:p>
+            <a:pPr algn="ctr"/>
+            <a:endParaRPr lang="en-US"/>
+          </a:p>
+        </p:txBody>
+      </p:sp>
+      <p:pic>
+        <p:nvPicPr>
           <p:cNvPr id="3" name="Picture 2">
             <a:extLst>
               <a:ext uri="{FF2B5EF4-FFF2-40B4-BE49-F238E27FC236}">
@@ -6594,7 +6538,7 @@
 </p:sld>
 </file>
 
-<file path=ppt/slides/slide28.xml><?xml version="1.0" encoding="utf-8"?>
+<file path=ppt/slides/slide29.xml><?xml version="1.0" encoding="utf-8"?>
 <p:sld xmlns:a="http://schemas.openxmlformats.org/drawingml/2006/main" xmlns:r="http://schemas.openxmlformats.org/officeDocument/2006/relationships" xmlns:p="http://schemas.openxmlformats.org/presentationml/2006/main">
   <p:cSld>
     <p:spTree>
@@ -6795,7 +6739,7 @@
                 <a:effectLst/>
                 <a:latin typeface="-apple-system"/>
               </a:rPr>
-              <a:t>=T101389-10002: Result</a:t>
+              <a:t>=T101389-10002</a:t>
             </a:r>
             <a:endParaRPr lang="en-US" sz="1400" dirty="0">
               <a:solidFill>
@@ -6805,42 +6749,12 @@
           </a:p>
         </p:txBody>
       </p:sp>
-      <p:pic>
-        <p:nvPicPr>
-          <p:cNvPr id="3" name="Picture 2">
-            <a:extLst>
-              <a:ext uri="{FF2B5EF4-FFF2-40B4-BE49-F238E27FC236}">
-                <a16:creationId xmlns:a16="http://schemas.microsoft.com/office/drawing/2014/main" id="{15440E01-B1E9-4BA0-918B-180513318CC0}"/>
-              </a:ext>
-            </a:extLst>
-          </p:cNvPr>
-          <p:cNvPicPr>
-            <a:picLocks noChangeAspect="1"/>
-          </p:cNvPicPr>
-          <p:nvPr/>
-        </p:nvPicPr>
-        <p:blipFill>
-          <a:blip r:embed="rId2"/>
-          <a:stretch>
-            <a:fillRect/>
-          </a:stretch>
-        </p:blipFill>
-        <p:spPr>
-          <a:xfrm>
-            <a:off x="0" y="1821015"/>
-            <a:ext cx="12192000" cy="3215970"/>
-          </a:xfrm>
-          <a:prstGeom prst="rect">
-            <a:avLst/>
-          </a:prstGeom>
-        </p:spPr>
-      </p:pic>
-      <p:sp>
-        <p:nvSpPr>
-          <p:cNvPr id="8" name="Arrow: Right 7">
-            <a:extLst>
-              <a:ext uri="{FF2B5EF4-FFF2-40B4-BE49-F238E27FC236}">
-                <a16:creationId xmlns:a16="http://schemas.microsoft.com/office/drawing/2014/main" id="{F2FD17BF-5E16-4614-A5DF-A4B353FD8E18}"/>
+      <p:sp>
+        <p:nvSpPr>
+          <p:cNvPr id="6" name="Arrow: Right 5">
+            <a:extLst>
+              <a:ext uri="{FF2B5EF4-FFF2-40B4-BE49-F238E27FC236}">
+                <a16:creationId xmlns:a16="http://schemas.microsoft.com/office/drawing/2014/main" id="{63D661B0-6413-4D7A-89B2-FDE5A7B652C1}"/>
               </a:ext>
             </a:extLst>
           </p:cNvPr>
@@ -6849,7 +6763,7 @@
         </p:nvSpPr>
         <p:spPr>
           <a:xfrm>
-            <a:off x="2876550" y="4524624"/>
+            <a:off x="771525" y="3086349"/>
             <a:ext cx="374073" cy="290946"/>
           </a:xfrm>
           <a:prstGeom prst="rightArrow">
@@ -6887,10 +6801,40 @@
           </a:p>
         </p:txBody>
       </p:sp>
+      <p:pic>
+        <p:nvPicPr>
+          <p:cNvPr id="4" name="Picture 3">
+            <a:extLst>
+              <a:ext uri="{FF2B5EF4-FFF2-40B4-BE49-F238E27FC236}">
+                <a16:creationId xmlns:a16="http://schemas.microsoft.com/office/drawing/2014/main" id="{50E69684-393A-4F08-9A9A-FDA8CBDDB046}"/>
+              </a:ext>
+            </a:extLst>
+          </p:cNvPr>
+          <p:cNvPicPr>
+            <a:picLocks noChangeAspect="1"/>
+          </p:cNvPicPr>
+          <p:nvPr/>
+        </p:nvPicPr>
+        <p:blipFill>
+          <a:blip r:embed="rId2"/>
+          <a:stretch>
+            <a:fillRect/>
+          </a:stretch>
+        </p:blipFill>
+        <p:spPr>
+          <a:xfrm>
+            <a:off x="0" y="913867"/>
+            <a:ext cx="12192000" cy="5030266"/>
+          </a:xfrm>
+          <a:prstGeom prst="rect">
+            <a:avLst/>
+          </a:prstGeom>
+        </p:spPr>
+      </p:pic>
     </p:spTree>
     <p:extLst>
       <p:ext uri="{BB962C8B-B14F-4D97-AF65-F5344CB8AC3E}">
-        <p14:creationId xmlns:p14="http://schemas.microsoft.com/office/powerpoint/2010/main" val="3742667134"/>
+        <p14:creationId xmlns:p14="http://schemas.microsoft.com/office/powerpoint/2010/main" val="3599282882"/>
       </p:ext>
     </p:extLst>
   </p:cSld>
@@ -6955,7 +6899,36 @@
                 <a:effectLst/>
                 <a:latin typeface="-apple-system"/>
               </a:rPr>
-              <a:t>Select files to be Exported to Watson Knowledge Catalog (in Cloud Pak for Data)</a:t>
+              <a:t>Use Visual Query to Browse and Search for </a:t>
+            </a:r>
+            <a:r>
+              <a:rPr lang="en-US" sz="1400" b="1" dirty="0">
+                <a:solidFill>
+                  <a:schemeClr val="bg1"/>
+                </a:solidFill>
+                <a:latin typeface="-apple-system"/>
+              </a:rPr>
+              <a:t>Data with </a:t>
+            </a:r>
+            <a:r>
+              <a:rPr lang="en-US" sz="1400" b="1" i="0" dirty="0" err="1">
+                <a:solidFill>
+                  <a:schemeClr val="bg1"/>
+                </a:solidFill>
+                <a:effectLst/>
+                <a:latin typeface="-apple-system"/>
+              </a:rPr>
+              <a:t>ImageID</a:t>
+            </a:r>
+            <a:r>
+              <a:rPr lang="en-US" sz="1400" b="1" i="0" dirty="0">
+                <a:solidFill>
+                  <a:schemeClr val="bg1"/>
+                </a:solidFill>
+                <a:effectLst/>
+                <a:latin typeface="-apple-system"/>
+              </a:rPr>
+              <a:t>=T101389-10002: Result</a:t>
             </a:r>
             <a:endParaRPr lang="en-US" sz="1400" dirty="0">
               <a:solidFill>
@@ -6967,10 +6940,10 @@
       </p:sp>
       <p:pic>
         <p:nvPicPr>
-          <p:cNvPr id="4" name="Picture 3">
-            <a:extLst>
-              <a:ext uri="{FF2B5EF4-FFF2-40B4-BE49-F238E27FC236}">
-                <a16:creationId xmlns:a16="http://schemas.microsoft.com/office/drawing/2014/main" id="{995E71E3-63DF-417F-A64C-0B322735C3B2}"/>
+          <p:cNvPr id="3" name="Picture 2">
+            <a:extLst>
+              <a:ext uri="{FF2B5EF4-FFF2-40B4-BE49-F238E27FC236}">
+                <a16:creationId xmlns:a16="http://schemas.microsoft.com/office/drawing/2014/main" id="{15440E01-B1E9-4BA0-918B-180513318CC0}"/>
               </a:ext>
             </a:extLst>
           </p:cNvPr>
@@ -6987,8 +6960,8 @@
         </p:blipFill>
         <p:spPr>
           <a:xfrm>
-            <a:off x="0" y="1808208"/>
-            <a:ext cx="12192000" cy="3241584"/>
+            <a:off x="0" y="1821015"/>
+            <a:ext cx="12192000" cy="3215970"/>
           </a:xfrm>
           <a:prstGeom prst="rect">
             <a:avLst/>
@@ -6997,10 +6970,10 @@
       </p:pic>
       <p:sp>
         <p:nvSpPr>
-          <p:cNvPr id="9" name="Arrow: Right 8">
-            <a:extLst>
-              <a:ext uri="{FF2B5EF4-FFF2-40B4-BE49-F238E27FC236}">
-                <a16:creationId xmlns:a16="http://schemas.microsoft.com/office/drawing/2014/main" id="{E0FCF2FF-8915-4864-B4C5-22F46013F3B5}"/>
+          <p:cNvPr id="8" name="Arrow: Right 7">
+            <a:extLst>
+              <a:ext uri="{FF2B5EF4-FFF2-40B4-BE49-F238E27FC236}">
+                <a16:creationId xmlns:a16="http://schemas.microsoft.com/office/drawing/2014/main" id="{F2FD17BF-5E16-4614-A5DF-A4B353FD8E18}"/>
               </a:ext>
             </a:extLst>
           </p:cNvPr>
@@ -7008,8 +6981,8 @@
           <p:nvPr/>
         </p:nvSpPr>
         <p:spPr>
-          <a:xfrm rot="5400000">
-            <a:off x="3124200" y="2184013"/>
+          <a:xfrm>
+            <a:off x="2876550" y="4524624"/>
             <a:ext cx="374073" cy="290946"/>
           </a:xfrm>
           <a:prstGeom prst="rightArrow">
@@ -7047,62 +7020,10 @@
           </a:p>
         </p:txBody>
       </p:sp>
-      <p:sp>
-        <p:nvSpPr>
-          <p:cNvPr id="11" name="Arrow: Right 10">
-            <a:extLst>
-              <a:ext uri="{FF2B5EF4-FFF2-40B4-BE49-F238E27FC236}">
-                <a16:creationId xmlns:a16="http://schemas.microsoft.com/office/drawing/2014/main" id="{A4B41F6C-D3F1-4736-A18B-030C9368A329}"/>
-              </a:ext>
-            </a:extLst>
-          </p:cNvPr>
-          <p:cNvSpPr/>
-          <p:nvPr/>
-        </p:nvSpPr>
-        <p:spPr>
-          <a:xfrm rot="5400000">
-            <a:off x="10763252" y="1783287"/>
-            <a:ext cx="374073" cy="290946"/>
-          </a:xfrm>
-          <a:prstGeom prst="rightArrow">
-            <a:avLst/>
-          </a:prstGeom>
-          <a:solidFill>
-            <a:srgbClr val="FF0000"/>
-          </a:solidFill>
-          <a:ln>
-            <a:noFill/>
-          </a:ln>
-        </p:spPr>
-        <p:style>
-          <a:lnRef idx="2">
-            <a:schemeClr val="accent1">
-              <a:shade val="50000"/>
-            </a:schemeClr>
-          </a:lnRef>
-          <a:fillRef idx="1">
-            <a:schemeClr val="accent1"/>
-          </a:fillRef>
-          <a:effectRef idx="0">
-            <a:schemeClr val="accent1"/>
-          </a:effectRef>
-          <a:fontRef idx="minor">
-            <a:schemeClr val="lt1"/>
-          </a:fontRef>
-        </p:style>
-        <p:txBody>
-          <a:bodyPr rtlCol="0" anchor="ctr"/>
-          <a:lstStyle/>
-          <a:p>
-            <a:pPr algn="ctr"/>
-            <a:endParaRPr lang="en-US"/>
-          </a:p>
-        </p:txBody>
-      </p:sp>
     </p:spTree>
     <p:extLst>
       <p:ext uri="{BB962C8B-B14F-4D97-AF65-F5344CB8AC3E}">
-        <p14:creationId xmlns:p14="http://schemas.microsoft.com/office/powerpoint/2010/main" val="704374441"/>
+        <p14:creationId xmlns:p14="http://schemas.microsoft.com/office/powerpoint/2010/main" val="3742667134"/>
       </p:ext>
     </p:extLst>
   </p:cSld>
@@ -7167,27 +7088,7 @@
                 <a:effectLst/>
                 <a:latin typeface="-apple-system"/>
               </a:rPr>
-              <a:t>Select Metadata Tags to be Exported to Watson Knowledge Catalog “</a:t>
-            </a:r>
-            <a:r>
-              <a:rPr lang="en-US" sz="1400" b="1" i="0" dirty="0" err="1">
-                <a:solidFill>
-                  <a:schemeClr val="bg1"/>
-                </a:solidFill>
-                <a:effectLst/>
-                <a:latin typeface="-apple-system"/>
-              </a:rPr>
-              <a:t>uDCt</a:t>
-            </a:r>
-            <a:r>
-              <a:rPr lang="en-US" sz="1400" b="1" i="0" dirty="0">
-                <a:solidFill>
-                  <a:schemeClr val="bg1"/>
-                </a:solidFill>
-                <a:effectLst/>
-                <a:latin typeface="-apple-system"/>
-              </a:rPr>
-              <a:t> Catalog1”</a:t>
+              <a:t>Select files to be Exported to Watson Knowledge Catalog (in Cloud Pak for Data)</a:t>
             </a:r>
             <a:endParaRPr lang="en-US" sz="1400" dirty="0">
               <a:solidFill>
@@ -7199,10 +7100,10 @@
       </p:sp>
       <p:pic>
         <p:nvPicPr>
-          <p:cNvPr id="3" name="Picture 2">
-            <a:extLst>
-              <a:ext uri="{FF2B5EF4-FFF2-40B4-BE49-F238E27FC236}">
-                <a16:creationId xmlns:a16="http://schemas.microsoft.com/office/drawing/2014/main" id="{87E7800B-B27D-4F16-B211-02B28F6809B9}"/>
+          <p:cNvPr id="4" name="Picture 3">
+            <a:extLst>
+              <a:ext uri="{FF2B5EF4-FFF2-40B4-BE49-F238E27FC236}">
+                <a16:creationId xmlns:a16="http://schemas.microsoft.com/office/drawing/2014/main" id="{995E71E3-63DF-417F-A64C-0B322735C3B2}"/>
               </a:ext>
             </a:extLst>
           </p:cNvPr>
@@ -7219,8 +7120,8 @@
         </p:blipFill>
         <p:spPr>
           <a:xfrm>
-            <a:off x="0" y="1122620"/>
-            <a:ext cx="12192000" cy="5031860"/>
+            <a:off x="0" y="1808208"/>
+            <a:ext cx="12192000" cy="3241584"/>
           </a:xfrm>
           <a:prstGeom prst="rect">
             <a:avLst/>
@@ -7229,10 +7130,10 @@
       </p:pic>
       <p:sp>
         <p:nvSpPr>
-          <p:cNvPr id="8" name="Arrow: Right 7">
-            <a:extLst>
-              <a:ext uri="{FF2B5EF4-FFF2-40B4-BE49-F238E27FC236}">
-                <a16:creationId xmlns:a16="http://schemas.microsoft.com/office/drawing/2014/main" id="{6CFC2AE2-70EF-49CA-A75B-46C02BE8E398}"/>
+          <p:cNvPr id="9" name="Arrow: Right 8">
+            <a:extLst>
+              <a:ext uri="{FF2B5EF4-FFF2-40B4-BE49-F238E27FC236}">
+                <a16:creationId xmlns:a16="http://schemas.microsoft.com/office/drawing/2014/main" id="{E0FCF2FF-8915-4864-B4C5-22F46013F3B5}"/>
               </a:ext>
             </a:extLst>
           </p:cNvPr>
@@ -7241,7 +7142,7 @@
         </p:nvSpPr>
         <p:spPr>
           <a:xfrm rot="5400000">
-            <a:off x="6054437" y="1409214"/>
+            <a:off x="3124200" y="2184013"/>
             <a:ext cx="374073" cy="290946"/>
           </a:xfrm>
           <a:prstGeom prst="rightArrow">
@@ -7281,10 +7182,10 @@
       </p:sp>
       <p:sp>
         <p:nvSpPr>
-          <p:cNvPr id="10" name="Arrow: Right 9">
-            <a:extLst>
-              <a:ext uri="{FF2B5EF4-FFF2-40B4-BE49-F238E27FC236}">
-                <a16:creationId xmlns:a16="http://schemas.microsoft.com/office/drawing/2014/main" id="{DC92DBAB-816F-4871-B557-157AB5652CCF}"/>
+          <p:cNvPr id="11" name="Arrow: Right 10">
+            <a:extLst>
+              <a:ext uri="{FF2B5EF4-FFF2-40B4-BE49-F238E27FC236}">
+                <a16:creationId xmlns:a16="http://schemas.microsoft.com/office/drawing/2014/main" id="{A4B41F6C-D3F1-4736-A18B-030C9368A329}"/>
               </a:ext>
             </a:extLst>
           </p:cNvPr>
@@ -7292,8 +7193,8 @@
           <p:nvPr/>
         </p:nvSpPr>
         <p:spPr>
-          <a:xfrm rot="10800000">
-            <a:off x="7229477" y="3638550"/>
+          <a:xfrm rot="5400000">
+            <a:off x="10763252" y="1783287"/>
             <a:ext cx="374073" cy="290946"/>
           </a:xfrm>
           <a:prstGeom prst="rightArrow">
@@ -7334,7 +7235,7 @@
     </p:spTree>
     <p:extLst>
       <p:ext uri="{BB962C8B-B14F-4D97-AF65-F5344CB8AC3E}">
-        <p14:creationId xmlns:p14="http://schemas.microsoft.com/office/powerpoint/2010/main" val="764304304"/>
+        <p14:creationId xmlns:p14="http://schemas.microsoft.com/office/powerpoint/2010/main" val="704374441"/>
       </p:ext>
     </p:extLst>
   </p:cSld>
@@ -7361,12 +7262,80 @@
           <a:chExt cx="0" cy="0"/>
         </a:xfrm>
       </p:grpSpPr>
+      <p:sp>
+        <p:nvSpPr>
+          <p:cNvPr id="7" name="TextBox 6">
+            <a:extLst>
+              <a:ext uri="{FF2B5EF4-FFF2-40B4-BE49-F238E27FC236}">
+                <a16:creationId xmlns:a16="http://schemas.microsoft.com/office/drawing/2014/main" id="{DC0BA69E-AEE8-408C-8616-7AE5D70F540C}"/>
+              </a:ext>
+            </a:extLst>
+          </p:cNvPr>
+          <p:cNvSpPr txBox="1"/>
+          <p:nvPr/>
+        </p:nvSpPr>
+        <p:spPr>
+          <a:xfrm>
+            <a:off x="0" y="0"/>
+            <a:ext cx="12192000" cy="307777"/>
+          </a:xfrm>
+          <a:prstGeom prst="rect">
+            <a:avLst/>
+          </a:prstGeom>
+          <a:solidFill>
+            <a:schemeClr val="tx1"/>
+          </a:solidFill>
+        </p:spPr>
+        <p:txBody>
+          <a:bodyPr wrap="square">
+            <a:spAutoFit/>
+          </a:bodyPr>
+          <a:lstStyle/>
+          <a:p>
+            <a:r>
+              <a:rPr lang="en-US" sz="1400" b="1" i="0" dirty="0">
+                <a:solidFill>
+                  <a:schemeClr val="bg1"/>
+                </a:solidFill>
+                <a:effectLst/>
+                <a:latin typeface="-apple-system"/>
+              </a:rPr>
+              <a:t>Select Metadata Tags to be Exported to Watson Knowledge Catalog “</a:t>
+            </a:r>
+            <a:r>
+              <a:rPr lang="en-US" sz="1400" b="1" i="0" dirty="0" err="1">
+                <a:solidFill>
+                  <a:schemeClr val="bg1"/>
+                </a:solidFill>
+                <a:effectLst/>
+                <a:latin typeface="-apple-system"/>
+              </a:rPr>
+              <a:t>uDCt</a:t>
+            </a:r>
+            <a:r>
+              <a:rPr lang="en-US" sz="1400" b="1" i="0" dirty="0">
+                <a:solidFill>
+                  <a:schemeClr val="bg1"/>
+                </a:solidFill>
+                <a:effectLst/>
+                <a:latin typeface="-apple-system"/>
+              </a:rPr>
+              <a:t> Catalog1”</a:t>
+            </a:r>
+            <a:endParaRPr lang="en-US" sz="1400" dirty="0">
+              <a:solidFill>
+                <a:schemeClr val="bg1"/>
+              </a:solidFill>
+            </a:endParaRPr>
+          </a:p>
+        </p:txBody>
+      </p:sp>
       <p:pic>
         <p:nvPicPr>
-          <p:cNvPr id="5" name="Picture 4">
-            <a:extLst>
-              <a:ext uri="{FF2B5EF4-FFF2-40B4-BE49-F238E27FC236}">
-                <a16:creationId xmlns:a16="http://schemas.microsoft.com/office/drawing/2014/main" id="{4E13EDAB-759E-478E-B360-A162ADA82F5C}"/>
+          <p:cNvPr id="3" name="Picture 2">
+            <a:extLst>
+              <a:ext uri="{FF2B5EF4-FFF2-40B4-BE49-F238E27FC236}">
+                <a16:creationId xmlns:a16="http://schemas.microsoft.com/office/drawing/2014/main" id="{87E7800B-B27D-4F16-B211-02B28F6809B9}"/>
               </a:ext>
             </a:extLst>
           </p:cNvPr>
@@ -7383,18 +7352,122 @@
         </p:blipFill>
         <p:spPr>
           <a:xfrm>
-            <a:off x="0" y="36548"/>
-            <a:ext cx="12192000" cy="6784904"/>
+            <a:off x="0" y="1122620"/>
+            <a:ext cx="12192000" cy="5031860"/>
           </a:xfrm>
           <a:prstGeom prst="rect">
             <a:avLst/>
           </a:prstGeom>
         </p:spPr>
       </p:pic>
+      <p:sp>
+        <p:nvSpPr>
+          <p:cNvPr id="8" name="Arrow: Right 7">
+            <a:extLst>
+              <a:ext uri="{FF2B5EF4-FFF2-40B4-BE49-F238E27FC236}">
+                <a16:creationId xmlns:a16="http://schemas.microsoft.com/office/drawing/2014/main" id="{6CFC2AE2-70EF-49CA-A75B-46C02BE8E398}"/>
+              </a:ext>
+            </a:extLst>
+          </p:cNvPr>
+          <p:cNvSpPr/>
+          <p:nvPr/>
+        </p:nvSpPr>
+        <p:spPr>
+          <a:xfrm rot="5400000">
+            <a:off x="6054437" y="1409214"/>
+            <a:ext cx="374073" cy="290946"/>
+          </a:xfrm>
+          <a:prstGeom prst="rightArrow">
+            <a:avLst/>
+          </a:prstGeom>
+          <a:solidFill>
+            <a:srgbClr val="FF0000"/>
+          </a:solidFill>
+          <a:ln>
+            <a:noFill/>
+          </a:ln>
+        </p:spPr>
+        <p:style>
+          <a:lnRef idx="2">
+            <a:schemeClr val="accent1">
+              <a:shade val="50000"/>
+            </a:schemeClr>
+          </a:lnRef>
+          <a:fillRef idx="1">
+            <a:schemeClr val="accent1"/>
+          </a:fillRef>
+          <a:effectRef idx="0">
+            <a:schemeClr val="accent1"/>
+          </a:effectRef>
+          <a:fontRef idx="minor">
+            <a:schemeClr val="lt1"/>
+          </a:fontRef>
+        </p:style>
+        <p:txBody>
+          <a:bodyPr rtlCol="0" anchor="ctr"/>
+          <a:lstStyle/>
+          <a:p>
+            <a:pPr algn="ctr"/>
+            <a:endParaRPr lang="en-US"/>
+          </a:p>
+        </p:txBody>
+      </p:sp>
+      <p:sp>
+        <p:nvSpPr>
+          <p:cNvPr id="10" name="Arrow: Right 9">
+            <a:extLst>
+              <a:ext uri="{FF2B5EF4-FFF2-40B4-BE49-F238E27FC236}">
+                <a16:creationId xmlns:a16="http://schemas.microsoft.com/office/drawing/2014/main" id="{DC92DBAB-816F-4871-B557-157AB5652CCF}"/>
+              </a:ext>
+            </a:extLst>
+          </p:cNvPr>
+          <p:cNvSpPr/>
+          <p:nvPr/>
+        </p:nvSpPr>
+        <p:spPr>
+          <a:xfrm rot="10800000">
+            <a:off x="7229477" y="3638550"/>
+            <a:ext cx="374073" cy="290946"/>
+          </a:xfrm>
+          <a:prstGeom prst="rightArrow">
+            <a:avLst/>
+          </a:prstGeom>
+          <a:solidFill>
+            <a:srgbClr val="FF0000"/>
+          </a:solidFill>
+          <a:ln>
+            <a:noFill/>
+          </a:ln>
+        </p:spPr>
+        <p:style>
+          <a:lnRef idx="2">
+            <a:schemeClr val="accent1">
+              <a:shade val="50000"/>
+            </a:schemeClr>
+          </a:lnRef>
+          <a:fillRef idx="1">
+            <a:schemeClr val="accent1"/>
+          </a:fillRef>
+          <a:effectRef idx="0">
+            <a:schemeClr val="accent1"/>
+          </a:effectRef>
+          <a:fontRef idx="minor">
+            <a:schemeClr val="lt1"/>
+          </a:fontRef>
+        </p:style>
+        <p:txBody>
+          <a:bodyPr rtlCol="0" anchor="ctr"/>
+          <a:lstStyle/>
+          <a:p>
+            <a:pPr algn="ctr"/>
+            <a:endParaRPr lang="en-US"/>
+          </a:p>
+        </p:txBody>
+      </p:sp>
     </p:spTree>
     <p:extLst>
       <p:ext uri="{BB962C8B-B14F-4D97-AF65-F5344CB8AC3E}">
-        <p14:creationId xmlns:p14="http://schemas.microsoft.com/office/powerpoint/2010/main" val="4116574570"/>
+        <p14:creationId xmlns:p14="http://schemas.microsoft.com/office/powerpoint/2010/main" val="764304304"/>
       </p:ext>
     </p:extLst>
   </p:cSld>
@@ -7426,7 +7499,7 @@
           <p:cNvPr id="5" name="Picture 4">
             <a:extLst>
               <a:ext uri="{FF2B5EF4-FFF2-40B4-BE49-F238E27FC236}">
-                <a16:creationId xmlns:a16="http://schemas.microsoft.com/office/drawing/2014/main" id="{269D915F-ED66-4C54-ADB6-9AE869AFF019}"/>
+                <a16:creationId xmlns:a16="http://schemas.microsoft.com/office/drawing/2014/main" id="{4E13EDAB-759E-478E-B360-A162ADA82F5C}"/>
               </a:ext>
             </a:extLst>
           </p:cNvPr>
@@ -7443,294 +7516,18 @@
         </p:blipFill>
         <p:spPr>
           <a:xfrm>
-            <a:off x="0" y="974813"/>
-            <a:ext cx="12192000" cy="4908374"/>
+            <a:off x="0" y="36548"/>
+            <a:ext cx="12192000" cy="6784904"/>
           </a:xfrm>
           <a:prstGeom prst="rect">
             <a:avLst/>
           </a:prstGeom>
         </p:spPr>
       </p:pic>
-      <p:sp>
-        <p:nvSpPr>
-          <p:cNvPr id="6" name="Arrow: Right 5">
-            <a:extLst>
-              <a:ext uri="{FF2B5EF4-FFF2-40B4-BE49-F238E27FC236}">
-                <a16:creationId xmlns:a16="http://schemas.microsoft.com/office/drawing/2014/main" id="{5DD7644B-3387-4F69-B7B2-ABCF72AD5DCA}"/>
-              </a:ext>
-            </a:extLst>
-          </p:cNvPr>
-          <p:cNvSpPr/>
-          <p:nvPr/>
-        </p:nvSpPr>
-        <p:spPr>
-          <a:xfrm>
-            <a:off x="0" y="5124699"/>
-            <a:ext cx="374073" cy="290946"/>
-          </a:xfrm>
-          <a:prstGeom prst="rightArrow">
-            <a:avLst/>
-          </a:prstGeom>
-          <a:solidFill>
-            <a:srgbClr val="FF0000"/>
-          </a:solidFill>
-          <a:ln>
-            <a:noFill/>
-          </a:ln>
-        </p:spPr>
-        <p:style>
-          <a:lnRef idx="2">
-            <a:schemeClr val="accent1">
-              <a:shade val="50000"/>
-            </a:schemeClr>
-          </a:lnRef>
-          <a:fillRef idx="1">
-            <a:schemeClr val="accent1"/>
-          </a:fillRef>
-          <a:effectRef idx="0">
-            <a:schemeClr val="accent1"/>
-          </a:effectRef>
-          <a:fontRef idx="minor">
-            <a:schemeClr val="lt1"/>
-          </a:fontRef>
-        </p:style>
-        <p:txBody>
-          <a:bodyPr rtlCol="0" anchor="ctr"/>
-          <a:lstStyle/>
-          <a:p>
-            <a:pPr algn="ctr"/>
-            <a:endParaRPr lang="en-US"/>
-          </a:p>
-        </p:txBody>
-      </p:sp>
-      <p:sp>
-        <p:nvSpPr>
-          <p:cNvPr id="7" name="Arrow: Right 6">
-            <a:extLst>
-              <a:ext uri="{FF2B5EF4-FFF2-40B4-BE49-F238E27FC236}">
-                <a16:creationId xmlns:a16="http://schemas.microsoft.com/office/drawing/2014/main" id="{BD4FE829-20D2-4D0E-9A88-D62690658505}"/>
-              </a:ext>
-            </a:extLst>
-          </p:cNvPr>
-          <p:cNvSpPr/>
-          <p:nvPr/>
-        </p:nvSpPr>
-        <p:spPr>
-          <a:xfrm>
-            <a:off x="6061" y="5592241"/>
-            <a:ext cx="374073" cy="290946"/>
-          </a:xfrm>
-          <a:prstGeom prst="rightArrow">
-            <a:avLst/>
-          </a:prstGeom>
-          <a:solidFill>
-            <a:srgbClr val="FF0000"/>
-          </a:solidFill>
-          <a:ln>
-            <a:noFill/>
-          </a:ln>
-        </p:spPr>
-        <p:style>
-          <a:lnRef idx="2">
-            <a:schemeClr val="accent1">
-              <a:shade val="50000"/>
-            </a:schemeClr>
-          </a:lnRef>
-          <a:fillRef idx="1">
-            <a:schemeClr val="accent1"/>
-          </a:fillRef>
-          <a:effectRef idx="0">
-            <a:schemeClr val="accent1"/>
-          </a:effectRef>
-          <a:fontRef idx="minor">
-            <a:schemeClr val="lt1"/>
-          </a:fontRef>
-        </p:style>
-        <p:txBody>
-          <a:bodyPr rtlCol="0" anchor="ctr"/>
-          <a:lstStyle/>
-          <a:p>
-            <a:pPr algn="ctr"/>
-            <a:endParaRPr lang="en-US"/>
-          </a:p>
-        </p:txBody>
-      </p:sp>
-      <p:sp>
-        <p:nvSpPr>
-          <p:cNvPr id="9" name="Arrow: Right 8">
-            <a:extLst>
-              <a:ext uri="{FF2B5EF4-FFF2-40B4-BE49-F238E27FC236}">
-                <a16:creationId xmlns:a16="http://schemas.microsoft.com/office/drawing/2014/main" id="{8EC2CDF2-0B2C-44F7-8AF6-7F46B5A9AAC4}"/>
-              </a:ext>
-            </a:extLst>
-          </p:cNvPr>
-          <p:cNvSpPr/>
-          <p:nvPr/>
-        </p:nvSpPr>
-        <p:spPr>
-          <a:xfrm>
-            <a:off x="619125" y="3562599"/>
-            <a:ext cx="374073" cy="290946"/>
-          </a:xfrm>
-          <a:prstGeom prst="rightArrow">
-            <a:avLst/>
-          </a:prstGeom>
-          <a:solidFill>
-            <a:srgbClr val="FF0000"/>
-          </a:solidFill>
-          <a:ln>
-            <a:noFill/>
-          </a:ln>
-        </p:spPr>
-        <p:style>
-          <a:lnRef idx="2">
-            <a:schemeClr val="accent1">
-              <a:shade val="50000"/>
-            </a:schemeClr>
-          </a:lnRef>
-          <a:fillRef idx="1">
-            <a:schemeClr val="accent1"/>
-          </a:fillRef>
-          <a:effectRef idx="0">
-            <a:schemeClr val="accent1"/>
-          </a:effectRef>
-          <a:fontRef idx="minor">
-            <a:schemeClr val="lt1"/>
-          </a:fontRef>
-        </p:style>
-        <p:txBody>
-          <a:bodyPr rtlCol="0" anchor="ctr"/>
-          <a:lstStyle/>
-          <a:p>
-            <a:pPr algn="ctr"/>
-            <a:endParaRPr lang="en-US"/>
-          </a:p>
-        </p:txBody>
-      </p:sp>
-      <p:sp>
-        <p:nvSpPr>
-          <p:cNvPr id="10" name="Arrow: Right 9">
-            <a:extLst>
-              <a:ext uri="{FF2B5EF4-FFF2-40B4-BE49-F238E27FC236}">
-                <a16:creationId xmlns:a16="http://schemas.microsoft.com/office/drawing/2014/main" id="{7A82DFC9-3D4F-43C0-A659-992328820CC1}"/>
-              </a:ext>
-            </a:extLst>
-          </p:cNvPr>
-          <p:cNvSpPr/>
-          <p:nvPr/>
-        </p:nvSpPr>
-        <p:spPr>
-          <a:xfrm>
-            <a:off x="3028950" y="3577569"/>
-            <a:ext cx="374073" cy="290946"/>
-          </a:xfrm>
-          <a:prstGeom prst="rightArrow">
-            <a:avLst/>
-          </a:prstGeom>
-          <a:solidFill>
-            <a:srgbClr val="FF0000"/>
-          </a:solidFill>
-          <a:ln>
-            <a:noFill/>
-          </a:ln>
-        </p:spPr>
-        <p:style>
-          <a:lnRef idx="2">
-            <a:schemeClr val="accent1">
-              <a:shade val="50000"/>
-            </a:schemeClr>
-          </a:lnRef>
-          <a:fillRef idx="1">
-            <a:schemeClr val="accent1"/>
-          </a:fillRef>
-          <a:effectRef idx="0">
-            <a:schemeClr val="accent1"/>
-          </a:effectRef>
-          <a:fontRef idx="minor">
-            <a:schemeClr val="lt1"/>
-          </a:fontRef>
-        </p:style>
-        <p:txBody>
-          <a:bodyPr rtlCol="0" anchor="ctr"/>
-          <a:lstStyle/>
-          <a:p>
-            <a:pPr algn="ctr"/>
-            <a:endParaRPr lang="en-US"/>
-          </a:p>
-        </p:txBody>
-      </p:sp>
-      <p:sp>
-        <p:nvSpPr>
-          <p:cNvPr id="11" name="TextBox 10">
-            <a:extLst>
-              <a:ext uri="{FF2B5EF4-FFF2-40B4-BE49-F238E27FC236}">
-                <a16:creationId xmlns:a16="http://schemas.microsoft.com/office/drawing/2014/main" id="{F9701955-1AE9-49E4-8EDF-0CD0A37AD7CD}"/>
-              </a:ext>
-            </a:extLst>
-          </p:cNvPr>
-          <p:cNvSpPr txBox="1"/>
-          <p:nvPr/>
-        </p:nvSpPr>
-        <p:spPr>
-          <a:xfrm>
-            <a:off x="0" y="0"/>
-            <a:ext cx="12192000" cy="307777"/>
-          </a:xfrm>
-          <a:prstGeom prst="rect">
-            <a:avLst/>
-          </a:prstGeom>
-          <a:solidFill>
-            <a:schemeClr val="tx1"/>
-          </a:solidFill>
-        </p:spPr>
-        <p:txBody>
-          <a:bodyPr wrap="square">
-            <a:spAutoFit/>
-          </a:bodyPr>
-          <a:lstStyle/>
-          <a:p>
-            <a:r>
-              <a:rPr lang="en-US" sz="1400" b="1" i="0" dirty="0">
-                <a:solidFill>
-                  <a:schemeClr val="bg1"/>
-                </a:solidFill>
-                <a:effectLst/>
-                <a:latin typeface="-apple-system"/>
-              </a:rPr>
-              <a:t>Watson Knowledge Catalog “</a:t>
-            </a:r>
-            <a:r>
-              <a:rPr lang="en-US" sz="1400" b="1" i="0" dirty="0" err="1">
-                <a:solidFill>
-                  <a:schemeClr val="bg1"/>
-                </a:solidFill>
-                <a:effectLst/>
-                <a:latin typeface="-apple-system"/>
-              </a:rPr>
-              <a:t>uDCt</a:t>
-            </a:r>
-            <a:r>
-              <a:rPr lang="en-US" sz="1400" b="1" i="0" dirty="0">
-                <a:solidFill>
-                  <a:schemeClr val="bg1"/>
-                </a:solidFill>
-                <a:effectLst/>
-                <a:latin typeface="-apple-system"/>
-              </a:rPr>
-              <a:t> Catalog1”</a:t>
-            </a:r>
-            <a:endParaRPr lang="en-US" sz="1400" dirty="0">
-              <a:solidFill>
-                <a:schemeClr val="bg1"/>
-              </a:solidFill>
-            </a:endParaRPr>
-          </a:p>
-        </p:txBody>
-      </p:sp>
     </p:spTree>
     <p:extLst>
       <p:ext uri="{BB962C8B-B14F-4D97-AF65-F5344CB8AC3E}">
-        <p14:creationId xmlns:p14="http://schemas.microsoft.com/office/powerpoint/2010/main" val="2400849780"/>
+        <p14:creationId xmlns:p14="http://schemas.microsoft.com/office/powerpoint/2010/main" val="4116574570"/>
       </p:ext>
     </p:extLst>
   </p:cSld>
@@ -7759,10 +7556,10 @@
       </p:grpSpPr>
       <p:pic>
         <p:nvPicPr>
-          <p:cNvPr id="17" name="Picture 16">
-            <a:extLst>
-              <a:ext uri="{FF2B5EF4-FFF2-40B4-BE49-F238E27FC236}">
-                <a16:creationId xmlns:a16="http://schemas.microsoft.com/office/drawing/2014/main" id="{841E70CF-BCFC-4CB5-8CE4-763CE5F6F0C0}"/>
+          <p:cNvPr id="5" name="Picture 4">
+            <a:extLst>
+              <a:ext uri="{FF2B5EF4-FFF2-40B4-BE49-F238E27FC236}">
+                <a16:creationId xmlns:a16="http://schemas.microsoft.com/office/drawing/2014/main" id="{269D915F-ED66-4C54-ADB6-9AE869AFF019}"/>
               </a:ext>
             </a:extLst>
           </p:cNvPr>
@@ -7779,8 +7576,8 @@
         </p:blipFill>
         <p:spPr>
           <a:xfrm>
-            <a:off x="0" y="757993"/>
-            <a:ext cx="12192000" cy="5051065"/>
+            <a:off x="0" y="974813"/>
+            <a:ext cx="12192000" cy="4908374"/>
           </a:xfrm>
           <a:prstGeom prst="rect">
             <a:avLst/>
@@ -7789,58 +7586,10 @@
       </p:pic>
       <p:sp>
         <p:nvSpPr>
-          <p:cNvPr id="6" name="TextBox 5">
-            <a:extLst>
-              <a:ext uri="{FF2B5EF4-FFF2-40B4-BE49-F238E27FC236}">
-                <a16:creationId xmlns:a16="http://schemas.microsoft.com/office/drawing/2014/main" id="{EBB52298-5DC8-495B-A05C-C8E6A6AE32DD}"/>
-              </a:ext>
-            </a:extLst>
-          </p:cNvPr>
-          <p:cNvSpPr txBox="1"/>
-          <p:nvPr/>
-        </p:nvSpPr>
-        <p:spPr>
-          <a:xfrm>
-            <a:off x="0" y="0"/>
-            <a:ext cx="12192000" cy="307777"/>
-          </a:xfrm>
-          <a:prstGeom prst="rect">
-            <a:avLst/>
-          </a:prstGeom>
-          <a:solidFill>
-            <a:schemeClr val="tx1"/>
-          </a:solidFill>
-        </p:spPr>
-        <p:txBody>
-          <a:bodyPr wrap="square">
-            <a:spAutoFit/>
-          </a:bodyPr>
-          <a:lstStyle/>
-          <a:p>
-            <a:r>
-              <a:rPr lang="en-US" sz="1400" b="1" i="0" dirty="0">
-                <a:solidFill>
-                  <a:schemeClr val="bg1"/>
-                </a:solidFill>
-                <a:effectLst/>
-                <a:latin typeface="-apple-system"/>
-              </a:rPr>
-              <a:t>Export dataset to WKC Catalog1</a:t>
-            </a:r>
-            <a:endParaRPr lang="en-US" sz="1400" dirty="0">
-              <a:solidFill>
-                <a:schemeClr val="bg1"/>
-              </a:solidFill>
-            </a:endParaRPr>
-          </a:p>
-        </p:txBody>
-      </p:sp>
-      <p:sp>
-        <p:nvSpPr>
-          <p:cNvPr id="10" name="Arrow: Right 9">
-            <a:extLst>
-              <a:ext uri="{FF2B5EF4-FFF2-40B4-BE49-F238E27FC236}">
-                <a16:creationId xmlns:a16="http://schemas.microsoft.com/office/drawing/2014/main" id="{700822E2-EB8A-4711-B315-46D0B79185E9}"/>
+          <p:cNvPr id="6" name="Arrow: Right 5">
+            <a:extLst>
+              <a:ext uri="{FF2B5EF4-FFF2-40B4-BE49-F238E27FC236}">
+                <a16:creationId xmlns:a16="http://schemas.microsoft.com/office/drawing/2014/main" id="{5DD7644B-3387-4F69-B7B2-ABCF72AD5DCA}"/>
               </a:ext>
             </a:extLst>
           </p:cNvPr>
@@ -7848,8 +7597,8 @@
           <p:nvPr/>
         </p:nvSpPr>
         <p:spPr>
-          <a:xfrm rot="10800000">
-            <a:off x="6955183" y="3390900"/>
+          <a:xfrm>
+            <a:off x="0" y="5124699"/>
             <a:ext cx="374073" cy="290946"/>
           </a:xfrm>
           <a:prstGeom prst="rightArrow">
@@ -7889,10 +7638,10 @@
       </p:sp>
       <p:sp>
         <p:nvSpPr>
-          <p:cNvPr id="12" name="Arrow: Right 11">
-            <a:extLst>
-              <a:ext uri="{FF2B5EF4-FFF2-40B4-BE49-F238E27FC236}">
-                <a16:creationId xmlns:a16="http://schemas.microsoft.com/office/drawing/2014/main" id="{2E355B65-D980-4B9F-8E27-B5DEB9BE2403}"/>
+          <p:cNvPr id="7" name="Arrow: Right 6">
+            <a:extLst>
+              <a:ext uri="{FF2B5EF4-FFF2-40B4-BE49-F238E27FC236}">
+                <a16:creationId xmlns:a16="http://schemas.microsoft.com/office/drawing/2014/main" id="{BD4FE829-20D2-4D0E-9A88-D62690658505}"/>
               </a:ext>
             </a:extLst>
           </p:cNvPr>
@@ -7900,8 +7649,8 @@
           <p:nvPr/>
         </p:nvSpPr>
         <p:spPr>
-          <a:xfrm rot="5400000">
-            <a:off x="9294768" y="2093078"/>
+          <a:xfrm>
+            <a:off x="6061" y="5592241"/>
             <a:ext cx="374073" cy="290946"/>
           </a:xfrm>
           <a:prstGeom prst="rightArrow">
@@ -7941,10 +7690,10 @@
       </p:sp>
       <p:sp>
         <p:nvSpPr>
-          <p:cNvPr id="18" name="Arrow: Right 17">
-            <a:extLst>
-              <a:ext uri="{FF2B5EF4-FFF2-40B4-BE49-F238E27FC236}">
-                <a16:creationId xmlns:a16="http://schemas.microsoft.com/office/drawing/2014/main" id="{D1120F15-58B9-4161-9D3D-053D7729771F}"/>
+          <p:cNvPr id="9" name="Arrow: Right 8">
+            <a:extLst>
+              <a:ext uri="{FF2B5EF4-FFF2-40B4-BE49-F238E27FC236}">
+                <a16:creationId xmlns:a16="http://schemas.microsoft.com/office/drawing/2014/main" id="{8EC2CDF2-0B2C-44F7-8AF6-7F46B5A9AAC4}"/>
               </a:ext>
             </a:extLst>
           </p:cNvPr>
@@ -7952,8 +7701,8 @@
           <p:nvPr/>
         </p:nvSpPr>
         <p:spPr>
-          <a:xfrm rot="10800000">
-            <a:off x="4059583" y="2964004"/>
+          <a:xfrm>
+            <a:off x="619125" y="3562599"/>
             <a:ext cx="374073" cy="290946"/>
           </a:xfrm>
           <a:prstGeom prst="rightArrow">
@@ -7991,10 +7740,130 @@
           </a:p>
         </p:txBody>
       </p:sp>
+      <p:sp>
+        <p:nvSpPr>
+          <p:cNvPr id="10" name="Arrow: Right 9">
+            <a:extLst>
+              <a:ext uri="{FF2B5EF4-FFF2-40B4-BE49-F238E27FC236}">
+                <a16:creationId xmlns:a16="http://schemas.microsoft.com/office/drawing/2014/main" id="{7A82DFC9-3D4F-43C0-A659-992328820CC1}"/>
+              </a:ext>
+            </a:extLst>
+          </p:cNvPr>
+          <p:cNvSpPr/>
+          <p:nvPr/>
+        </p:nvSpPr>
+        <p:spPr>
+          <a:xfrm>
+            <a:off x="3028950" y="3577569"/>
+            <a:ext cx="374073" cy="290946"/>
+          </a:xfrm>
+          <a:prstGeom prst="rightArrow">
+            <a:avLst/>
+          </a:prstGeom>
+          <a:solidFill>
+            <a:srgbClr val="FF0000"/>
+          </a:solidFill>
+          <a:ln>
+            <a:noFill/>
+          </a:ln>
+        </p:spPr>
+        <p:style>
+          <a:lnRef idx="2">
+            <a:schemeClr val="accent1">
+              <a:shade val="50000"/>
+            </a:schemeClr>
+          </a:lnRef>
+          <a:fillRef idx="1">
+            <a:schemeClr val="accent1"/>
+          </a:fillRef>
+          <a:effectRef idx="0">
+            <a:schemeClr val="accent1"/>
+          </a:effectRef>
+          <a:fontRef idx="minor">
+            <a:schemeClr val="lt1"/>
+          </a:fontRef>
+        </p:style>
+        <p:txBody>
+          <a:bodyPr rtlCol="0" anchor="ctr"/>
+          <a:lstStyle/>
+          <a:p>
+            <a:pPr algn="ctr"/>
+            <a:endParaRPr lang="en-US"/>
+          </a:p>
+        </p:txBody>
+      </p:sp>
+      <p:sp>
+        <p:nvSpPr>
+          <p:cNvPr id="11" name="TextBox 10">
+            <a:extLst>
+              <a:ext uri="{FF2B5EF4-FFF2-40B4-BE49-F238E27FC236}">
+                <a16:creationId xmlns:a16="http://schemas.microsoft.com/office/drawing/2014/main" id="{F9701955-1AE9-49E4-8EDF-0CD0A37AD7CD}"/>
+              </a:ext>
+            </a:extLst>
+          </p:cNvPr>
+          <p:cNvSpPr txBox="1"/>
+          <p:nvPr/>
+        </p:nvSpPr>
+        <p:spPr>
+          <a:xfrm>
+            <a:off x="0" y="0"/>
+            <a:ext cx="12192000" cy="307777"/>
+          </a:xfrm>
+          <a:prstGeom prst="rect">
+            <a:avLst/>
+          </a:prstGeom>
+          <a:solidFill>
+            <a:schemeClr val="tx1"/>
+          </a:solidFill>
+        </p:spPr>
+        <p:txBody>
+          <a:bodyPr wrap="square">
+            <a:spAutoFit/>
+          </a:bodyPr>
+          <a:lstStyle/>
+          <a:p>
+            <a:r>
+              <a:rPr lang="en-US" sz="1400" b="1" i="0" dirty="0">
+                <a:solidFill>
+                  <a:schemeClr val="bg1"/>
+                </a:solidFill>
+                <a:effectLst/>
+                <a:latin typeface="-apple-system"/>
+              </a:rPr>
+              <a:t>Watson Knowledge Catalog “</a:t>
+            </a:r>
+            <a:r>
+              <a:rPr lang="en-US" sz="1400" b="1" i="0" dirty="0" err="1">
+                <a:solidFill>
+                  <a:schemeClr val="bg1"/>
+                </a:solidFill>
+                <a:effectLst/>
+                <a:latin typeface="-apple-system"/>
+              </a:rPr>
+              <a:t>uDCt</a:t>
+            </a:r>
+            <a:r>
+              <a:rPr lang="en-US" sz="1400" b="1" i="0" dirty="0">
+                <a:solidFill>
+                  <a:schemeClr val="bg1"/>
+                </a:solidFill>
+                <a:effectLst/>
+                <a:latin typeface="-apple-system"/>
+              </a:rPr>
+              <a:t> Catalog1”</a:t>
+            </a:r>
+            <a:endParaRPr lang="en-US" sz="1400" dirty="0">
+              <a:solidFill>
+                <a:schemeClr val="bg1"/>
+              </a:solidFill>
+            </a:endParaRPr>
+          </a:p>
+        </p:txBody>
+      </p:sp>
     </p:spTree>
     <p:extLst>
       <p:ext uri="{BB962C8B-B14F-4D97-AF65-F5344CB8AC3E}">
-        <p14:creationId xmlns:p14="http://schemas.microsoft.com/office/powerpoint/2010/main" val="2842950398"/>
+        <p14:creationId xmlns:p14="http://schemas.microsoft.com/office/powerpoint/2010/main" val="2400849780"/>
       </p:ext>
     </p:extLst>
   </p:cSld>
